--- a/txt/보리스쿨1기.pptx
+++ b/txt/보리스쿨1기.pptx
@@ -7,6 +7,8 @@
   <p:sldIdLst>
     <p:sldId id="256" r:id="rId2"/>
     <p:sldId id="259" r:id="rId3"/>
+    <p:sldId id="260" r:id="rId4"/>
+    <p:sldId id="261" r:id="rId5"/>
   </p:sldIdLst>
   <p:sldSz cx="12192000" cy="6858000"/>
   <p:notesSz cx="6858000" cy="9144000"/>
@@ -261,7 +263,7 @@
             <a:fld id="{BA543EDD-D0D2-447F-B24F-3717AF4B109D}" type="datetime1">
               <a:rPr lang="en-US" smtClean="0"/>
               <a:pPr/>
-              <a:t>12/22/2021</a:t>
+              <a:t>1/1/2022</a:t>
             </a:fld>
             <a:endParaRPr lang="en-US" dirty="0"/>
           </a:p>
@@ -466,7 +468,7 @@
             <a:fld id="{BA543EDD-D0D2-447F-B24F-3717AF4B109D}" type="datetime1">
               <a:rPr lang="en-US" smtClean="0"/>
               <a:pPr/>
-              <a:t>12/22/2021</a:t>
+              <a:t>1/1/2022</a:t>
             </a:fld>
             <a:endParaRPr lang="en-US" dirty="0"/>
           </a:p>
@@ -681,7 +683,7 @@
             <a:fld id="{BA543EDD-D0D2-447F-B24F-3717AF4B109D}" type="datetime1">
               <a:rPr lang="en-US" smtClean="0"/>
               <a:pPr/>
-              <a:t>12/22/2021</a:t>
+              <a:t>1/1/2022</a:t>
             </a:fld>
             <a:endParaRPr lang="en-US" dirty="0"/>
           </a:p>
@@ -886,7 +888,7 @@
             <a:fld id="{BA543EDD-D0D2-447F-B24F-3717AF4B109D}" type="datetime1">
               <a:rPr lang="en-US" smtClean="0"/>
               <a:pPr/>
-              <a:t>12/22/2021</a:t>
+              <a:t>1/1/2022</a:t>
             </a:fld>
             <a:endParaRPr lang="en-US" dirty="0"/>
           </a:p>
@@ -1168,7 +1170,7 @@
             <a:fld id="{BA543EDD-D0D2-447F-B24F-3717AF4B109D}" type="datetime1">
               <a:rPr lang="en-US" smtClean="0"/>
               <a:pPr/>
-              <a:t>12/22/2021</a:t>
+              <a:t>1/1/2022</a:t>
             </a:fld>
             <a:endParaRPr lang="en-US" dirty="0"/>
           </a:p>
@@ -1440,7 +1442,7 @@
             <a:fld id="{BA543EDD-D0D2-447F-B24F-3717AF4B109D}" type="datetime1">
               <a:rPr lang="en-US" smtClean="0"/>
               <a:pPr/>
-              <a:t>12/22/2021</a:t>
+              <a:t>1/1/2022</a:t>
             </a:fld>
             <a:endParaRPr lang="en-US" dirty="0"/>
           </a:p>
@@ -1859,7 +1861,7 @@
             <a:fld id="{BA543EDD-D0D2-447F-B24F-3717AF4B109D}" type="datetime1">
               <a:rPr lang="en-US" smtClean="0"/>
               <a:pPr/>
-              <a:t>12/22/2021</a:t>
+              <a:t>1/1/2022</a:t>
             </a:fld>
             <a:endParaRPr lang="en-US" dirty="0"/>
           </a:p>
@@ -2007,7 +2009,7 @@
             <a:fld id="{BA543EDD-D0D2-447F-B24F-3717AF4B109D}" type="datetime1">
               <a:rPr lang="en-US" smtClean="0"/>
               <a:pPr/>
-              <a:t>12/22/2021</a:t>
+              <a:t>1/1/2022</a:t>
             </a:fld>
             <a:endParaRPr lang="en-US" dirty="0"/>
           </a:p>
@@ -2127,7 +2129,7 @@
             <a:fld id="{BA543EDD-D0D2-447F-B24F-3717AF4B109D}" type="datetime1">
               <a:rPr lang="en-US" smtClean="0"/>
               <a:pPr/>
-              <a:t>12/22/2021</a:t>
+              <a:t>1/1/2022</a:t>
             </a:fld>
             <a:endParaRPr lang="en-US" dirty="0"/>
           </a:p>
@@ -2445,7 +2447,7 @@
             <a:fld id="{BA543EDD-D0D2-447F-B24F-3717AF4B109D}" type="datetime1">
               <a:rPr lang="en-US" smtClean="0"/>
               <a:pPr/>
-              <a:t>12/22/2021</a:t>
+              <a:t>1/1/2022</a:t>
             </a:fld>
             <a:endParaRPr lang="en-US" dirty="0"/>
           </a:p>
@@ -2740,7 +2742,7 @@
             <a:fld id="{BA543EDD-D0D2-447F-B24F-3717AF4B109D}" type="datetime1">
               <a:rPr lang="en-US" smtClean="0"/>
               <a:pPr/>
-              <a:t>12/22/2021</a:t>
+              <a:t>1/1/2022</a:t>
             </a:fld>
             <a:endParaRPr lang="en-US" dirty="0"/>
           </a:p>
@@ -2988,7 +2990,7 @@
             <a:fld id="{BA543EDD-D0D2-447F-B24F-3717AF4B109D}" type="datetime1">
               <a:rPr lang="en-US" smtClean="0"/>
               <a:pPr/>
-              <a:t>12/22/2021</a:t>
+              <a:t>1/1/2022</a:t>
             </a:fld>
             <a:endParaRPr lang="en-US" dirty="0"/>
           </a:p>
@@ -5237,6 +5239,833 @@
 </p:sld>
 </file>
 
+<file path=ppt/slides/slide3.xml><?xml version="1.0" encoding="utf-8"?>
+<p:sld xmlns:a="http://schemas.openxmlformats.org/drawingml/2006/main" xmlns:r="http://schemas.openxmlformats.org/officeDocument/2006/relationships" xmlns:p="http://schemas.openxmlformats.org/presentationml/2006/main">
+  <p:cSld>
+    <p:spTree>
+      <p:nvGrpSpPr>
+        <p:cNvPr id="1" name=""/>
+        <p:cNvGrpSpPr/>
+        <p:nvPr/>
+      </p:nvGrpSpPr>
+      <p:grpSpPr>
+        <a:xfrm>
+          <a:off x="0" y="0"/>
+          <a:ext cx="0" cy="0"/>
+          <a:chOff x="0" y="0"/>
+          <a:chExt cx="0" cy="0"/>
+        </a:xfrm>
+      </p:grpSpPr>
+      <p:sp>
+        <p:nvSpPr>
+          <p:cNvPr id="4" name="TextBox 3">
+            <a:extLst>
+              <a:ext uri="{FF2B5EF4-FFF2-40B4-BE49-F238E27FC236}">
+                <a16:creationId xmlns:a16="http://schemas.microsoft.com/office/drawing/2014/main" id="{5B182591-D70E-46E5-83E4-4E61F7E4FFD9}"/>
+              </a:ext>
+            </a:extLst>
+          </p:cNvPr>
+          <p:cNvSpPr txBox="1"/>
+          <p:nvPr/>
+        </p:nvSpPr>
+        <p:spPr>
+          <a:xfrm>
+            <a:off x="2242159" y="2292263"/>
+            <a:ext cx="6125227" cy="923330"/>
+          </a:xfrm>
+          <a:prstGeom prst="rect">
+            <a:avLst/>
+          </a:prstGeom>
+          <a:noFill/>
+        </p:spPr>
+        <p:txBody>
+          <a:bodyPr wrap="square" rtlCol="0">
+            <a:spAutoFit/>
+          </a:bodyPr>
+          <a:lstStyle/>
+          <a:p>
+            <a:r>
+              <a:rPr lang="en-US" altLang="ko-KR" dirty="0"/>
+              <a:t>Tailwind.css -&gt; </a:t>
+            </a:r>
+            <a:r>
+              <a:rPr lang="ko-KR" altLang="en-US" dirty="0"/>
+              <a:t>이력서 </a:t>
+            </a:r>
+            <a:r>
+              <a:rPr lang="ko-KR" altLang="en-US" dirty="0" err="1"/>
+              <a:t>할때</a:t>
+            </a:r>
+            <a:r>
+              <a:rPr lang="ko-KR" altLang="en-US" dirty="0"/>
+              <a:t> 해리포터 마법사 처럼 </a:t>
+            </a:r>
+            <a:endParaRPr lang="en-US" altLang="ko-KR" dirty="0"/>
+          </a:p>
+          <a:p>
+            <a:r>
+              <a:rPr lang="ko-KR" altLang="en-US" dirty="0"/>
+              <a:t>꾸며서 이력서 페이지 작성해서 </a:t>
+            </a:r>
+            <a:endParaRPr lang="en-US" altLang="ko-KR" dirty="0"/>
+          </a:p>
+          <a:p>
+            <a:r>
+              <a:rPr lang="en-US" altLang="ko-KR" dirty="0" err="1"/>
+              <a:t>Copepen</a:t>
+            </a:r>
+            <a:r>
+              <a:rPr lang="ko-KR" altLang="en-US" dirty="0"/>
+              <a:t>에 올리기</a:t>
+            </a:r>
+          </a:p>
+        </p:txBody>
+      </p:sp>
+    </p:spTree>
+    <p:extLst>
+      <p:ext uri="{BB962C8B-B14F-4D97-AF65-F5344CB8AC3E}">
+        <p14:creationId xmlns:p14="http://schemas.microsoft.com/office/powerpoint/2010/main" val="1609445647"/>
+      </p:ext>
+    </p:extLst>
+  </p:cSld>
+  <p:clrMapOvr>
+    <a:masterClrMapping/>
+  </p:clrMapOvr>
+</p:sld>
+</file>
+
+<file path=ppt/slides/slide4.xml><?xml version="1.0" encoding="utf-8"?>
+<p:sld xmlns:a="http://schemas.openxmlformats.org/drawingml/2006/main" xmlns:r="http://schemas.openxmlformats.org/officeDocument/2006/relationships" xmlns:p="http://schemas.openxmlformats.org/presentationml/2006/main">
+  <p:cSld>
+    <p:spTree>
+      <p:nvGrpSpPr>
+        <p:cNvPr id="1" name=""/>
+        <p:cNvGrpSpPr/>
+        <p:nvPr/>
+      </p:nvGrpSpPr>
+      <p:grpSpPr>
+        <a:xfrm>
+          <a:off x="0" y="0"/>
+          <a:ext cx="0" cy="0"/>
+          <a:chOff x="0" y="0"/>
+          <a:chExt cx="0" cy="0"/>
+        </a:xfrm>
+      </p:grpSpPr>
+      <p:pic>
+        <p:nvPicPr>
+          <p:cNvPr id="4" name="그림 3">
+            <a:extLst>
+              <a:ext uri="{FF2B5EF4-FFF2-40B4-BE49-F238E27FC236}">
+                <a16:creationId xmlns:a16="http://schemas.microsoft.com/office/drawing/2014/main" id="{05A10287-E97A-4C82-8614-A703959FDE35}"/>
+              </a:ext>
+            </a:extLst>
+          </p:cNvPr>
+          <p:cNvPicPr>
+            <a:picLocks noChangeAspect="1"/>
+          </p:cNvPicPr>
+          <p:nvPr/>
+        </p:nvPicPr>
+        <p:blipFill>
+          <a:blip r:embed="rId2">
+            <a:extLst>
+              <a:ext uri="{28A0092B-C50C-407E-A947-70E740481C1C}">
+                <a14:useLocalDpi xmlns:a14="http://schemas.microsoft.com/office/drawing/2010/main" val="0"/>
+              </a:ext>
+            </a:extLst>
+          </a:blip>
+          <a:stretch>
+            <a:fillRect/>
+          </a:stretch>
+        </p:blipFill>
+        <p:spPr>
+          <a:xfrm>
+            <a:off x="361658" y="569434"/>
+            <a:ext cx="6744284" cy="3718882"/>
+          </a:xfrm>
+          <a:prstGeom prst="rect">
+            <a:avLst/>
+          </a:prstGeom>
+        </p:spPr>
+      </p:pic>
+      <p:sp>
+        <p:nvSpPr>
+          <p:cNvPr id="5" name="액자 4">
+            <a:extLst>
+              <a:ext uri="{FF2B5EF4-FFF2-40B4-BE49-F238E27FC236}">
+                <a16:creationId xmlns:a16="http://schemas.microsoft.com/office/drawing/2014/main" id="{57B9CF0C-E3A0-429D-BA93-EA499E9BFD8E}"/>
+              </a:ext>
+            </a:extLst>
+          </p:cNvPr>
+          <p:cNvSpPr/>
+          <p:nvPr/>
+        </p:nvSpPr>
+        <p:spPr>
+          <a:xfrm>
+            <a:off x="361658" y="569433"/>
+            <a:ext cx="6924967" cy="3718881"/>
+          </a:xfrm>
+          <a:prstGeom prst="frame">
+            <a:avLst>
+              <a:gd name="adj1" fmla="val 4568"/>
+            </a:avLst>
+          </a:prstGeom>
+          <a:solidFill>
+            <a:schemeClr val="accent5"/>
+          </a:solidFill>
+          <a:ln>
+            <a:noFill/>
+          </a:ln>
+        </p:spPr>
+        <p:style>
+          <a:lnRef idx="2">
+            <a:schemeClr val="accent1">
+              <a:shade val="50000"/>
+            </a:schemeClr>
+          </a:lnRef>
+          <a:fillRef idx="1">
+            <a:schemeClr val="accent1"/>
+          </a:fillRef>
+          <a:effectRef idx="0">
+            <a:schemeClr val="accent1"/>
+          </a:effectRef>
+          <a:fontRef idx="minor">
+            <a:schemeClr val="lt1"/>
+          </a:fontRef>
+        </p:style>
+        <p:txBody>
+          <a:bodyPr rtlCol="0" anchor="ctr"/>
+          <a:lstStyle/>
+          <a:p>
+            <a:pPr algn="ctr"/>
+            <a:endParaRPr lang="ko-KR" altLang="en-US">
+              <a:solidFill>
+                <a:schemeClr val="tx1"/>
+              </a:solidFill>
+            </a:endParaRPr>
+          </a:p>
+        </p:txBody>
+      </p:sp>
+      <p:sp>
+        <p:nvSpPr>
+          <p:cNvPr id="6" name="TextBox 5">
+            <a:extLst>
+              <a:ext uri="{FF2B5EF4-FFF2-40B4-BE49-F238E27FC236}">
+                <a16:creationId xmlns:a16="http://schemas.microsoft.com/office/drawing/2014/main" id="{6EA75EAE-3D7D-4963-A7CD-04FEBF71BB09}"/>
+              </a:ext>
+            </a:extLst>
+          </p:cNvPr>
+          <p:cNvSpPr txBox="1"/>
+          <p:nvPr/>
+        </p:nvSpPr>
+        <p:spPr>
+          <a:xfrm>
+            <a:off x="7286624" y="465321"/>
+            <a:ext cx="2664391" cy="307777"/>
+          </a:xfrm>
+          <a:prstGeom prst="rect">
+            <a:avLst/>
+          </a:prstGeom>
+          <a:solidFill>
+            <a:schemeClr val="accent4"/>
+          </a:solidFill>
+          <a:ln>
+            <a:solidFill>
+              <a:schemeClr val="accent4"/>
+            </a:solidFill>
+          </a:ln>
+        </p:spPr>
+        <p:txBody>
+          <a:bodyPr wrap="square" rtlCol="0">
+            <a:spAutoFit/>
+          </a:bodyPr>
+          <a:lstStyle/>
+          <a:p>
+            <a:r>
+              <a:rPr lang="en-US" altLang="ko-KR" sz="1400" dirty="0"/>
+              <a:t>Section .sec-</a:t>
+            </a:r>
+            <a:r>
+              <a:rPr lang="en-US" altLang="ko-KR" sz="1400" dirty="0" err="1"/>
+              <a:t>mySkillset</a:t>
+            </a:r>
+            <a:r>
+              <a:rPr lang="ko-KR" altLang="en-US" sz="1400" dirty="0"/>
+              <a:t> </a:t>
+            </a:r>
+          </a:p>
+        </p:txBody>
+      </p:sp>
+      <p:sp>
+        <p:nvSpPr>
+          <p:cNvPr id="7" name="액자 6">
+            <a:extLst>
+              <a:ext uri="{FF2B5EF4-FFF2-40B4-BE49-F238E27FC236}">
+                <a16:creationId xmlns:a16="http://schemas.microsoft.com/office/drawing/2014/main" id="{60A7E26C-B2A1-4D10-A6E0-B106F38DD971}"/>
+              </a:ext>
+            </a:extLst>
+          </p:cNvPr>
+          <p:cNvSpPr/>
+          <p:nvPr/>
+        </p:nvSpPr>
+        <p:spPr>
+          <a:xfrm>
+            <a:off x="2427734" y="1060036"/>
+            <a:ext cx="2792813" cy="656030"/>
+          </a:xfrm>
+          <a:prstGeom prst="frame">
+            <a:avLst>
+              <a:gd name="adj1" fmla="val 21078"/>
+            </a:avLst>
+          </a:prstGeom>
+          <a:solidFill>
+            <a:schemeClr val="accent2">
+              <a:lumMod val="40000"/>
+              <a:lumOff val="60000"/>
+            </a:schemeClr>
+          </a:solidFill>
+          <a:ln>
+            <a:noFill/>
+          </a:ln>
+        </p:spPr>
+        <p:style>
+          <a:lnRef idx="2">
+            <a:schemeClr val="accent1">
+              <a:shade val="50000"/>
+            </a:schemeClr>
+          </a:lnRef>
+          <a:fillRef idx="1">
+            <a:schemeClr val="accent1"/>
+          </a:fillRef>
+          <a:effectRef idx="0">
+            <a:schemeClr val="accent1"/>
+          </a:effectRef>
+          <a:fontRef idx="minor">
+            <a:schemeClr val="lt1"/>
+          </a:fontRef>
+        </p:style>
+        <p:txBody>
+          <a:bodyPr rtlCol="0" anchor="ctr"/>
+          <a:lstStyle/>
+          <a:p>
+            <a:pPr algn="ctr"/>
+            <a:endParaRPr lang="ko-KR" altLang="en-US" dirty="0">
+              <a:solidFill>
+                <a:schemeClr val="tx1"/>
+              </a:solidFill>
+            </a:endParaRPr>
+          </a:p>
+        </p:txBody>
+      </p:sp>
+      <p:sp>
+        <p:nvSpPr>
+          <p:cNvPr id="8" name="TextBox 7">
+            <a:extLst>
+              <a:ext uri="{FF2B5EF4-FFF2-40B4-BE49-F238E27FC236}">
+                <a16:creationId xmlns:a16="http://schemas.microsoft.com/office/drawing/2014/main" id="{1E8A5A1E-E853-4F50-9A76-4E1CD8012598}"/>
+              </a:ext>
+            </a:extLst>
+          </p:cNvPr>
+          <p:cNvSpPr txBox="1"/>
+          <p:nvPr/>
+        </p:nvSpPr>
+        <p:spPr>
+          <a:xfrm>
+            <a:off x="5220548" y="1252603"/>
+            <a:ext cx="553952" cy="309575"/>
+          </a:xfrm>
+          <a:prstGeom prst="rect">
+            <a:avLst/>
+          </a:prstGeom>
+          <a:solidFill>
+            <a:schemeClr val="accent4"/>
+          </a:solidFill>
+          <a:ln>
+            <a:solidFill>
+              <a:schemeClr val="accent4"/>
+            </a:solidFill>
+          </a:ln>
+        </p:spPr>
+        <p:txBody>
+          <a:bodyPr wrap="square" rtlCol="0">
+            <a:spAutoFit/>
+          </a:bodyPr>
+          <a:lstStyle/>
+          <a:p>
+            <a:r>
+              <a:rPr lang="en-US" altLang="ko-KR" sz="1400" dirty="0"/>
+              <a:t>h3</a:t>
+            </a:r>
+            <a:endParaRPr lang="ko-KR" altLang="en-US" sz="1400" dirty="0"/>
+          </a:p>
+        </p:txBody>
+      </p:sp>
+      <p:sp>
+        <p:nvSpPr>
+          <p:cNvPr id="9" name="액자 8">
+            <a:extLst>
+              <a:ext uri="{FF2B5EF4-FFF2-40B4-BE49-F238E27FC236}">
+                <a16:creationId xmlns:a16="http://schemas.microsoft.com/office/drawing/2014/main" id="{B5F7414B-7D6C-4D31-BFB9-AD946204248D}"/>
+              </a:ext>
+            </a:extLst>
+          </p:cNvPr>
+          <p:cNvSpPr/>
+          <p:nvPr/>
+        </p:nvSpPr>
+        <p:spPr>
+          <a:xfrm>
+            <a:off x="663651" y="2428872"/>
+            <a:ext cx="6150508" cy="1090941"/>
+          </a:xfrm>
+          <a:prstGeom prst="frame">
+            <a:avLst>
+              <a:gd name="adj1" fmla="val 21078"/>
+            </a:avLst>
+          </a:prstGeom>
+          <a:solidFill>
+            <a:schemeClr val="accent2">
+              <a:lumMod val="40000"/>
+              <a:lumOff val="60000"/>
+            </a:schemeClr>
+          </a:solidFill>
+          <a:ln>
+            <a:noFill/>
+          </a:ln>
+        </p:spPr>
+        <p:style>
+          <a:lnRef idx="2">
+            <a:schemeClr val="accent1">
+              <a:shade val="50000"/>
+            </a:schemeClr>
+          </a:lnRef>
+          <a:fillRef idx="1">
+            <a:schemeClr val="accent1"/>
+          </a:fillRef>
+          <a:effectRef idx="0">
+            <a:schemeClr val="accent1"/>
+          </a:effectRef>
+          <a:fontRef idx="minor">
+            <a:schemeClr val="lt1"/>
+          </a:fontRef>
+        </p:style>
+        <p:txBody>
+          <a:bodyPr rtlCol="0" anchor="ctr"/>
+          <a:lstStyle/>
+          <a:p>
+            <a:pPr algn="ctr"/>
+            <a:endParaRPr lang="ko-KR" altLang="en-US" dirty="0">
+              <a:solidFill>
+                <a:schemeClr val="tx1"/>
+              </a:solidFill>
+            </a:endParaRPr>
+          </a:p>
+        </p:txBody>
+      </p:sp>
+      <p:sp>
+        <p:nvSpPr>
+          <p:cNvPr id="10" name="TextBox 9">
+            <a:extLst>
+              <a:ext uri="{FF2B5EF4-FFF2-40B4-BE49-F238E27FC236}">
+                <a16:creationId xmlns:a16="http://schemas.microsoft.com/office/drawing/2014/main" id="{AA420EB0-04A2-49B5-B28A-58095E75D5C2}"/>
+              </a:ext>
+            </a:extLst>
+          </p:cNvPr>
+          <p:cNvSpPr txBox="1"/>
+          <p:nvPr/>
+        </p:nvSpPr>
+        <p:spPr>
+          <a:xfrm>
+            <a:off x="4585900" y="3534649"/>
+            <a:ext cx="1740256" cy="307777"/>
+          </a:xfrm>
+          <a:prstGeom prst="rect">
+            <a:avLst/>
+          </a:prstGeom>
+          <a:solidFill>
+            <a:schemeClr val="accent4"/>
+          </a:solidFill>
+          <a:ln>
+            <a:solidFill>
+              <a:schemeClr val="accent4"/>
+            </a:solidFill>
+          </a:ln>
+        </p:spPr>
+        <p:txBody>
+          <a:bodyPr wrap="square" rtlCol="0">
+            <a:spAutoFit/>
+          </a:bodyPr>
+          <a:lstStyle/>
+          <a:p>
+            <a:r>
+              <a:rPr lang="en-US" altLang="ko-KR" sz="1400" dirty="0" err="1"/>
+              <a:t>Ul.list</a:t>
+            </a:r>
+            <a:r>
+              <a:rPr lang="en-US" altLang="ko-KR" sz="1400" dirty="0"/>
+              <a:t>-skill &gt;li*4</a:t>
+            </a:r>
+            <a:endParaRPr lang="ko-KR" altLang="en-US" sz="1400" dirty="0"/>
+          </a:p>
+        </p:txBody>
+      </p:sp>
+      <p:sp>
+        <p:nvSpPr>
+          <p:cNvPr id="11" name="TextBox 10">
+            <a:extLst>
+              <a:ext uri="{FF2B5EF4-FFF2-40B4-BE49-F238E27FC236}">
+                <a16:creationId xmlns:a16="http://schemas.microsoft.com/office/drawing/2014/main" id="{2F103FF6-EDC0-415F-8E31-7EDAFE860BB8}"/>
+              </a:ext>
+            </a:extLst>
+          </p:cNvPr>
+          <p:cNvSpPr txBox="1"/>
+          <p:nvPr/>
+        </p:nvSpPr>
+        <p:spPr>
+          <a:xfrm>
+            <a:off x="7588617" y="2504150"/>
+            <a:ext cx="3939731" cy="1815882"/>
+          </a:xfrm>
+          <a:prstGeom prst="rect">
+            <a:avLst/>
+          </a:prstGeom>
+          <a:solidFill>
+            <a:schemeClr val="accent4"/>
+          </a:solidFill>
+          <a:ln>
+            <a:solidFill>
+              <a:schemeClr val="accent4"/>
+            </a:solidFill>
+          </a:ln>
+        </p:spPr>
+        <p:txBody>
+          <a:bodyPr wrap="square" rtlCol="0">
+            <a:spAutoFit/>
+          </a:bodyPr>
+          <a:lstStyle/>
+          <a:p>
+            <a:r>
+              <a:rPr lang="en-US" altLang="ko-KR" sz="1400" dirty="0"/>
+              <a:t>Section &gt; div*2</a:t>
+            </a:r>
+          </a:p>
+          <a:p>
+            <a:endParaRPr lang="en-US" altLang="ko-KR" sz="1400" dirty="0"/>
+          </a:p>
+          <a:p>
+            <a:r>
+              <a:rPr lang="en-US" altLang="ko-KR" sz="1400" dirty="0"/>
+              <a:t>div(1) </a:t>
+            </a:r>
+            <a:r>
+              <a:rPr lang="en-US" altLang="ko-KR" sz="1400" dirty="0" err="1"/>
+              <a:t>img</a:t>
+            </a:r>
+            <a:r>
+              <a:rPr lang="en-US" altLang="ko-KR" sz="1400" dirty="0"/>
+              <a:t>-background-</a:t>
+            </a:r>
+            <a:r>
+              <a:rPr lang="en-US" altLang="ko-KR" sz="1400" dirty="0" err="1"/>
+              <a:t>mySkill</a:t>
+            </a:r>
+            <a:r>
+              <a:rPr lang="en-US" altLang="ko-KR" sz="1400" dirty="0"/>
+              <a:t> -&gt; pc </a:t>
+            </a:r>
+            <a:r>
+              <a:rPr lang="ko-KR" altLang="en-US" sz="1400" dirty="0"/>
+              <a:t>화면의 백그라운드 이미지 모바일에서는 </a:t>
+            </a:r>
+            <a:r>
+              <a:rPr lang="en-US" altLang="ko-KR" sz="1400" dirty="0"/>
+              <a:t>display: none;</a:t>
+            </a:r>
+          </a:p>
+          <a:p>
+            <a:endParaRPr lang="en-US" altLang="ko-KR" sz="1400" dirty="0"/>
+          </a:p>
+          <a:p>
+            <a:r>
+              <a:rPr lang="en-US" altLang="ko-KR" sz="1400" dirty="0"/>
+              <a:t>div(2) </a:t>
+            </a:r>
+            <a:r>
+              <a:rPr lang="en-US" altLang="ko-KR" sz="1400" dirty="0" err="1"/>
+              <a:t>div.con-mySkillset</a:t>
+            </a:r>
+            <a:endParaRPr lang="en-US" altLang="ko-KR" sz="1400" dirty="0"/>
+          </a:p>
+          <a:p>
+            <a:r>
+              <a:rPr lang="en-US" altLang="ko-KR" sz="1400" dirty="0" err="1"/>
+              <a:t>Div</a:t>
+            </a:r>
+            <a:r>
+              <a:rPr lang="en-US" altLang="ko-KR" sz="1400" dirty="0"/>
+              <a:t> &gt; h3,ul.list-slill</a:t>
+            </a:r>
+          </a:p>
+          <a:p>
+            <a:r>
+              <a:rPr lang="ko-KR" altLang="en-US" sz="1400" dirty="0"/>
+              <a:t> </a:t>
+            </a:r>
+          </a:p>
+        </p:txBody>
+      </p:sp>
+      <p:sp>
+        <p:nvSpPr>
+          <p:cNvPr id="12" name="액자 11">
+            <a:extLst>
+              <a:ext uri="{FF2B5EF4-FFF2-40B4-BE49-F238E27FC236}">
+                <a16:creationId xmlns:a16="http://schemas.microsoft.com/office/drawing/2014/main" id="{2F53DCAC-FA31-440E-A50E-C2291C873A12}"/>
+              </a:ext>
+            </a:extLst>
+          </p:cNvPr>
+          <p:cNvSpPr/>
+          <p:nvPr/>
+        </p:nvSpPr>
+        <p:spPr>
+          <a:xfrm>
+            <a:off x="694741" y="773098"/>
+            <a:ext cx="6300101" cy="3311548"/>
+          </a:xfrm>
+          <a:prstGeom prst="frame">
+            <a:avLst>
+              <a:gd name="adj1" fmla="val 4568"/>
+            </a:avLst>
+          </a:prstGeom>
+          <a:solidFill>
+            <a:schemeClr val="accent4">
+              <a:lumMod val="40000"/>
+              <a:lumOff val="60000"/>
+            </a:schemeClr>
+          </a:solidFill>
+          <a:ln>
+            <a:solidFill>
+              <a:schemeClr val="accent4">
+                <a:lumMod val="40000"/>
+                <a:lumOff val="60000"/>
+              </a:schemeClr>
+            </a:solidFill>
+          </a:ln>
+        </p:spPr>
+        <p:style>
+          <a:lnRef idx="2">
+            <a:schemeClr val="accent1">
+              <a:shade val="50000"/>
+            </a:schemeClr>
+          </a:lnRef>
+          <a:fillRef idx="1">
+            <a:schemeClr val="accent1"/>
+          </a:fillRef>
+          <a:effectRef idx="0">
+            <a:schemeClr val="accent1"/>
+          </a:effectRef>
+          <a:fontRef idx="minor">
+            <a:schemeClr val="lt1"/>
+          </a:fontRef>
+        </p:style>
+        <p:txBody>
+          <a:bodyPr rtlCol="0" anchor="ctr"/>
+          <a:lstStyle/>
+          <a:p>
+            <a:pPr algn="ctr"/>
+            <a:endParaRPr lang="ko-KR" altLang="en-US" dirty="0">
+              <a:solidFill>
+                <a:schemeClr val="tx1"/>
+              </a:solidFill>
+            </a:endParaRPr>
+          </a:p>
+        </p:txBody>
+      </p:sp>
+      <p:sp>
+        <p:nvSpPr>
+          <p:cNvPr id="13" name="TextBox 12">
+            <a:extLst>
+              <a:ext uri="{FF2B5EF4-FFF2-40B4-BE49-F238E27FC236}">
+                <a16:creationId xmlns:a16="http://schemas.microsoft.com/office/drawing/2014/main" id="{6A4BACF7-54D4-4B8F-9A14-6A101FCBB127}"/>
+              </a:ext>
+            </a:extLst>
+          </p:cNvPr>
+          <p:cNvSpPr txBox="1"/>
+          <p:nvPr/>
+        </p:nvSpPr>
+        <p:spPr>
+          <a:xfrm>
+            <a:off x="6880620" y="1177833"/>
+            <a:ext cx="1641302" cy="307777"/>
+          </a:xfrm>
+          <a:prstGeom prst="rect">
+            <a:avLst/>
+          </a:prstGeom>
+          <a:solidFill>
+            <a:schemeClr val="accent2">
+              <a:lumMod val="60000"/>
+              <a:lumOff val="40000"/>
+            </a:schemeClr>
+          </a:solidFill>
+          <a:ln>
+            <a:solidFill>
+              <a:schemeClr val="accent4"/>
+            </a:solidFill>
+          </a:ln>
+        </p:spPr>
+        <p:txBody>
+          <a:bodyPr wrap="square" rtlCol="0">
+            <a:spAutoFit/>
+          </a:bodyPr>
+          <a:lstStyle/>
+          <a:p>
+            <a:r>
+              <a:rPr lang="en-US" altLang="ko-KR" sz="1400" dirty="0" err="1"/>
+              <a:t>div.con-mySkillset</a:t>
+            </a:r>
+            <a:endParaRPr lang="ko-KR" altLang="en-US" sz="1400" dirty="0"/>
+          </a:p>
+        </p:txBody>
+      </p:sp>
+      <p:sp>
+        <p:nvSpPr>
+          <p:cNvPr id="14" name="TextBox 13">
+            <a:extLst>
+              <a:ext uri="{FF2B5EF4-FFF2-40B4-BE49-F238E27FC236}">
+                <a16:creationId xmlns:a16="http://schemas.microsoft.com/office/drawing/2014/main" id="{26923DED-D3DD-4519-A234-9737BCEF7D94}"/>
+              </a:ext>
+            </a:extLst>
+          </p:cNvPr>
+          <p:cNvSpPr txBox="1"/>
+          <p:nvPr/>
+        </p:nvSpPr>
+        <p:spPr>
+          <a:xfrm>
+            <a:off x="457868" y="5274744"/>
+            <a:ext cx="3939731" cy="523220"/>
+          </a:xfrm>
+          <a:prstGeom prst="rect">
+            <a:avLst/>
+          </a:prstGeom>
+          <a:solidFill>
+            <a:schemeClr val="accent1">
+              <a:lumMod val="40000"/>
+              <a:lumOff val="60000"/>
+            </a:schemeClr>
+          </a:solidFill>
+          <a:ln>
+            <a:solidFill>
+              <a:schemeClr val="accent4"/>
+            </a:solidFill>
+          </a:ln>
+        </p:spPr>
+        <p:txBody>
+          <a:bodyPr wrap="square" rtlCol="0">
+            <a:spAutoFit/>
+          </a:bodyPr>
+          <a:lstStyle/>
+          <a:p>
+            <a:r>
+              <a:rPr lang="en-US" altLang="ko-KR" sz="1400" dirty="0"/>
+              <a:t>H2, h3</a:t>
+            </a:r>
+            <a:r>
+              <a:rPr lang="ko-KR" altLang="en-US" sz="1400" dirty="0"/>
+              <a:t>등 </a:t>
+            </a:r>
+            <a:r>
+              <a:rPr lang="en-US" altLang="ko-KR" sz="1400" dirty="0"/>
+              <a:t>html</a:t>
+            </a:r>
+            <a:r>
+              <a:rPr lang="ko-KR" altLang="en-US" sz="1400" dirty="0"/>
+              <a:t>을 적용한 것에 대해서 이유들을 정리해서 여기에 계속 업로드 하자</a:t>
+            </a:r>
+          </a:p>
+        </p:txBody>
+      </p:sp>
+      <p:sp>
+        <p:nvSpPr>
+          <p:cNvPr id="15" name="TextBox 14">
+            <a:extLst>
+              <a:ext uri="{FF2B5EF4-FFF2-40B4-BE49-F238E27FC236}">
+                <a16:creationId xmlns:a16="http://schemas.microsoft.com/office/drawing/2014/main" id="{23E4E39B-27FC-4D19-9D36-27EAEBCF49E0}"/>
+              </a:ext>
+            </a:extLst>
+          </p:cNvPr>
+          <p:cNvSpPr txBox="1"/>
+          <p:nvPr/>
+        </p:nvSpPr>
+        <p:spPr>
+          <a:xfrm>
+            <a:off x="2765707" y="2225685"/>
+            <a:ext cx="2158167" cy="307777"/>
+          </a:xfrm>
+          <a:prstGeom prst="rect">
+            <a:avLst/>
+          </a:prstGeom>
+          <a:solidFill>
+            <a:schemeClr val="accent2">
+              <a:lumMod val="75000"/>
+            </a:schemeClr>
+          </a:solidFill>
+          <a:ln>
+            <a:solidFill>
+              <a:schemeClr val="accent4"/>
+            </a:solidFill>
+          </a:ln>
+        </p:spPr>
+        <p:txBody>
+          <a:bodyPr wrap="square" rtlCol="0">
+            <a:spAutoFit/>
+          </a:bodyPr>
+          <a:lstStyle/>
+          <a:p>
+            <a:r>
+              <a:rPr lang="en-US" altLang="ko-KR" sz="1400" dirty="0">
+                <a:solidFill>
+                  <a:schemeClr val="bg1"/>
+                </a:solidFill>
+              </a:rPr>
+              <a:t>Sprite </a:t>
+            </a:r>
+            <a:r>
+              <a:rPr lang="en-US" altLang="ko-KR" sz="1400" dirty="0" err="1">
+                <a:solidFill>
+                  <a:schemeClr val="bg1"/>
+                </a:solidFill>
+              </a:rPr>
+              <a:t>img</a:t>
+            </a:r>
+            <a:r>
+              <a:rPr lang="en-US" altLang="ko-KR" sz="1400" dirty="0">
+                <a:solidFill>
+                  <a:schemeClr val="bg1"/>
+                </a:solidFill>
+              </a:rPr>
+              <a:t> </a:t>
+            </a:r>
+            <a:r>
+              <a:rPr lang="ko-KR" altLang="en-US" sz="1400" dirty="0">
+                <a:solidFill>
+                  <a:schemeClr val="bg1"/>
+                </a:solidFill>
+              </a:rPr>
+              <a:t>사용하기</a:t>
+            </a:r>
+          </a:p>
+        </p:txBody>
+      </p:sp>
+    </p:spTree>
+    <p:extLst>
+      <p:ext uri="{BB962C8B-B14F-4D97-AF65-F5344CB8AC3E}">
+        <p14:creationId xmlns:p14="http://schemas.microsoft.com/office/powerpoint/2010/main" val="631762915"/>
+      </p:ext>
+    </p:extLst>
+  </p:cSld>
+  <p:clrMapOvr>
+    <a:masterClrMapping/>
+  </p:clrMapOvr>
+</p:sld>
+</file>
+
 <file path=ppt/theme/theme1.xml><?xml version="1.0" encoding="utf-8"?>
 <a:theme xmlns:a="http://schemas.openxmlformats.org/drawingml/2006/main" name="Office 테마">
   <a:themeElements>

--- a/txt/보리스쿨1기.pptx
+++ b/txt/보리스쿨1기.pptx
@@ -9,6 +9,10 @@
     <p:sldId id="259" r:id="rId3"/>
     <p:sldId id="260" r:id="rId4"/>
     <p:sldId id="261" r:id="rId5"/>
+    <p:sldId id="262" r:id="rId6"/>
+    <p:sldId id="264" r:id="rId7"/>
+    <p:sldId id="263" r:id="rId8"/>
+    <p:sldId id="265" r:id="rId9"/>
   </p:sldIdLst>
   <p:sldSz cx="12192000" cy="6858000"/>
   <p:notesSz cx="6858000" cy="9144000"/>
@@ -263,7 +267,7 @@
             <a:fld id="{BA543EDD-D0D2-447F-B24F-3717AF4B109D}" type="datetime1">
               <a:rPr lang="en-US" smtClean="0"/>
               <a:pPr/>
-              <a:t>1/1/2022</a:t>
+              <a:t>1/3/2022</a:t>
             </a:fld>
             <a:endParaRPr lang="en-US" dirty="0"/>
           </a:p>
@@ -468,7 +472,7 @@
             <a:fld id="{BA543EDD-D0D2-447F-B24F-3717AF4B109D}" type="datetime1">
               <a:rPr lang="en-US" smtClean="0"/>
               <a:pPr/>
-              <a:t>1/1/2022</a:t>
+              <a:t>1/3/2022</a:t>
             </a:fld>
             <a:endParaRPr lang="en-US" dirty="0"/>
           </a:p>
@@ -683,7 +687,7 @@
             <a:fld id="{BA543EDD-D0D2-447F-B24F-3717AF4B109D}" type="datetime1">
               <a:rPr lang="en-US" smtClean="0"/>
               <a:pPr/>
-              <a:t>1/1/2022</a:t>
+              <a:t>1/3/2022</a:t>
             </a:fld>
             <a:endParaRPr lang="en-US" dirty="0"/>
           </a:p>
@@ -888,7 +892,7 @@
             <a:fld id="{BA543EDD-D0D2-447F-B24F-3717AF4B109D}" type="datetime1">
               <a:rPr lang="en-US" smtClean="0"/>
               <a:pPr/>
-              <a:t>1/1/2022</a:t>
+              <a:t>1/3/2022</a:t>
             </a:fld>
             <a:endParaRPr lang="en-US" dirty="0"/>
           </a:p>
@@ -1170,7 +1174,7 @@
             <a:fld id="{BA543EDD-D0D2-447F-B24F-3717AF4B109D}" type="datetime1">
               <a:rPr lang="en-US" smtClean="0"/>
               <a:pPr/>
-              <a:t>1/1/2022</a:t>
+              <a:t>1/3/2022</a:t>
             </a:fld>
             <a:endParaRPr lang="en-US" dirty="0"/>
           </a:p>
@@ -1442,7 +1446,7 @@
             <a:fld id="{BA543EDD-D0D2-447F-B24F-3717AF4B109D}" type="datetime1">
               <a:rPr lang="en-US" smtClean="0"/>
               <a:pPr/>
-              <a:t>1/1/2022</a:t>
+              <a:t>1/3/2022</a:t>
             </a:fld>
             <a:endParaRPr lang="en-US" dirty="0"/>
           </a:p>
@@ -1861,7 +1865,7 @@
             <a:fld id="{BA543EDD-D0D2-447F-B24F-3717AF4B109D}" type="datetime1">
               <a:rPr lang="en-US" smtClean="0"/>
               <a:pPr/>
-              <a:t>1/1/2022</a:t>
+              <a:t>1/3/2022</a:t>
             </a:fld>
             <a:endParaRPr lang="en-US" dirty="0"/>
           </a:p>
@@ -2009,7 +2013,7 @@
             <a:fld id="{BA543EDD-D0D2-447F-B24F-3717AF4B109D}" type="datetime1">
               <a:rPr lang="en-US" smtClean="0"/>
               <a:pPr/>
-              <a:t>1/1/2022</a:t>
+              <a:t>1/3/2022</a:t>
             </a:fld>
             <a:endParaRPr lang="en-US" dirty="0"/>
           </a:p>
@@ -2129,7 +2133,7 @@
             <a:fld id="{BA543EDD-D0D2-447F-B24F-3717AF4B109D}" type="datetime1">
               <a:rPr lang="en-US" smtClean="0"/>
               <a:pPr/>
-              <a:t>1/1/2022</a:t>
+              <a:t>1/3/2022</a:t>
             </a:fld>
             <a:endParaRPr lang="en-US" dirty="0"/>
           </a:p>
@@ -2447,7 +2451,7 @@
             <a:fld id="{BA543EDD-D0D2-447F-B24F-3717AF4B109D}" type="datetime1">
               <a:rPr lang="en-US" smtClean="0"/>
               <a:pPr/>
-              <a:t>1/1/2022</a:t>
+              <a:t>1/3/2022</a:t>
             </a:fld>
             <a:endParaRPr lang="en-US" dirty="0"/>
           </a:p>
@@ -2742,7 +2746,7 @@
             <a:fld id="{BA543EDD-D0D2-447F-B24F-3717AF4B109D}" type="datetime1">
               <a:rPr lang="en-US" smtClean="0"/>
               <a:pPr/>
-              <a:t>1/1/2022</a:t>
+              <a:t>1/3/2022</a:t>
             </a:fld>
             <a:endParaRPr lang="en-US" dirty="0"/>
           </a:p>
@@ -2990,7 +2994,7 @@
             <a:fld id="{BA543EDD-D0D2-447F-B24F-3717AF4B109D}" type="datetime1">
               <a:rPr lang="en-US" smtClean="0"/>
               <a:pPr/>
-              <a:t>1/1/2022</a:t>
+              <a:t>1/3/2022</a:t>
             </a:fld>
             <a:endParaRPr lang="en-US" dirty="0"/>
           </a:p>
@@ -6066,6 +6070,4169 @@
 </p:sld>
 </file>
 
+<file path=ppt/slides/slide5.xml><?xml version="1.0" encoding="utf-8"?>
+<p:sld xmlns:a="http://schemas.openxmlformats.org/drawingml/2006/main" xmlns:r="http://schemas.openxmlformats.org/officeDocument/2006/relationships" xmlns:p="http://schemas.openxmlformats.org/presentationml/2006/main">
+  <p:cSld>
+    <p:spTree>
+      <p:nvGrpSpPr>
+        <p:cNvPr id="1" name=""/>
+        <p:cNvGrpSpPr/>
+        <p:nvPr/>
+      </p:nvGrpSpPr>
+      <p:grpSpPr>
+        <a:xfrm>
+          <a:off x="0" y="0"/>
+          <a:ext cx="0" cy="0"/>
+          <a:chOff x="0" y="0"/>
+          <a:chExt cx="0" cy="0"/>
+        </a:xfrm>
+      </p:grpSpPr>
+      <p:grpSp>
+        <p:nvGrpSpPr>
+          <p:cNvPr id="35" name="그룹 34">
+            <a:extLst>
+              <a:ext uri="{FF2B5EF4-FFF2-40B4-BE49-F238E27FC236}">
+                <a16:creationId xmlns:a16="http://schemas.microsoft.com/office/drawing/2014/main" id="{C8E4C8C8-8A0D-4A22-84DF-3CBF9910A5A2}"/>
+              </a:ext>
+            </a:extLst>
+          </p:cNvPr>
+          <p:cNvGrpSpPr/>
+          <p:nvPr/>
+        </p:nvGrpSpPr>
+        <p:grpSpPr>
+          <a:xfrm>
+            <a:off x="2091844" y="667938"/>
+            <a:ext cx="3219189" cy="3888405"/>
+            <a:chOff x="6096000" y="2785881"/>
+            <a:chExt cx="3219189" cy="3888405"/>
+          </a:xfrm>
+        </p:grpSpPr>
+        <p:sp>
+          <p:nvSpPr>
+            <p:cNvPr id="29" name="직사각형 28">
+              <a:extLst>
+                <a:ext uri="{FF2B5EF4-FFF2-40B4-BE49-F238E27FC236}">
+                  <a16:creationId xmlns:a16="http://schemas.microsoft.com/office/drawing/2014/main" id="{3897AF91-2E3E-4C59-AE39-CBF14590B5C4}"/>
+                </a:ext>
+              </a:extLst>
+            </p:cNvPr>
+            <p:cNvSpPr/>
+            <p:nvPr/>
+          </p:nvSpPr>
+          <p:spPr>
+            <a:xfrm>
+              <a:off x="6096000" y="2785881"/>
+              <a:ext cx="3219189" cy="3888405"/>
+            </a:xfrm>
+            <a:prstGeom prst="rect">
+              <a:avLst/>
+            </a:prstGeom>
+          </p:spPr>
+          <p:style>
+            <a:lnRef idx="2">
+              <a:schemeClr val="accent2">
+                <a:shade val="50000"/>
+              </a:schemeClr>
+            </a:lnRef>
+            <a:fillRef idx="1">
+              <a:schemeClr val="accent2"/>
+            </a:fillRef>
+            <a:effectRef idx="0">
+              <a:schemeClr val="accent2"/>
+            </a:effectRef>
+            <a:fontRef idx="minor">
+              <a:schemeClr val="lt1"/>
+            </a:fontRef>
+          </p:style>
+          <p:txBody>
+            <a:bodyPr rtlCol="0" anchor="ctr"/>
+            <a:lstStyle/>
+            <a:p>
+              <a:pPr algn="ctr"/>
+              <a:endParaRPr lang="ko-KR" altLang="en-US" dirty="0"/>
+            </a:p>
+          </p:txBody>
+        </p:sp>
+        <p:sp>
+          <p:nvSpPr>
+            <p:cNvPr id="30" name="직사각형 29">
+              <a:extLst>
+                <a:ext uri="{FF2B5EF4-FFF2-40B4-BE49-F238E27FC236}">
+                  <a16:creationId xmlns:a16="http://schemas.microsoft.com/office/drawing/2014/main" id="{0CB33027-D222-4C31-971E-BB49B9CF5199}"/>
+                </a:ext>
+              </a:extLst>
+            </p:cNvPr>
+            <p:cNvSpPr/>
+            <p:nvPr/>
+          </p:nvSpPr>
+          <p:spPr>
+            <a:xfrm>
+              <a:off x="6609570" y="3049973"/>
+              <a:ext cx="2254684" cy="1651348"/>
+            </a:xfrm>
+            <a:prstGeom prst="rect">
+              <a:avLst/>
+            </a:prstGeom>
+          </p:spPr>
+          <p:style>
+            <a:lnRef idx="2">
+              <a:schemeClr val="accent4">
+                <a:shade val="50000"/>
+              </a:schemeClr>
+            </a:lnRef>
+            <a:fillRef idx="1">
+              <a:schemeClr val="accent4"/>
+            </a:fillRef>
+            <a:effectRef idx="0">
+              <a:schemeClr val="accent4"/>
+            </a:effectRef>
+            <a:fontRef idx="minor">
+              <a:schemeClr val="lt1"/>
+            </a:fontRef>
+          </p:style>
+          <p:txBody>
+            <a:bodyPr rtlCol="0" anchor="ctr"/>
+            <a:lstStyle/>
+            <a:p>
+              <a:pPr algn="ctr"/>
+              <a:r>
+                <a:rPr lang="en-US" altLang="ko-KR" dirty="0" err="1"/>
+                <a:t>codepen</a:t>
+              </a:r>
+              <a:endParaRPr lang="ko-KR" altLang="en-US" dirty="0"/>
+            </a:p>
+          </p:txBody>
+        </p:sp>
+        <p:sp>
+          <p:nvSpPr>
+            <p:cNvPr id="31" name="직사각형 30">
+              <a:extLst>
+                <a:ext uri="{FF2B5EF4-FFF2-40B4-BE49-F238E27FC236}">
+                  <a16:creationId xmlns:a16="http://schemas.microsoft.com/office/drawing/2014/main" id="{372781DB-8BF9-4276-A63E-8683C380215C}"/>
+                </a:ext>
+              </a:extLst>
+            </p:cNvPr>
+            <p:cNvSpPr/>
+            <p:nvPr/>
+          </p:nvSpPr>
+          <p:spPr>
+            <a:xfrm>
+              <a:off x="6578251" y="4906746"/>
+              <a:ext cx="2254684" cy="382042"/>
+            </a:xfrm>
+            <a:prstGeom prst="rect">
+              <a:avLst/>
+            </a:prstGeom>
+          </p:spPr>
+          <p:style>
+            <a:lnRef idx="2">
+              <a:schemeClr val="accent4">
+                <a:shade val="50000"/>
+              </a:schemeClr>
+            </a:lnRef>
+            <a:fillRef idx="1">
+              <a:schemeClr val="accent4"/>
+            </a:fillRef>
+            <a:effectRef idx="0">
+              <a:schemeClr val="accent4"/>
+            </a:effectRef>
+            <a:fontRef idx="minor">
+              <a:schemeClr val="lt1"/>
+            </a:fontRef>
+          </p:style>
+          <p:txBody>
+            <a:bodyPr rtlCol="0" anchor="ctr"/>
+            <a:lstStyle/>
+            <a:p>
+              <a:pPr algn="ctr"/>
+              <a:r>
+                <a:rPr lang="en-US" altLang="ko-KR" dirty="0"/>
+                <a:t>name</a:t>
+              </a:r>
+              <a:endParaRPr lang="ko-KR" altLang="en-US" dirty="0"/>
+            </a:p>
+          </p:txBody>
+        </p:sp>
+        <p:sp>
+          <p:nvSpPr>
+            <p:cNvPr id="32" name="직사각형 31">
+              <a:extLst>
+                <a:ext uri="{FF2B5EF4-FFF2-40B4-BE49-F238E27FC236}">
+                  <a16:creationId xmlns:a16="http://schemas.microsoft.com/office/drawing/2014/main" id="{F6EB69A7-82CF-49CD-9F6D-8BFC0202F7F7}"/>
+                </a:ext>
+              </a:extLst>
+            </p:cNvPr>
+            <p:cNvSpPr/>
+            <p:nvPr/>
+          </p:nvSpPr>
+          <p:spPr>
+            <a:xfrm>
+              <a:off x="6609570" y="5464782"/>
+              <a:ext cx="2254684" cy="382042"/>
+            </a:xfrm>
+            <a:prstGeom prst="rect">
+              <a:avLst/>
+            </a:prstGeom>
+          </p:spPr>
+          <p:style>
+            <a:lnRef idx="2">
+              <a:schemeClr val="accent4">
+                <a:shade val="50000"/>
+              </a:schemeClr>
+            </a:lnRef>
+            <a:fillRef idx="1">
+              <a:schemeClr val="accent4"/>
+            </a:fillRef>
+            <a:effectRef idx="0">
+              <a:schemeClr val="accent4"/>
+            </a:effectRef>
+            <a:fontRef idx="minor">
+              <a:schemeClr val="lt1"/>
+            </a:fontRef>
+          </p:style>
+          <p:txBody>
+            <a:bodyPr rtlCol="0" anchor="ctr"/>
+            <a:lstStyle/>
+            <a:p>
+              <a:pPr algn="ctr"/>
+              <a:r>
+                <a:rPr lang="en-US" altLang="ko-KR" dirty="0"/>
+                <a:t>describe</a:t>
+              </a:r>
+              <a:endParaRPr lang="ko-KR" altLang="en-US" dirty="0"/>
+            </a:p>
+          </p:txBody>
+        </p:sp>
+        <p:sp>
+          <p:nvSpPr>
+            <p:cNvPr id="33" name="직사각형 32">
+              <a:extLst>
+                <a:ext uri="{FF2B5EF4-FFF2-40B4-BE49-F238E27FC236}">
+                  <a16:creationId xmlns:a16="http://schemas.microsoft.com/office/drawing/2014/main" id="{F924A714-8CBB-4017-8F7E-39430BB202B0}"/>
+                </a:ext>
+              </a:extLst>
+            </p:cNvPr>
+            <p:cNvSpPr/>
+            <p:nvPr/>
+          </p:nvSpPr>
+          <p:spPr>
+            <a:xfrm>
+              <a:off x="6642973" y="6016857"/>
+              <a:ext cx="1160742" cy="521729"/>
+            </a:xfrm>
+            <a:prstGeom prst="rect">
+              <a:avLst/>
+            </a:prstGeom>
+          </p:spPr>
+          <p:style>
+            <a:lnRef idx="2">
+              <a:schemeClr val="accent4">
+                <a:shade val="50000"/>
+              </a:schemeClr>
+            </a:lnRef>
+            <a:fillRef idx="1">
+              <a:schemeClr val="accent4"/>
+            </a:fillRef>
+            <a:effectRef idx="0">
+              <a:schemeClr val="accent4"/>
+            </a:effectRef>
+            <a:fontRef idx="minor">
+              <a:schemeClr val="lt1"/>
+            </a:fontRef>
+          </p:style>
+          <p:txBody>
+            <a:bodyPr rtlCol="0" anchor="ctr"/>
+            <a:lstStyle/>
+            <a:p>
+              <a:pPr algn="ctr"/>
+              <a:r>
+                <a:rPr lang="en-US" altLang="ko-KR" dirty="0"/>
+                <a:t>Live</a:t>
+              </a:r>
+              <a:r>
+                <a:rPr lang="ko-KR" altLang="en-US" dirty="0"/>
+                <a:t> </a:t>
+              </a:r>
+              <a:r>
+                <a:rPr lang="en-US" altLang="ko-KR" dirty="0"/>
+                <a:t>demo</a:t>
+              </a:r>
+              <a:endParaRPr lang="ko-KR" altLang="en-US" dirty="0"/>
+            </a:p>
+          </p:txBody>
+        </p:sp>
+        <p:sp>
+          <p:nvSpPr>
+            <p:cNvPr id="34" name="직사각형 33">
+              <a:extLst>
+                <a:ext uri="{FF2B5EF4-FFF2-40B4-BE49-F238E27FC236}">
+                  <a16:creationId xmlns:a16="http://schemas.microsoft.com/office/drawing/2014/main" id="{46B92C21-8C9E-4C5F-81AF-5A8428E21084}"/>
+                </a:ext>
+              </a:extLst>
+            </p:cNvPr>
+            <p:cNvSpPr/>
+            <p:nvPr/>
+          </p:nvSpPr>
+          <p:spPr>
+            <a:xfrm>
+              <a:off x="7853819" y="6016857"/>
+              <a:ext cx="1010435" cy="521729"/>
+            </a:xfrm>
+            <a:prstGeom prst="rect">
+              <a:avLst/>
+            </a:prstGeom>
+          </p:spPr>
+          <p:style>
+            <a:lnRef idx="2">
+              <a:schemeClr val="accent4">
+                <a:shade val="50000"/>
+              </a:schemeClr>
+            </a:lnRef>
+            <a:fillRef idx="1">
+              <a:schemeClr val="accent4"/>
+            </a:fillRef>
+            <a:effectRef idx="0">
+              <a:schemeClr val="accent4"/>
+            </a:effectRef>
+            <a:fontRef idx="minor">
+              <a:schemeClr val="lt1"/>
+            </a:fontRef>
+          </p:style>
+          <p:txBody>
+            <a:bodyPr rtlCol="0" anchor="ctr"/>
+            <a:lstStyle/>
+            <a:p>
+              <a:pPr algn="ctr"/>
+              <a:r>
+                <a:rPr lang="en-US" altLang="ko-KR" dirty="0" err="1"/>
+                <a:t>github</a:t>
+              </a:r>
+              <a:endParaRPr lang="ko-KR" altLang="en-US" dirty="0"/>
+            </a:p>
+          </p:txBody>
+        </p:sp>
+      </p:grpSp>
+      <p:sp>
+        <p:nvSpPr>
+          <p:cNvPr id="6" name="직사각형 5">
+            <a:extLst>
+              <a:ext uri="{FF2B5EF4-FFF2-40B4-BE49-F238E27FC236}">
+                <a16:creationId xmlns:a16="http://schemas.microsoft.com/office/drawing/2014/main" id="{6F668E16-6157-402E-B575-F1C0DD992D80}"/>
+              </a:ext>
+            </a:extLst>
+          </p:cNvPr>
+          <p:cNvSpPr/>
+          <p:nvPr/>
+        </p:nvSpPr>
+        <p:spPr>
+          <a:xfrm>
+            <a:off x="2091847" y="0"/>
+            <a:ext cx="3219189" cy="559495"/>
+          </a:xfrm>
+          <a:prstGeom prst="rect">
+            <a:avLst/>
+          </a:prstGeom>
+        </p:spPr>
+        <p:style>
+          <a:lnRef idx="2">
+            <a:schemeClr val="accent2">
+              <a:shade val="50000"/>
+            </a:schemeClr>
+          </a:lnRef>
+          <a:fillRef idx="1">
+            <a:schemeClr val="accent2"/>
+          </a:fillRef>
+          <a:effectRef idx="0">
+            <a:schemeClr val="accent2"/>
+          </a:effectRef>
+          <a:fontRef idx="minor">
+            <a:schemeClr val="lt1"/>
+          </a:fontRef>
+        </p:style>
+        <p:txBody>
+          <a:bodyPr rtlCol="0" anchor="ctr"/>
+          <a:lstStyle/>
+          <a:p>
+            <a:pPr algn="ctr"/>
+            <a:r>
+              <a:rPr lang="en-US" altLang="ko-KR" dirty="0"/>
+              <a:t>Just for Fun</a:t>
+            </a:r>
+            <a:endParaRPr lang="ko-KR" altLang="en-US" dirty="0"/>
+          </a:p>
+        </p:txBody>
+      </p:sp>
+      <p:sp>
+        <p:nvSpPr>
+          <p:cNvPr id="15" name="액자 14">
+            <a:extLst>
+              <a:ext uri="{FF2B5EF4-FFF2-40B4-BE49-F238E27FC236}">
+                <a16:creationId xmlns:a16="http://schemas.microsoft.com/office/drawing/2014/main" id="{17277586-248A-4132-B1EB-065E24E5CFEA}"/>
+              </a:ext>
+            </a:extLst>
+          </p:cNvPr>
+          <p:cNvSpPr/>
+          <p:nvPr/>
+        </p:nvSpPr>
+        <p:spPr>
+          <a:xfrm>
+            <a:off x="1824872" y="-60742"/>
+            <a:ext cx="3774262" cy="8991382"/>
+          </a:xfrm>
+          <a:prstGeom prst="frame">
+            <a:avLst>
+              <a:gd name="adj1" fmla="val 4568"/>
+            </a:avLst>
+          </a:prstGeom>
+          <a:solidFill>
+            <a:schemeClr val="accent5"/>
+          </a:solidFill>
+          <a:ln>
+            <a:noFill/>
+          </a:ln>
+        </p:spPr>
+        <p:style>
+          <a:lnRef idx="2">
+            <a:schemeClr val="accent1">
+              <a:shade val="50000"/>
+            </a:schemeClr>
+          </a:lnRef>
+          <a:fillRef idx="1">
+            <a:schemeClr val="accent1"/>
+          </a:fillRef>
+          <a:effectRef idx="0">
+            <a:schemeClr val="accent1"/>
+          </a:effectRef>
+          <a:fontRef idx="minor">
+            <a:schemeClr val="lt1"/>
+          </a:fontRef>
+        </p:style>
+        <p:txBody>
+          <a:bodyPr rtlCol="0" anchor="ctr"/>
+          <a:lstStyle/>
+          <a:p>
+            <a:pPr algn="ctr"/>
+            <a:endParaRPr lang="ko-KR" altLang="en-US">
+              <a:solidFill>
+                <a:schemeClr val="tx1"/>
+              </a:solidFill>
+            </a:endParaRPr>
+          </a:p>
+        </p:txBody>
+      </p:sp>
+      <p:sp>
+        <p:nvSpPr>
+          <p:cNvPr id="16" name="TextBox 15">
+            <a:extLst>
+              <a:ext uri="{FF2B5EF4-FFF2-40B4-BE49-F238E27FC236}">
+                <a16:creationId xmlns:a16="http://schemas.microsoft.com/office/drawing/2014/main" id="{EA5D417B-0CC9-4C8F-A17F-1F569556C008}"/>
+              </a:ext>
+            </a:extLst>
+          </p:cNvPr>
+          <p:cNvSpPr txBox="1"/>
+          <p:nvPr/>
+        </p:nvSpPr>
+        <p:spPr>
+          <a:xfrm>
+            <a:off x="5637165" y="122792"/>
+            <a:ext cx="3394554" cy="707886"/>
+          </a:xfrm>
+          <a:prstGeom prst="rect">
+            <a:avLst/>
+          </a:prstGeom>
+          <a:solidFill>
+            <a:srgbClr val="ED7D31"/>
+          </a:solidFill>
+          <a:ln>
+            <a:solidFill>
+              <a:schemeClr val="accent4"/>
+            </a:solidFill>
+          </a:ln>
+        </p:spPr>
+        <p:txBody>
+          <a:bodyPr wrap="square" rtlCol="0">
+            <a:spAutoFit/>
+          </a:bodyPr>
+          <a:lstStyle/>
+          <a:p>
+            <a:r>
+              <a:rPr lang="en-US" altLang="ko-KR" sz="2000" dirty="0" err="1">
+                <a:solidFill>
+                  <a:schemeClr val="bg1"/>
+                </a:solidFill>
+              </a:rPr>
+              <a:t>Section.sec-justforFun</a:t>
+            </a:r>
+            <a:endParaRPr lang="en-US" altLang="ko-KR" sz="2000" dirty="0">
+              <a:solidFill>
+                <a:schemeClr val="bg1"/>
+              </a:solidFill>
+            </a:endParaRPr>
+          </a:p>
+          <a:p>
+            <a:r>
+              <a:rPr lang="en-US" altLang="ko-KR" sz="2000" dirty="0">
+                <a:solidFill>
+                  <a:schemeClr val="bg1"/>
+                </a:solidFill>
+              </a:rPr>
+              <a:t>&gt; h3</a:t>
+            </a:r>
+            <a:r>
+              <a:rPr lang="ko-KR" altLang="en-US" sz="2000" dirty="0">
+                <a:solidFill>
+                  <a:schemeClr val="bg1"/>
+                </a:solidFill>
+              </a:rPr>
+              <a:t> </a:t>
+            </a:r>
+          </a:p>
+        </p:txBody>
+      </p:sp>
+      <p:sp>
+        <p:nvSpPr>
+          <p:cNvPr id="17" name="액자 16">
+            <a:extLst>
+              <a:ext uri="{FF2B5EF4-FFF2-40B4-BE49-F238E27FC236}">
+                <a16:creationId xmlns:a16="http://schemas.microsoft.com/office/drawing/2014/main" id="{D5B75CBA-FFD8-4A09-BE3B-CEC255A4AE73}"/>
+              </a:ext>
+            </a:extLst>
+          </p:cNvPr>
+          <p:cNvSpPr/>
+          <p:nvPr/>
+        </p:nvSpPr>
+        <p:spPr>
+          <a:xfrm>
+            <a:off x="2011368" y="597432"/>
+            <a:ext cx="3401270" cy="4070484"/>
+          </a:xfrm>
+          <a:prstGeom prst="frame">
+            <a:avLst>
+              <a:gd name="adj1" fmla="val 4568"/>
+            </a:avLst>
+          </a:prstGeom>
+          <a:solidFill>
+            <a:schemeClr val="accent4">
+              <a:lumMod val="40000"/>
+              <a:lumOff val="60000"/>
+            </a:schemeClr>
+          </a:solidFill>
+          <a:ln>
+            <a:solidFill>
+              <a:schemeClr val="accent4">
+                <a:lumMod val="40000"/>
+                <a:lumOff val="60000"/>
+              </a:schemeClr>
+            </a:solidFill>
+          </a:ln>
+        </p:spPr>
+        <p:style>
+          <a:lnRef idx="2">
+            <a:schemeClr val="accent1">
+              <a:shade val="50000"/>
+            </a:schemeClr>
+          </a:lnRef>
+          <a:fillRef idx="1">
+            <a:schemeClr val="accent1"/>
+          </a:fillRef>
+          <a:effectRef idx="0">
+            <a:schemeClr val="accent1"/>
+          </a:effectRef>
+          <a:fontRef idx="minor">
+            <a:schemeClr val="lt1"/>
+          </a:fontRef>
+        </p:style>
+        <p:txBody>
+          <a:bodyPr rtlCol="0" anchor="ctr"/>
+          <a:lstStyle/>
+          <a:p>
+            <a:pPr algn="ctr"/>
+            <a:endParaRPr lang="ko-KR" altLang="en-US" dirty="0">
+              <a:solidFill>
+                <a:schemeClr val="tx1"/>
+              </a:solidFill>
+            </a:endParaRPr>
+          </a:p>
+        </p:txBody>
+      </p:sp>
+      <p:sp>
+        <p:nvSpPr>
+          <p:cNvPr id="18" name="TextBox 17">
+            <a:extLst>
+              <a:ext uri="{FF2B5EF4-FFF2-40B4-BE49-F238E27FC236}">
+                <a16:creationId xmlns:a16="http://schemas.microsoft.com/office/drawing/2014/main" id="{8FBCC57A-3B2E-4E47-8BBD-E7E351E40B55}"/>
+              </a:ext>
+            </a:extLst>
+          </p:cNvPr>
+          <p:cNvSpPr txBox="1"/>
+          <p:nvPr/>
+        </p:nvSpPr>
+        <p:spPr>
+          <a:xfrm>
+            <a:off x="5637165" y="929014"/>
+            <a:ext cx="5824150" cy="1938992"/>
+          </a:xfrm>
+          <a:prstGeom prst="rect">
+            <a:avLst/>
+          </a:prstGeom>
+          <a:solidFill>
+            <a:srgbClr val="FFE699"/>
+          </a:solidFill>
+          <a:ln>
+            <a:solidFill>
+              <a:schemeClr val="accent4"/>
+            </a:solidFill>
+          </a:ln>
+        </p:spPr>
+        <p:txBody>
+          <a:bodyPr wrap="square" rtlCol="0">
+            <a:spAutoFit/>
+          </a:bodyPr>
+          <a:lstStyle/>
+          <a:p>
+            <a:r>
+              <a:rPr lang="en-US" altLang="ko-KR" sz="2000" dirty="0" err="1">
+                <a:solidFill>
+                  <a:schemeClr val="tx1">
+                    <a:lumMod val="75000"/>
+                    <a:lumOff val="25000"/>
+                  </a:schemeClr>
+                </a:solidFill>
+              </a:rPr>
+              <a:t>Article.con</a:t>
+            </a:r>
+            <a:r>
+              <a:rPr lang="en-US" altLang="ko-KR" sz="2000" dirty="0">
+                <a:solidFill>
+                  <a:schemeClr val="tx1">
+                    <a:lumMod val="75000"/>
+                    <a:lumOff val="25000"/>
+                  </a:schemeClr>
+                </a:solidFill>
+              </a:rPr>
+              <a:t>-${name}</a:t>
+            </a:r>
+          </a:p>
+          <a:p>
+            <a:pPr marL="342900" indent="-342900">
+              <a:buFont typeface="Wingdings" panose="05000000000000000000" pitchFamily="2" charset="2"/>
+              <a:buChar char="Ø"/>
+            </a:pPr>
+            <a:r>
+              <a:rPr lang="en-US" altLang="ko-KR" sz="2000" dirty="0" err="1">
+                <a:solidFill>
+                  <a:schemeClr val="tx1">
+                    <a:lumMod val="75000"/>
+                    <a:lumOff val="25000"/>
+                  </a:schemeClr>
+                </a:solidFill>
+              </a:rPr>
+              <a:t>div.codepen</a:t>
+            </a:r>
+            <a:r>
+              <a:rPr lang="en-US" altLang="ko-KR" sz="2000" dirty="0">
+                <a:solidFill>
+                  <a:schemeClr val="tx1">
+                    <a:lumMod val="75000"/>
+                    <a:lumOff val="25000"/>
+                  </a:schemeClr>
+                </a:solidFill>
+              </a:rPr>
+              <a:t>-${name}(div</a:t>
+            </a:r>
+            <a:r>
+              <a:rPr lang="ko-KR" altLang="en-US" sz="2000" dirty="0">
+                <a:solidFill>
+                  <a:schemeClr val="tx1">
+                    <a:lumMod val="75000"/>
+                    <a:lumOff val="25000"/>
+                  </a:schemeClr>
+                </a:solidFill>
+              </a:rPr>
+              <a:t>안에 </a:t>
+            </a:r>
+            <a:r>
+              <a:rPr lang="en-US" altLang="ko-KR" sz="2000" dirty="0" err="1">
+                <a:solidFill>
+                  <a:schemeClr val="tx1">
+                    <a:lumMod val="75000"/>
+                    <a:lumOff val="25000"/>
+                  </a:schemeClr>
+                </a:solidFill>
+              </a:rPr>
+              <a:t>codpen</a:t>
+            </a:r>
+            <a:r>
+              <a:rPr lang="en-US" altLang="ko-KR" sz="2000" dirty="0">
+                <a:solidFill>
+                  <a:schemeClr val="tx1">
+                    <a:lumMod val="75000"/>
+                    <a:lumOff val="25000"/>
+                  </a:schemeClr>
+                </a:solidFill>
+              </a:rPr>
+              <a:t> </a:t>
+            </a:r>
+            <a:r>
+              <a:rPr lang="ko-KR" altLang="en-US" sz="2000" dirty="0">
+                <a:solidFill>
+                  <a:schemeClr val="tx1">
+                    <a:lumMod val="75000"/>
+                    <a:lumOff val="25000"/>
+                  </a:schemeClr>
+                </a:solidFill>
+              </a:rPr>
+              <a:t>링크 삽입</a:t>
+            </a:r>
+            <a:r>
+              <a:rPr lang="en-US" altLang="ko-KR" sz="2000" dirty="0">
+                <a:solidFill>
+                  <a:schemeClr val="tx1">
+                    <a:lumMod val="75000"/>
+                    <a:lumOff val="25000"/>
+                  </a:schemeClr>
+                </a:solidFill>
+              </a:rPr>
+              <a:t>)</a:t>
+            </a:r>
+          </a:p>
+          <a:p>
+            <a:r>
+              <a:rPr lang="en-US" altLang="ko-KR" sz="2000" dirty="0">
+                <a:solidFill>
+                  <a:schemeClr val="tx1">
+                    <a:lumMod val="75000"/>
+                    <a:lumOff val="25000"/>
+                  </a:schemeClr>
+                </a:solidFill>
+              </a:rPr>
+              <a:t>  + h4</a:t>
+            </a:r>
+          </a:p>
+          <a:p>
+            <a:r>
+              <a:rPr lang="en-US" altLang="ko-KR" sz="2000" dirty="0">
+                <a:solidFill>
+                  <a:schemeClr val="tx1">
+                    <a:lumMod val="75000"/>
+                    <a:lumOff val="25000"/>
+                  </a:schemeClr>
+                </a:solidFill>
+              </a:rPr>
+              <a:t>  + </a:t>
+            </a:r>
+            <a:r>
+              <a:rPr lang="en-US" altLang="ko-KR" sz="2000" dirty="0" err="1">
+                <a:solidFill>
+                  <a:schemeClr val="tx1">
+                    <a:lumMod val="75000"/>
+                    <a:lumOff val="25000"/>
+                  </a:schemeClr>
+                </a:solidFill>
+              </a:rPr>
+              <a:t>p.desc</a:t>
+            </a:r>
+            <a:r>
+              <a:rPr lang="en-US" altLang="ko-KR" sz="2000" dirty="0">
+                <a:solidFill>
+                  <a:schemeClr val="tx1">
+                    <a:lumMod val="75000"/>
+                    <a:lumOff val="25000"/>
+                  </a:schemeClr>
+                </a:solidFill>
+              </a:rPr>
+              <a:t>_${name}</a:t>
+            </a:r>
+          </a:p>
+          <a:p>
+            <a:r>
+              <a:rPr lang="en-US" altLang="ko-KR" sz="2000" dirty="0">
+                <a:solidFill>
+                  <a:schemeClr val="tx1">
+                    <a:lumMod val="75000"/>
+                    <a:lumOff val="25000"/>
+                  </a:schemeClr>
+                </a:solidFill>
+              </a:rPr>
+              <a:t>  + ul&gt;(</a:t>
+            </a:r>
+            <a:r>
+              <a:rPr lang="en-US" altLang="ko-KR" sz="2000" dirty="0" err="1">
+                <a:solidFill>
+                  <a:schemeClr val="tx1">
+                    <a:lumMod val="75000"/>
+                    <a:lumOff val="25000"/>
+                  </a:schemeClr>
+                </a:solidFill>
+              </a:rPr>
+              <a:t>li.a</a:t>
+            </a:r>
+            <a:r>
+              <a:rPr lang="en-US" altLang="ko-KR" sz="2000" dirty="0">
+                <a:solidFill>
+                  <a:schemeClr val="tx1">
+                    <a:lumMod val="75000"/>
+                    <a:lumOff val="25000"/>
+                  </a:schemeClr>
+                </a:solidFill>
+              </a:rPr>
+              <a:t>)*2</a:t>
+            </a:r>
+          </a:p>
+        </p:txBody>
+      </p:sp>
+      <p:sp>
+        <p:nvSpPr>
+          <p:cNvPr id="19" name="TextBox 18">
+            <a:extLst>
+              <a:ext uri="{FF2B5EF4-FFF2-40B4-BE49-F238E27FC236}">
+                <a16:creationId xmlns:a16="http://schemas.microsoft.com/office/drawing/2014/main" id="{A443F632-5D90-48FD-B3AF-CBF91D335DA6}"/>
+              </a:ext>
+            </a:extLst>
+          </p:cNvPr>
+          <p:cNvSpPr txBox="1"/>
+          <p:nvPr/>
+        </p:nvSpPr>
+        <p:spPr>
+          <a:xfrm>
+            <a:off x="482849" y="122792"/>
+            <a:ext cx="1227551" cy="400110"/>
+          </a:xfrm>
+          <a:prstGeom prst="rect">
+            <a:avLst/>
+          </a:prstGeom>
+          <a:solidFill>
+            <a:srgbClr val="ED7D31"/>
+          </a:solidFill>
+          <a:ln>
+            <a:solidFill>
+              <a:schemeClr val="accent4"/>
+            </a:solidFill>
+          </a:ln>
+        </p:spPr>
+        <p:txBody>
+          <a:bodyPr wrap="square" rtlCol="0">
+            <a:spAutoFit/>
+          </a:bodyPr>
+          <a:lstStyle/>
+          <a:p>
+            <a:r>
+              <a:rPr lang="en-US" altLang="ko-KR" sz="2000" dirty="0">
+                <a:solidFill>
+                  <a:schemeClr val="bg1"/>
+                </a:solidFill>
+              </a:rPr>
+              <a:t>Section</a:t>
+            </a:r>
+            <a:endParaRPr lang="ko-KR" altLang="en-US" sz="2000" dirty="0">
+              <a:solidFill>
+                <a:schemeClr val="bg1"/>
+              </a:solidFill>
+            </a:endParaRPr>
+          </a:p>
+        </p:txBody>
+      </p:sp>
+      <p:sp>
+        <p:nvSpPr>
+          <p:cNvPr id="20" name="TextBox 19">
+            <a:extLst>
+              <a:ext uri="{FF2B5EF4-FFF2-40B4-BE49-F238E27FC236}">
+                <a16:creationId xmlns:a16="http://schemas.microsoft.com/office/drawing/2014/main" id="{169DF160-C159-41D4-82AF-C9BE25F7A879}"/>
+              </a:ext>
+            </a:extLst>
+          </p:cNvPr>
+          <p:cNvSpPr txBox="1"/>
+          <p:nvPr/>
+        </p:nvSpPr>
+        <p:spPr>
+          <a:xfrm>
+            <a:off x="469299" y="1158704"/>
+            <a:ext cx="1227551" cy="400110"/>
+          </a:xfrm>
+          <a:prstGeom prst="rect">
+            <a:avLst/>
+          </a:prstGeom>
+          <a:solidFill>
+            <a:srgbClr val="FFE699"/>
+          </a:solidFill>
+          <a:ln>
+            <a:solidFill>
+              <a:schemeClr val="accent4"/>
+            </a:solidFill>
+          </a:ln>
+        </p:spPr>
+        <p:txBody>
+          <a:bodyPr wrap="square" rtlCol="0">
+            <a:spAutoFit/>
+          </a:bodyPr>
+          <a:lstStyle/>
+          <a:p>
+            <a:r>
+              <a:rPr lang="en-US" altLang="ko-KR" sz="2000" dirty="0">
+                <a:solidFill>
+                  <a:schemeClr val="tx1">
+                    <a:lumMod val="75000"/>
+                    <a:lumOff val="25000"/>
+                  </a:schemeClr>
+                </a:solidFill>
+              </a:rPr>
+              <a:t>Article</a:t>
+            </a:r>
+          </a:p>
+        </p:txBody>
+      </p:sp>
+      <p:sp>
+        <p:nvSpPr>
+          <p:cNvPr id="21" name="TextBox 20">
+            <a:extLst>
+              <a:ext uri="{FF2B5EF4-FFF2-40B4-BE49-F238E27FC236}">
+                <a16:creationId xmlns:a16="http://schemas.microsoft.com/office/drawing/2014/main" id="{D76F8A0E-27B6-470D-B83B-31070D5FD46A}"/>
+              </a:ext>
+            </a:extLst>
+          </p:cNvPr>
+          <p:cNvSpPr txBox="1"/>
+          <p:nvPr/>
+        </p:nvSpPr>
+        <p:spPr>
+          <a:xfrm>
+            <a:off x="469300" y="1616597"/>
+            <a:ext cx="1227551" cy="707886"/>
+          </a:xfrm>
+          <a:prstGeom prst="rect">
+            <a:avLst/>
+          </a:prstGeom>
+          <a:solidFill>
+            <a:srgbClr val="FFC000"/>
+          </a:solidFill>
+          <a:ln>
+            <a:solidFill>
+              <a:schemeClr val="accent4"/>
+            </a:solidFill>
+          </a:ln>
+        </p:spPr>
+        <p:txBody>
+          <a:bodyPr wrap="square" rtlCol="0">
+            <a:spAutoFit/>
+          </a:bodyPr>
+          <a:lstStyle/>
+          <a:p>
+            <a:r>
+              <a:rPr lang="en-US" altLang="ko-KR" sz="2000" dirty="0" err="1">
+                <a:solidFill>
+                  <a:schemeClr val="tx1">
+                    <a:lumMod val="75000"/>
+                    <a:lumOff val="25000"/>
+                  </a:schemeClr>
+                </a:solidFill>
+              </a:rPr>
+              <a:t>div.codpen</a:t>
+            </a:r>
+            <a:endParaRPr lang="en-US" altLang="ko-KR" sz="2000" dirty="0">
+              <a:solidFill>
+                <a:schemeClr val="tx1">
+                  <a:lumMod val="75000"/>
+                  <a:lumOff val="25000"/>
+                </a:schemeClr>
+              </a:solidFill>
+            </a:endParaRPr>
+          </a:p>
+        </p:txBody>
+      </p:sp>
+      <p:sp>
+        <p:nvSpPr>
+          <p:cNvPr id="22" name="TextBox 21">
+            <a:extLst>
+              <a:ext uri="{FF2B5EF4-FFF2-40B4-BE49-F238E27FC236}">
+                <a16:creationId xmlns:a16="http://schemas.microsoft.com/office/drawing/2014/main" id="{251A769D-B067-4CCD-A2CE-7E60B97A6C46}"/>
+              </a:ext>
+            </a:extLst>
+          </p:cNvPr>
+          <p:cNvSpPr txBox="1"/>
+          <p:nvPr/>
+        </p:nvSpPr>
+        <p:spPr>
+          <a:xfrm>
+            <a:off x="488431" y="2486461"/>
+            <a:ext cx="1227551" cy="400110"/>
+          </a:xfrm>
+          <a:prstGeom prst="rect">
+            <a:avLst/>
+          </a:prstGeom>
+          <a:solidFill>
+            <a:srgbClr val="FFC000"/>
+          </a:solidFill>
+          <a:ln>
+            <a:solidFill>
+              <a:schemeClr val="accent4"/>
+            </a:solidFill>
+          </a:ln>
+        </p:spPr>
+        <p:txBody>
+          <a:bodyPr wrap="square" rtlCol="0">
+            <a:spAutoFit/>
+          </a:bodyPr>
+          <a:lstStyle/>
+          <a:p>
+            <a:r>
+              <a:rPr lang="en-US" altLang="ko-KR" sz="2000" dirty="0">
+                <a:solidFill>
+                  <a:schemeClr val="tx1">
+                    <a:lumMod val="75000"/>
+                    <a:lumOff val="25000"/>
+                  </a:schemeClr>
+                </a:solidFill>
+              </a:rPr>
+              <a:t>h4</a:t>
+            </a:r>
+          </a:p>
+        </p:txBody>
+      </p:sp>
+      <p:sp>
+        <p:nvSpPr>
+          <p:cNvPr id="23" name="TextBox 22">
+            <a:extLst>
+              <a:ext uri="{FF2B5EF4-FFF2-40B4-BE49-F238E27FC236}">
+                <a16:creationId xmlns:a16="http://schemas.microsoft.com/office/drawing/2014/main" id="{A1CCCCF2-6528-445E-85B1-E9DA73DED3CE}"/>
+              </a:ext>
+            </a:extLst>
+          </p:cNvPr>
+          <p:cNvSpPr txBox="1"/>
+          <p:nvPr/>
+        </p:nvSpPr>
+        <p:spPr>
+          <a:xfrm>
+            <a:off x="482848" y="3014542"/>
+            <a:ext cx="1227551" cy="400110"/>
+          </a:xfrm>
+          <a:prstGeom prst="rect">
+            <a:avLst/>
+          </a:prstGeom>
+          <a:solidFill>
+            <a:srgbClr val="FFC000"/>
+          </a:solidFill>
+          <a:ln>
+            <a:solidFill>
+              <a:schemeClr val="accent4"/>
+            </a:solidFill>
+          </a:ln>
+        </p:spPr>
+        <p:txBody>
+          <a:bodyPr wrap="square" rtlCol="0">
+            <a:spAutoFit/>
+          </a:bodyPr>
+          <a:lstStyle/>
+          <a:p>
+            <a:r>
+              <a:rPr lang="en-US" altLang="ko-KR" sz="2000" dirty="0" err="1">
+                <a:solidFill>
+                  <a:schemeClr val="tx1">
+                    <a:lumMod val="75000"/>
+                    <a:lumOff val="25000"/>
+                  </a:schemeClr>
+                </a:solidFill>
+              </a:rPr>
+              <a:t>p.desc</a:t>
+            </a:r>
+            <a:endParaRPr lang="en-US" altLang="ko-KR" sz="2000" dirty="0">
+              <a:solidFill>
+                <a:schemeClr val="tx1">
+                  <a:lumMod val="75000"/>
+                  <a:lumOff val="25000"/>
+                </a:schemeClr>
+              </a:solidFill>
+            </a:endParaRPr>
+          </a:p>
+        </p:txBody>
+      </p:sp>
+      <p:sp>
+        <p:nvSpPr>
+          <p:cNvPr id="25" name="TextBox 24">
+            <a:extLst>
+              <a:ext uri="{FF2B5EF4-FFF2-40B4-BE49-F238E27FC236}">
+                <a16:creationId xmlns:a16="http://schemas.microsoft.com/office/drawing/2014/main" id="{460AD7FE-018C-4427-BCAE-FB891F744730}"/>
+              </a:ext>
+            </a:extLst>
+          </p:cNvPr>
+          <p:cNvSpPr txBox="1"/>
+          <p:nvPr/>
+        </p:nvSpPr>
+        <p:spPr>
+          <a:xfrm>
+            <a:off x="490525" y="3618233"/>
+            <a:ext cx="1227551" cy="707886"/>
+          </a:xfrm>
+          <a:prstGeom prst="rect">
+            <a:avLst/>
+          </a:prstGeom>
+          <a:solidFill>
+            <a:srgbClr val="FFC000"/>
+          </a:solidFill>
+          <a:ln>
+            <a:solidFill>
+              <a:schemeClr val="accent4"/>
+            </a:solidFill>
+          </a:ln>
+        </p:spPr>
+        <p:txBody>
+          <a:bodyPr wrap="square" rtlCol="0">
+            <a:spAutoFit/>
+          </a:bodyPr>
+          <a:lstStyle/>
+          <a:p>
+            <a:r>
+              <a:rPr lang="en-US" altLang="ko-KR" sz="2000" dirty="0">
+                <a:solidFill>
+                  <a:schemeClr val="tx1">
+                    <a:lumMod val="75000"/>
+                    <a:lumOff val="25000"/>
+                  </a:schemeClr>
+                </a:solidFill>
+              </a:rPr>
+              <a:t>Ul&gt;(</a:t>
+            </a:r>
+            <a:r>
+              <a:rPr lang="en-US" altLang="ko-KR" sz="2000" dirty="0" err="1">
+                <a:solidFill>
+                  <a:schemeClr val="tx1">
+                    <a:lumMod val="75000"/>
+                    <a:lumOff val="25000"/>
+                  </a:schemeClr>
+                </a:solidFill>
+              </a:rPr>
+              <a:t>li.a</a:t>
+            </a:r>
+            <a:r>
+              <a:rPr lang="en-US" altLang="ko-KR" sz="2000" dirty="0">
+                <a:solidFill>
+                  <a:schemeClr val="tx1">
+                    <a:lumMod val="75000"/>
+                    <a:lumOff val="25000"/>
+                  </a:schemeClr>
+                </a:solidFill>
+              </a:rPr>
+              <a:t>)*2</a:t>
+            </a:r>
+          </a:p>
+        </p:txBody>
+      </p:sp>
+      <p:grpSp>
+        <p:nvGrpSpPr>
+          <p:cNvPr id="36" name="그룹 35">
+            <a:extLst>
+              <a:ext uri="{FF2B5EF4-FFF2-40B4-BE49-F238E27FC236}">
+                <a16:creationId xmlns:a16="http://schemas.microsoft.com/office/drawing/2014/main" id="{F6CED112-3037-426C-BBF5-F56CA296FF71}"/>
+              </a:ext>
+            </a:extLst>
+          </p:cNvPr>
+          <p:cNvGrpSpPr/>
+          <p:nvPr/>
+        </p:nvGrpSpPr>
+        <p:grpSpPr>
+          <a:xfrm>
+            <a:off x="2091843" y="4729165"/>
+            <a:ext cx="3219189" cy="3888405"/>
+            <a:chOff x="6096000" y="2785881"/>
+            <a:chExt cx="3219189" cy="3888405"/>
+          </a:xfrm>
+        </p:grpSpPr>
+        <p:sp>
+          <p:nvSpPr>
+            <p:cNvPr id="37" name="직사각형 36">
+              <a:extLst>
+                <a:ext uri="{FF2B5EF4-FFF2-40B4-BE49-F238E27FC236}">
+                  <a16:creationId xmlns:a16="http://schemas.microsoft.com/office/drawing/2014/main" id="{6232F0C5-3E9B-4680-93D8-7E16C5158006}"/>
+                </a:ext>
+              </a:extLst>
+            </p:cNvPr>
+            <p:cNvSpPr/>
+            <p:nvPr/>
+          </p:nvSpPr>
+          <p:spPr>
+            <a:xfrm>
+              <a:off x="6096000" y="2785881"/>
+              <a:ext cx="3219189" cy="3888405"/>
+            </a:xfrm>
+            <a:prstGeom prst="rect">
+              <a:avLst/>
+            </a:prstGeom>
+          </p:spPr>
+          <p:style>
+            <a:lnRef idx="2">
+              <a:schemeClr val="accent2">
+                <a:shade val="50000"/>
+              </a:schemeClr>
+            </a:lnRef>
+            <a:fillRef idx="1">
+              <a:schemeClr val="accent2"/>
+            </a:fillRef>
+            <a:effectRef idx="0">
+              <a:schemeClr val="accent2"/>
+            </a:effectRef>
+            <a:fontRef idx="minor">
+              <a:schemeClr val="lt1"/>
+            </a:fontRef>
+          </p:style>
+          <p:txBody>
+            <a:bodyPr rtlCol="0" anchor="ctr"/>
+            <a:lstStyle/>
+            <a:p>
+              <a:pPr algn="ctr"/>
+              <a:endParaRPr lang="ko-KR" altLang="en-US" dirty="0"/>
+            </a:p>
+          </p:txBody>
+        </p:sp>
+        <p:sp>
+          <p:nvSpPr>
+            <p:cNvPr id="38" name="직사각형 37">
+              <a:extLst>
+                <a:ext uri="{FF2B5EF4-FFF2-40B4-BE49-F238E27FC236}">
+                  <a16:creationId xmlns:a16="http://schemas.microsoft.com/office/drawing/2014/main" id="{1F52044B-8779-4B34-806C-0E431598229F}"/>
+                </a:ext>
+              </a:extLst>
+            </p:cNvPr>
+            <p:cNvSpPr/>
+            <p:nvPr/>
+          </p:nvSpPr>
+          <p:spPr>
+            <a:xfrm>
+              <a:off x="6609570" y="3049973"/>
+              <a:ext cx="2254684" cy="1651348"/>
+            </a:xfrm>
+            <a:prstGeom prst="rect">
+              <a:avLst/>
+            </a:prstGeom>
+          </p:spPr>
+          <p:style>
+            <a:lnRef idx="2">
+              <a:schemeClr val="accent4">
+                <a:shade val="50000"/>
+              </a:schemeClr>
+            </a:lnRef>
+            <a:fillRef idx="1">
+              <a:schemeClr val="accent4"/>
+            </a:fillRef>
+            <a:effectRef idx="0">
+              <a:schemeClr val="accent4"/>
+            </a:effectRef>
+            <a:fontRef idx="minor">
+              <a:schemeClr val="lt1"/>
+            </a:fontRef>
+          </p:style>
+          <p:txBody>
+            <a:bodyPr rtlCol="0" anchor="ctr"/>
+            <a:lstStyle/>
+            <a:p>
+              <a:pPr algn="ctr"/>
+              <a:r>
+                <a:rPr lang="en-US" altLang="ko-KR" dirty="0" err="1"/>
+                <a:t>codepen</a:t>
+              </a:r>
+              <a:endParaRPr lang="ko-KR" altLang="en-US" dirty="0"/>
+            </a:p>
+          </p:txBody>
+        </p:sp>
+        <p:sp>
+          <p:nvSpPr>
+            <p:cNvPr id="39" name="직사각형 38">
+              <a:extLst>
+                <a:ext uri="{FF2B5EF4-FFF2-40B4-BE49-F238E27FC236}">
+                  <a16:creationId xmlns:a16="http://schemas.microsoft.com/office/drawing/2014/main" id="{1FBBC065-FE48-45C7-97D7-7263C0B9D4CE}"/>
+                </a:ext>
+              </a:extLst>
+            </p:cNvPr>
+            <p:cNvSpPr/>
+            <p:nvPr/>
+          </p:nvSpPr>
+          <p:spPr>
+            <a:xfrm>
+              <a:off x="6609570" y="4906746"/>
+              <a:ext cx="2254684" cy="382042"/>
+            </a:xfrm>
+            <a:prstGeom prst="rect">
+              <a:avLst/>
+            </a:prstGeom>
+          </p:spPr>
+          <p:style>
+            <a:lnRef idx="2">
+              <a:schemeClr val="accent4">
+                <a:shade val="50000"/>
+              </a:schemeClr>
+            </a:lnRef>
+            <a:fillRef idx="1">
+              <a:schemeClr val="accent4"/>
+            </a:fillRef>
+            <a:effectRef idx="0">
+              <a:schemeClr val="accent4"/>
+            </a:effectRef>
+            <a:fontRef idx="minor">
+              <a:schemeClr val="lt1"/>
+            </a:fontRef>
+          </p:style>
+          <p:txBody>
+            <a:bodyPr rtlCol="0" anchor="ctr"/>
+            <a:lstStyle/>
+            <a:p>
+              <a:pPr algn="ctr"/>
+              <a:r>
+                <a:rPr lang="en-US" altLang="ko-KR" dirty="0"/>
+                <a:t>name</a:t>
+              </a:r>
+              <a:endParaRPr lang="ko-KR" altLang="en-US" dirty="0"/>
+            </a:p>
+          </p:txBody>
+        </p:sp>
+        <p:sp>
+          <p:nvSpPr>
+            <p:cNvPr id="40" name="직사각형 39">
+              <a:extLst>
+                <a:ext uri="{FF2B5EF4-FFF2-40B4-BE49-F238E27FC236}">
+                  <a16:creationId xmlns:a16="http://schemas.microsoft.com/office/drawing/2014/main" id="{0BCE13B3-265B-48F5-A0EC-53D45DCAD83B}"/>
+                </a:ext>
+              </a:extLst>
+            </p:cNvPr>
+            <p:cNvSpPr/>
+            <p:nvPr/>
+          </p:nvSpPr>
+          <p:spPr>
+            <a:xfrm>
+              <a:off x="6609570" y="5464782"/>
+              <a:ext cx="2254684" cy="382042"/>
+            </a:xfrm>
+            <a:prstGeom prst="rect">
+              <a:avLst/>
+            </a:prstGeom>
+          </p:spPr>
+          <p:style>
+            <a:lnRef idx="2">
+              <a:schemeClr val="accent4">
+                <a:shade val="50000"/>
+              </a:schemeClr>
+            </a:lnRef>
+            <a:fillRef idx="1">
+              <a:schemeClr val="accent4"/>
+            </a:fillRef>
+            <a:effectRef idx="0">
+              <a:schemeClr val="accent4"/>
+            </a:effectRef>
+            <a:fontRef idx="minor">
+              <a:schemeClr val="lt1"/>
+            </a:fontRef>
+          </p:style>
+          <p:txBody>
+            <a:bodyPr rtlCol="0" anchor="ctr"/>
+            <a:lstStyle/>
+            <a:p>
+              <a:pPr algn="ctr"/>
+              <a:r>
+                <a:rPr lang="en-US" altLang="ko-KR" dirty="0"/>
+                <a:t>describe</a:t>
+              </a:r>
+              <a:endParaRPr lang="ko-KR" altLang="en-US" dirty="0"/>
+            </a:p>
+          </p:txBody>
+        </p:sp>
+        <p:sp>
+          <p:nvSpPr>
+            <p:cNvPr id="41" name="직사각형 40">
+              <a:extLst>
+                <a:ext uri="{FF2B5EF4-FFF2-40B4-BE49-F238E27FC236}">
+                  <a16:creationId xmlns:a16="http://schemas.microsoft.com/office/drawing/2014/main" id="{34B855DD-6772-48EE-9CA6-A8F14C3F8E42}"/>
+                </a:ext>
+              </a:extLst>
+            </p:cNvPr>
+            <p:cNvSpPr/>
+            <p:nvPr/>
+          </p:nvSpPr>
+          <p:spPr>
+            <a:xfrm>
+              <a:off x="6642973" y="6016857"/>
+              <a:ext cx="1160742" cy="521729"/>
+            </a:xfrm>
+            <a:prstGeom prst="rect">
+              <a:avLst/>
+            </a:prstGeom>
+          </p:spPr>
+          <p:style>
+            <a:lnRef idx="2">
+              <a:schemeClr val="accent4">
+                <a:shade val="50000"/>
+              </a:schemeClr>
+            </a:lnRef>
+            <a:fillRef idx="1">
+              <a:schemeClr val="accent4"/>
+            </a:fillRef>
+            <a:effectRef idx="0">
+              <a:schemeClr val="accent4"/>
+            </a:effectRef>
+            <a:fontRef idx="minor">
+              <a:schemeClr val="lt1"/>
+            </a:fontRef>
+          </p:style>
+          <p:txBody>
+            <a:bodyPr rtlCol="0" anchor="ctr"/>
+            <a:lstStyle/>
+            <a:p>
+              <a:pPr algn="ctr"/>
+              <a:r>
+                <a:rPr lang="en-US" altLang="ko-KR" dirty="0"/>
+                <a:t>Live</a:t>
+              </a:r>
+              <a:r>
+                <a:rPr lang="ko-KR" altLang="en-US" dirty="0"/>
+                <a:t> </a:t>
+              </a:r>
+              <a:r>
+                <a:rPr lang="en-US" altLang="ko-KR" dirty="0"/>
+                <a:t>demo</a:t>
+              </a:r>
+              <a:endParaRPr lang="ko-KR" altLang="en-US" dirty="0"/>
+            </a:p>
+          </p:txBody>
+        </p:sp>
+        <p:sp>
+          <p:nvSpPr>
+            <p:cNvPr id="42" name="직사각형 41">
+              <a:extLst>
+                <a:ext uri="{FF2B5EF4-FFF2-40B4-BE49-F238E27FC236}">
+                  <a16:creationId xmlns:a16="http://schemas.microsoft.com/office/drawing/2014/main" id="{59E30826-6F72-45E1-B33E-D851EF241D25}"/>
+                </a:ext>
+              </a:extLst>
+            </p:cNvPr>
+            <p:cNvSpPr/>
+            <p:nvPr/>
+          </p:nvSpPr>
+          <p:spPr>
+            <a:xfrm>
+              <a:off x="7853819" y="6016857"/>
+              <a:ext cx="1010435" cy="521729"/>
+            </a:xfrm>
+            <a:prstGeom prst="rect">
+              <a:avLst/>
+            </a:prstGeom>
+          </p:spPr>
+          <p:style>
+            <a:lnRef idx="2">
+              <a:schemeClr val="accent4">
+                <a:shade val="50000"/>
+              </a:schemeClr>
+            </a:lnRef>
+            <a:fillRef idx="1">
+              <a:schemeClr val="accent4"/>
+            </a:fillRef>
+            <a:effectRef idx="0">
+              <a:schemeClr val="accent4"/>
+            </a:effectRef>
+            <a:fontRef idx="minor">
+              <a:schemeClr val="lt1"/>
+            </a:fontRef>
+          </p:style>
+          <p:txBody>
+            <a:bodyPr rtlCol="0" anchor="ctr"/>
+            <a:lstStyle/>
+            <a:p>
+              <a:pPr algn="ctr"/>
+              <a:r>
+                <a:rPr lang="en-US" altLang="ko-KR" dirty="0" err="1"/>
+                <a:t>github</a:t>
+              </a:r>
+              <a:endParaRPr lang="ko-KR" altLang="en-US" dirty="0"/>
+            </a:p>
+          </p:txBody>
+        </p:sp>
+      </p:grpSp>
+      <p:sp>
+        <p:nvSpPr>
+          <p:cNvPr id="48" name="TextBox 47">
+            <a:extLst>
+              <a:ext uri="{FF2B5EF4-FFF2-40B4-BE49-F238E27FC236}">
+                <a16:creationId xmlns:a16="http://schemas.microsoft.com/office/drawing/2014/main" id="{7394442E-B67A-4506-8BC0-CD485F39C1CD}"/>
+              </a:ext>
+            </a:extLst>
+          </p:cNvPr>
+          <p:cNvSpPr txBox="1"/>
+          <p:nvPr/>
+        </p:nvSpPr>
+        <p:spPr>
+          <a:xfrm>
+            <a:off x="469299" y="4603503"/>
+            <a:ext cx="1227551" cy="400110"/>
+          </a:xfrm>
+          <a:prstGeom prst="rect">
+            <a:avLst/>
+          </a:prstGeom>
+          <a:solidFill>
+            <a:srgbClr val="FFE699"/>
+          </a:solidFill>
+          <a:ln>
+            <a:solidFill>
+              <a:schemeClr val="accent4"/>
+            </a:solidFill>
+          </a:ln>
+        </p:spPr>
+        <p:txBody>
+          <a:bodyPr wrap="square" rtlCol="0">
+            <a:spAutoFit/>
+          </a:bodyPr>
+          <a:lstStyle/>
+          <a:p>
+            <a:r>
+              <a:rPr lang="en-US" altLang="ko-KR" sz="2000" dirty="0">
+                <a:solidFill>
+                  <a:schemeClr val="tx1">
+                    <a:lumMod val="75000"/>
+                    <a:lumOff val="25000"/>
+                  </a:schemeClr>
+                </a:solidFill>
+              </a:rPr>
+              <a:t>Article</a:t>
+            </a:r>
+          </a:p>
+        </p:txBody>
+      </p:sp>
+      <p:sp>
+        <p:nvSpPr>
+          <p:cNvPr id="49" name="TextBox 48">
+            <a:extLst>
+              <a:ext uri="{FF2B5EF4-FFF2-40B4-BE49-F238E27FC236}">
+                <a16:creationId xmlns:a16="http://schemas.microsoft.com/office/drawing/2014/main" id="{16FC36CE-93C2-40B0-B7EB-AFAC7179E002}"/>
+              </a:ext>
+            </a:extLst>
+          </p:cNvPr>
+          <p:cNvSpPr txBox="1"/>
+          <p:nvPr/>
+        </p:nvSpPr>
+        <p:spPr>
+          <a:xfrm>
+            <a:off x="459707" y="5105403"/>
+            <a:ext cx="1227551" cy="707886"/>
+          </a:xfrm>
+          <a:prstGeom prst="rect">
+            <a:avLst/>
+          </a:prstGeom>
+          <a:solidFill>
+            <a:srgbClr val="FFC000"/>
+          </a:solidFill>
+          <a:ln>
+            <a:solidFill>
+              <a:schemeClr val="accent4"/>
+            </a:solidFill>
+          </a:ln>
+        </p:spPr>
+        <p:txBody>
+          <a:bodyPr wrap="square" rtlCol="0">
+            <a:spAutoFit/>
+          </a:bodyPr>
+          <a:lstStyle/>
+          <a:p>
+            <a:r>
+              <a:rPr lang="en-US" altLang="ko-KR" sz="2000" dirty="0" err="1">
+                <a:solidFill>
+                  <a:schemeClr val="tx1">
+                    <a:lumMod val="75000"/>
+                    <a:lumOff val="25000"/>
+                  </a:schemeClr>
+                </a:solidFill>
+              </a:rPr>
+              <a:t>div.codpen</a:t>
+            </a:r>
+            <a:endParaRPr lang="en-US" altLang="ko-KR" sz="2000" dirty="0">
+              <a:solidFill>
+                <a:schemeClr val="tx1">
+                  <a:lumMod val="75000"/>
+                  <a:lumOff val="25000"/>
+                </a:schemeClr>
+              </a:solidFill>
+            </a:endParaRPr>
+          </a:p>
+        </p:txBody>
+      </p:sp>
+      <p:sp>
+        <p:nvSpPr>
+          <p:cNvPr id="50" name="TextBox 49">
+            <a:extLst>
+              <a:ext uri="{FF2B5EF4-FFF2-40B4-BE49-F238E27FC236}">
+                <a16:creationId xmlns:a16="http://schemas.microsoft.com/office/drawing/2014/main" id="{EDE7559C-DF08-4E04-A001-D4759E779B87}"/>
+              </a:ext>
+            </a:extLst>
+          </p:cNvPr>
+          <p:cNvSpPr txBox="1"/>
+          <p:nvPr/>
+        </p:nvSpPr>
+        <p:spPr>
+          <a:xfrm>
+            <a:off x="478838" y="5975267"/>
+            <a:ext cx="1227551" cy="400110"/>
+          </a:xfrm>
+          <a:prstGeom prst="rect">
+            <a:avLst/>
+          </a:prstGeom>
+          <a:solidFill>
+            <a:srgbClr val="FFC000"/>
+          </a:solidFill>
+          <a:ln>
+            <a:solidFill>
+              <a:schemeClr val="accent4"/>
+            </a:solidFill>
+          </a:ln>
+        </p:spPr>
+        <p:txBody>
+          <a:bodyPr wrap="square" rtlCol="0">
+            <a:spAutoFit/>
+          </a:bodyPr>
+          <a:lstStyle/>
+          <a:p>
+            <a:r>
+              <a:rPr lang="en-US" altLang="ko-KR" sz="2000" dirty="0">
+                <a:solidFill>
+                  <a:schemeClr val="tx1">
+                    <a:lumMod val="75000"/>
+                    <a:lumOff val="25000"/>
+                  </a:schemeClr>
+                </a:solidFill>
+              </a:rPr>
+              <a:t>h4</a:t>
+            </a:r>
+          </a:p>
+        </p:txBody>
+      </p:sp>
+      <p:sp>
+        <p:nvSpPr>
+          <p:cNvPr id="51" name="TextBox 50">
+            <a:extLst>
+              <a:ext uri="{FF2B5EF4-FFF2-40B4-BE49-F238E27FC236}">
+                <a16:creationId xmlns:a16="http://schemas.microsoft.com/office/drawing/2014/main" id="{58BAC01F-86D3-438B-B84E-873A12B85232}"/>
+              </a:ext>
+            </a:extLst>
+          </p:cNvPr>
+          <p:cNvSpPr txBox="1"/>
+          <p:nvPr/>
+        </p:nvSpPr>
+        <p:spPr>
+          <a:xfrm>
+            <a:off x="473255" y="6503348"/>
+            <a:ext cx="1227551" cy="400110"/>
+          </a:xfrm>
+          <a:prstGeom prst="rect">
+            <a:avLst/>
+          </a:prstGeom>
+          <a:solidFill>
+            <a:srgbClr val="FFC000"/>
+          </a:solidFill>
+          <a:ln>
+            <a:solidFill>
+              <a:schemeClr val="accent4"/>
+            </a:solidFill>
+          </a:ln>
+        </p:spPr>
+        <p:txBody>
+          <a:bodyPr wrap="square" rtlCol="0">
+            <a:spAutoFit/>
+          </a:bodyPr>
+          <a:lstStyle/>
+          <a:p>
+            <a:r>
+              <a:rPr lang="en-US" altLang="ko-KR" sz="2000" dirty="0" err="1">
+                <a:solidFill>
+                  <a:schemeClr val="tx1">
+                    <a:lumMod val="75000"/>
+                    <a:lumOff val="25000"/>
+                  </a:schemeClr>
+                </a:solidFill>
+              </a:rPr>
+              <a:t>p.desc</a:t>
+            </a:r>
+            <a:endParaRPr lang="en-US" altLang="ko-KR" sz="2000" dirty="0">
+              <a:solidFill>
+                <a:schemeClr val="tx1">
+                  <a:lumMod val="75000"/>
+                  <a:lumOff val="25000"/>
+                </a:schemeClr>
+              </a:solidFill>
+            </a:endParaRPr>
+          </a:p>
+        </p:txBody>
+      </p:sp>
+      <p:sp>
+        <p:nvSpPr>
+          <p:cNvPr id="52" name="TextBox 51">
+            <a:extLst>
+              <a:ext uri="{FF2B5EF4-FFF2-40B4-BE49-F238E27FC236}">
+                <a16:creationId xmlns:a16="http://schemas.microsoft.com/office/drawing/2014/main" id="{3AF0A3D8-A8F8-4568-A67B-3B4410F3FA1F}"/>
+              </a:ext>
+            </a:extLst>
+          </p:cNvPr>
+          <p:cNvSpPr txBox="1"/>
+          <p:nvPr/>
+        </p:nvSpPr>
+        <p:spPr>
+          <a:xfrm>
+            <a:off x="480932" y="7107039"/>
+            <a:ext cx="1227551" cy="707886"/>
+          </a:xfrm>
+          <a:prstGeom prst="rect">
+            <a:avLst/>
+          </a:prstGeom>
+          <a:solidFill>
+            <a:srgbClr val="FFC000"/>
+          </a:solidFill>
+          <a:ln>
+            <a:solidFill>
+              <a:schemeClr val="accent4"/>
+            </a:solidFill>
+          </a:ln>
+        </p:spPr>
+        <p:txBody>
+          <a:bodyPr wrap="square" rtlCol="0">
+            <a:spAutoFit/>
+          </a:bodyPr>
+          <a:lstStyle/>
+          <a:p>
+            <a:r>
+              <a:rPr lang="en-US" altLang="ko-KR" sz="2000" dirty="0">
+                <a:solidFill>
+                  <a:schemeClr val="tx1">
+                    <a:lumMod val="75000"/>
+                    <a:lumOff val="25000"/>
+                  </a:schemeClr>
+                </a:solidFill>
+              </a:rPr>
+              <a:t>Ul&gt;(</a:t>
+            </a:r>
+            <a:r>
+              <a:rPr lang="en-US" altLang="ko-KR" sz="2000" dirty="0" err="1">
+                <a:solidFill>
+                  <a:schemeClr val="tx1">
+                    <a:lumMod val="75000"/>
+                    <a:lumOff val="25000"/>
+                  </a:schemeClr>
+                </a:solidFill>
+              </a:rPr>
+              <a:t>li.a</a:t>
+            </a:r>
+            <a:r>
+              <a:rPr lang="en-US" altLang="ko-KR" sz="2000" dirty="0">
+                <a:solidFill>
+                  <a:schemeClr val="tx1">
+                    <a:lumMod val="75000"/>
+                    <a:lumOff val="25000"/>
+                  </a:schemeClr>
+                </a:solidFill>
+              </a:rPr>
+              <a:t>)*2</a:t>
+            </a:r>
+          </a:p>
+        </p:txBody>
+      </p:sp>
+      <p:sp>
+        <p:nvSpPr>
+          <p:cNvPr id="43" name="TextBox 42">
+            <a:extLst>
+              <a:ext uri="{FF2B5EF4-FFF2-40B4-BE49-F238E27FC236}">
+                <a16:creationId xmlns:a16="http://schemas.microsoft.com/office/drawing/2014/main" id="{92EA7802-E564-4B41-BE3C-6E75E812C7B4}"/>
+              </a:ext>
+            </a:extLst>
+          </p:cNvPr>
+          <p:cNvSpPr txBox="1"/>
+          <p:nvPr/>
+        </p:nvSpPr>
+        <p:spPr>
+          <a:xfrm>
+            <a:off x="493532" y="630623"/>
+            <a:ext cx="1227551" cy="400110"/>
+          </a:xfrm>
+          <a:prstGeom prst="rect">
+            <a:avLst/>
+          </a:prstGeom>
+          <a:solidFill>
+            <a:srgbClr val="FFE699"/>
+          </a:solidFill>
+          <a:ln>
+            <a:solidFill>
+              <a:schemeClr val="accent4"/>
+            </a:solidFill>
+          </a:ln>
+        </p:spPr>
+        <p:txBody>
+          <a:bodyPr wrap="square" rtlCol="0">
+            <a:spAutoFit/>
+          </a:bodyPr>
+          <a:lstStyle/>
+          <a:p>
+            <a:r>
+              <a:rPr lang="en-US" altLang="ko-KR" sz="2000" dirty="0"/>
+              <a:t>h3</a:t>
+            </a:r>
+            <a:endParaRPr lang="ko-KR" altLang="en-US" sz="2000" dirty="0"/>
+          </a:p>
+        </p:txBody>
+      </p:sp>
+    </p:spTree>
+    <p:extLst>
+      <p:ext uri="{BB962C8B-B14F-4D97-AF65-F5344CB8AC3E}">
+        <p14:creationId xmlns:p14="http://schemas.microsoft.com/office/powerpoint/2010/main" val="3541701842"/>
+      </p:ext>
+    </p:extLst>
+  </p:cSld>
+  <p:clrMapOvr>
+    <a:masterClrMapping/>
+  </p:clrMapOvr>
+</p:sld>
+</file>
+
+<file path=ppt/slides/slide6.xml><?xml version="1.0" encoding="utf-8"?>
+<p:sld xmlns:a="http://schemas.openxmlformats.org/drawingml/2006/main" xmlns:r="http://schemas.openxmlformats.org/officeDocument/2006/relationships" xmlns:p="http://schemas.openxmlformats.org/presentationml/2006/main">
+  <p:cSld>
+    <p:spTree>
+      <p:nvGrpSpPr>
+        <p:cNvPr id="1" name=""/>
+        <p:cNvGrpSpPr/>
+        <p:nvPr/>
+      </p:nvGrpSpPr>
+      <p:grpSpPr>
+        <a:xfrm>
+          <a:off x="0" y="0"/>
+          <a:ext cx="0" cy="0"/>
+          <a:chOff x="0" y="0"/>
+          <a:chExt cx="0" cy="0"/>
+        </a:xfrm>
+      </p:grpSpPr>
+      <p:sp>
+        <p:nvSpPr>
+          <p:cNvPr id="6" name="직사각형 5">
+            <a:extLst>
+              <a:ext uri="{FF2B5EF4-FFF2-40B4-BE49-F238E27FC236}">
+                <a16:creationId xmlns:a16="http://schemas.microsoft.com/office/drawing/2014/main" id="{6F668E16-6157-402E-B575-F1C0DD992D80}"/>
+              </a:ext>
+            </a:extLst>
+          </p:cNvPr>
+          <p:cNvSpPr/>
+          <p:nvPr/>
+        </p:nvSpPr>
+        <p:spPr>
+          <a:xfrm>
+            <a:off x="3993716" y="916231"/>
+            <a:ext cx="3219189" cy="559495"/>
+          </a:xfrm>
+          <a:prstGeom prst="rect">
+            <a:avLst/>
+          </a:prstGeom>
+        </p:spPr>
+        <p:style>
+          <a:lnRef idx="2">
+            <a:schemeClr val="accent2">
+              <a:shade val="50000"/>
+            </a:schemeClr>
+          </a:lnRef>
+          <a:fillRef idx="1">
+            <a:schemeClr val="accent2"/>
+          </a:fillRef>
+          <a:effectRef idx="0">
+            <a:schemeClr val="accent2"/>
+          </a:effectRef>
+          <a:fontRef idx="minor">
+            <a:schemeClr val="lt1"/>
+          </a:fontRef>
+        </p:style>
+        <p:txBody>
+          <a:bodyPr rtlCol="0" anchor="ctr"/>
+          <a:lstStyle/>
+          <a:p>
+            <a:pPr algn="ctr"/>
+            <a:r>
+              <a:rPr lang="en-US" altLang="ko-KR" dirty="0"/>
+              <a:t>Just for Fun</a:t>
+            </a:r>
+            <a:endParaRPr lang="ko-KR" altLang="en-US" dirty="0"/>
+          </a:p>
+        </p:txBody>
+      </p:sp>
+      <p:sp>
+        <p:nvSpPr>
+          <p:cNvPr id="9" name="직사각형 8">
+            <a:extLst>
+              <a:ext uri="{FF2B5EF4-FFF2-40B4-BE49-F238E27FC236}">
+                <a16:creationId xmlns:a16="http://schemas.microsoft.com/office/drawing/2014/main" id="{FC579BC5-B042-4BD5-8134-349207D07F89}"/>
+              </a:ext>
+            </a:extLst>
+          </p:cNvPr>
+          <p:cNvSpPr/>
+          <p:nvPr/>
+        </p:nvSpPr>
+        <p:spPr>
+          <a:xfrm>
+            <a:off x="1565754" y="1619511"/>
+            <a:ext cx="8578240" cy="3618978"/>
+          </a:xfrm>
+          <a:prstGeom prst="rect">
+            <a:avLst/>
+          </a:prstGeom>
+        </p:spPr>
+        <p:style>
+          <a:lnRef idx="2">
+            <a:schemeClr val="accent2">
+              <a:shade val="50000"/>
+            </a:schemeClr>
+          </a:lnRef>
+          <a:fillRef idx="1">
+            <a:schemeClr val="accent2"/>
+          </a:fillRef>
+          <a:effectRef idx="0">
+            <a:schemeClr val="accent2"/>
+          </a:effectRef>
+          <a:fontRef idx="minor">
+            <a:schemeClr val="lt1"/>
+          </a:fontRef>
+        </p:style>
+        <p:txBody>
+          <a:bodyPr rtlCol="0" anchor="ctr"/>
+          <a:lstStyle/>
+          <a:p>
+            <a:pPr algn="ctr"/>
+            <a:endParaRPr lang="ko-KR" altLang="en-US" dirty="0"/>
+          </a:p>
+        </p:txBody>
+      </p:sp>
+      <p:sp>
+        <p:nvSpPr>
+          <p:cNvPr id="5" name="직사각형 4">
+            <a:extLst>
+              <a:ext uri="{FF2B5EF4-FFF2-40B4-BE49-F238E27FC236}">
+                <a16:creationId xmlns:a16="http://schemas.microsoft.com/office/drawing/2014/main" id="{F6CE5099-A524-476B-9E29-4602028EADC2}"/>
+              </a:ext>
+            </a:extLst>
+          </p:cNvPr>
+          <p:cNvSpPr/>
+          <p:nvPr/>
+        </p:nvSpPr>
+        <p:spPr>
+          <a:xfrm>
+            <a:off x="5603311" y="2210060"/>
+            <a:ext cx="3903943" cy="2512252"/>
+          </a:xfrm>
+          <a:prstGeom prst="rect">
+            <a:avLst/>
+          </a:prstGeom>
+        </p:spPr>
+        <p:style>
+          <a:lnRef idx="2">
+            <a:schemeClr val="accent4">
+              <a:shade val="50000"/>
+            </a:schemeClr>
+          </a:lnRef>
+          <a:fillRef idx="1">
+            <a:schemeClr val="accent4"/>
+          </a:fillRef>
+          <a:effectRef idx="0">
+            <a:schemeClr val="accent4"/>
+          </a:effectRef>
+          <a:fontRef idx="minor">
+            <a:schemeClr val="lt1"/>
+          </a:fontRef>
+        </p:style>
+        <p:txBody>
+          <a:bodyPr rtlCol="0" anchor="ctr"/>
+          <a:lstStyle/>
+          <a:p>
+            <a:pPr algn="ctr"/>
+            <a:r>
+              <a:rPr lang="en-US" altLang="ko-KR" dirty="0" err="1"/>
+              <a:t>codepen</a:t>
+            </a:r>
+            <a:endParaRPr lang="ko-KR" altLang="en-US" dirty="0"/>
+          </a:p>
+        </p:txBody>
+      </p:sp>
+      <p:sp>
+        <p:nvSpPr>
+          <p:cNvPr id="7" name="직사각형 6">
+            <a:extLst>
+              <a:ext uri="{FF2B5EF4-FFF2-40B4-BE49-F238E27FC236}">
+                <a16:creationId xmlns:a16="http://schemas.microsoft.com/office/drawing/2014/main" id="{94347DD9-1F1B-4560-8528-CFB2BCF4E316}"/>
+              </a:ext>
+            </a:extLst>
+          </p:cNvPr>
+          <p:cNvSpPr/>
+          <p:nvPr/>
+        </p:nvSpPr>
+        <p:spPr>
+          <a:xfrm>
+            <a:off x="2354894" y="2210060"/>
+            <a:ext cx="2442574" cy="1044360"/>
+          </a:xfrm>
+          <a:prstGeom prst="rect">
+            <a:avLst/>
+          </a:prstGeom>
+        </p:spPr>
+        <p:style>
+          <a:lnRef idx="2">
+            <a:schemeClr val="accent4">
+              <a:shade val="50000"/>
+            </a:schemeClr>
+          </a:lnRef>
+          <a:fillRef idx="1">
+            <a:schemeClr val="accent4"/>
+          </a:fillRef>
+          <a:effectRef idx="0">
+            <a:schemeClr val="accent4"/>
+          </a:effectRef>
+          <a:fontRef idx="minor">
+            <a:schemeClr val="lt1"/>
+          </a:fontRef>
+        </p:style>
+        <p:txBody>
+          <a:bodyPr rtlCol="0" anchor="ctr"/>
+          <a:lstStyle/>
+          <a:p>
+            <a:pPr algn="ctr"/>
+            <a:r>
+              <a:rPr lang="en-US" altLang="ko-KR" dirty="0"/>
+              <a:t>name</a:t>
+            </a:r>
+            <a:endParaRPr lang="ko-KR" altLang="en-US" dirty="0"/>
+          </a:p>
+        </p:txBody>
+      </p:sp>
+      <p:sp>
+        <p:nvSpPr>
+          <p:cNvPr id="8" name="직사각형 7">
+            <a:extLst>
+              <a:ext uri="{FF2B5EF4-FFF2-40B4-BE49-F238E27FC236}">
+                <a16:creationId xmlns:a16="http://schemas.microsoft.com/office/drawing/2014/main" id="{A56D3167-DEC0-43EC-90E2-5657A0068A67}"/>
+              </a:ext>
+            </a:extLst>
+          </p:cNvPr>
+          <p:cNvSpPr/>
+          <p:nvPr/>
+        </p:nvSpPr>
+        <p:spPr>
+          <a:xfrm>
+            <a:off x="2363246" y="3429000"/>
+            <a:ext cx="2442573" cy="566803"/>
+          </a:xfrm>
+          <a:prstGeom prst="rect">
+            <a:avLst/>
+          </a:prstGeom>
+        </p:spPr>
+        <p:style>
+          <a:lnRef idx="2">
+            <a:schemeClr val="accent4">
+              <a:shade val="50000"/>
+            </a:schemeClr>
+          </a:lnRef>
+          <a:fillRef idx="1">
+            <a:schemeClr val="accent4"/>
+          </a:fillRef>
+          <a:effectRef idx="0">
+            <a:schemeClr val="accent4"/>
+          </a:effectRef>
+          <a:fontRef idx="minor">
+            <a:schemeClr val="lt1"/>
+          </a:fontRef>
+        </p:style>
+        <p:txBody>
+          <a:bodyPr rtlCol="0" anchor="ctr"/>
+          <a:lstStyle/>
+          <a:p>
+            <a:pPr algn="ctr"/>
+            <a:r>
+              <a:rPr lang="en-US" altLang="ko-KR" dirty="0"/>
+              <a:t>describe</a:t>
+            </a:r>
+            <a:endParaRPr lang="ko-KR" altLang="en-US" dirty="0"/>
+          </a:p>
+        </p:txBody>
+      </p:sp>
+      <p:sp>
+        <p:nvSpPr>
+          <p:cNvPr id="33" name="직사각형 32">
+            <a:extLst>
+              <a:ext uri="{FF2B5EF4-FFF2-40B4-BE49-F238E27FC236}">
+                <a16:creationId xmlns:a16="http://schemas.microsoft.com/office/drawing/2014/main" id="{39279A72-A035-4C1A-A759-E241394F67B5}"/>
+              </a:ext>
+            </a:extLst>
+          </p:cNvPr>
+          <p:cNvSpPr/>
+          <p:nvPr/>
+        </p:nvSpPr>
+        <p:spPr>
+          <a:xfrm>
+            <a:off x="2354895" y="4170383"/>
+            <a:ext cx="1377862" cy="566803"/>
+          </a:xfrm>
+          <a:prstGeom prst="rect">
+            <a:avLst/>
+          </a:prstGeom>
+        </p:spPr>
+        <p:style>
+          <a:lnRef idx="2">
+            <a:schemeClr val="accent4">
+              <a:shade val="50000"/>
+            </a:schemeClr>
+          </a:lnRef>
+          <a:fillRef idx="1">
+            <a:schemeClr val="accent4"/>
+          </a:fillRef>
+          <a:effectRef idx="0">
+            <a:schemeClr val="accent4"/>
+          </a:effectRef>
+          <a:fontRef idx="minor">
+            <a:schemeClr val="lt1"/>
+          </a:fontRef>
+        </p:style>
+        <p:txBody>
+          <a:bodyPr rtlCol="0" anchor="ctr"/>
+          <a:lstStyle/>
+          <a:p>
+            <a:pPr algn="ctr"/>
+            <a:r>
+              <a:rPr lang="en-US" altLang="ko-KR" dirty="0"/>
+              <a:t>Live demo</a:t>
+            </a:r>
+            <a:endParaRPr lang="ko-KR" altLang="en-US" dirty="0"/>
+          </a:p>
+        </p:txBody>
+      </p:sp>
+      <p:sp>
+        <p:nvSpPr>
+          <p:cNvPr id="34" name="직사각형 33">
+            <a:extLst>
+              <a:ext uri="{FF2B5EF4-FFF2-40B4-BE49-F238E27FC236}">
+                <a16:creationId xmlns:a16="http://schemas.microsoft.com/office/drawing/2014/main" id="{4CB210A4-1E90-4480-8394-85682B57C127}"/>
+              </a:ext>
+            </a:extLst>
+          </p:cNvPr>
+          <p:cNvSpPr/>
+          <p:nvPr/>
+        </p:nvSpPr>
+        <p:spPr>
+          <a:xfrm>
+            <a:off x="3795388" y="4156813"/>
+            <a:ext cx="1010431" cy="566803"/>
+          </a:xfrm>
+          <a:prstGeom prst="rect">
+            <a:avLst/>
+          </a:prstGeom>
+        </p:spPr>
+        <p:style>
+          <a:lnRef idx="2">
+            <a:schemeClr val="accent4">
+              <a:shade val="50000"/>
+            </a:schemeClr>
+          </a:lnRef>
+          <a:fillRef idx="1">
+            <a:schemeClr val="accent4"/>
+          </a:fillRef>
+          <a:effectRef idx="0">
+            <a:schemeClr val="accent4"/>
+          </a:effectRef>
+          <a:fontRef idx="minor">
+            <a:schemeClr val="lt1"/>
+          </a:fontRef>
+        </p:style>
+        <p:txBody>
+          <a:bodyPr rtlCol="0" anchor="ctr"/>
+          <a:lstStyle/>
+          <a:p>
+            <a:pPr algn="ctr"/>
+            <a:r>
+              <a:rPr lang="en-US" altLang="ko-KR" dirty="0" err="1"/>
+              <a:t>github</a:t>
+            </a:r>
+            <a:endParaRPr lang="ko-KR" altLang="en-US" dirty="0"/>
+          </a:p>
+        </p:txBody>
+      </p:sp>
+    </p:spTree>
+    <p:extLst>
+      <p:ext uri="{BB962C8B-B14F-4D97-AF65-F5344CB8AC3E}">
+        <p14:creationId xmlns:p14="http://schemas.microsoft.com/office/powerpoint/2010/main" val="175702063"/>
+      </p:ext>
+    </p:extLst>
+  </p:cSld>
+  <p:clrMapOvr>
+    <a:masterClrMapping/>
+  </p:clrMapOvr>
+</p:sld>
+</file>
+
+<file path=ppt/slides/slide7.xml><?xml version="1.0" encoding="utf-8"?>
+<p:sld xmlns:a="http://schemas.openxmlformats.org/drawingml/2006/main" xmlns:r="http://schemas.openxmlformats.org/officeDocument/2006/relationships" xmlns:p="http://schemas.openxmlformats.org/presentationml/2006/main">
+  <p:cSld>
+    <p:spTree>
+      <p:nvGrpSpPr>
+        <p:cNvPr id="1" name=""/>
+        <p:cNvGrpSpPr/>
+        <p:nvPr/>
+      </p:nvGrpSpPr>
+      <p:grpSpPr>
+        <a:xfrm>
+          <a:off x="0" y="0"/>
+          <a:ext cx="0" cy="0"/>
+          <a:chOff x="0" y="0"/>
+          <a:chExt cx="0" cy="0"/>
+        </a:xfrm>
+      </p:grpSpPr>
+      <p:sp>
+        <p:nvSpPr>
+          <p:cNvPr id="6" name="직사각형 5">
+            <a:extLst>
+              <a:ext uri="{FF2B5EF4-FFF2-40B4-BE49-F238E27FC236}">
+                <a16:creationId xmlns:a16="http://schemas.microsoft.com/office/drawing/2014/main" id="{6F668E16-6157-402E-B575-F1C0DD992D80}"/>
+              </a:ext>
+            </a:extLst>
+          </p:cNvPr>
+          <p:cNvSpPr/>
+          <p:nvPr/>
+        </p:nvSpPr>
+        <p:spPr>
+          <a:xfrm>
+            <a:off x="1257557" y="33221"/>
+            <a:ext cx="3219189" cy="559495"/>
+          </a:xfrm>
+          <a:prstGeom prst="rect">
+            <a:avLst/>
+          </a:prstGeom>
+        </p:spPr>
+        <p:style>
+          <a:lnRef idx="2">
+            <a:schemeClr val="accent2">
+              <a:shade val="50000"/>
+            </a:schemeClr>
+          </a:lnRef>
+          <a:fillRef idx="1">
+            <a:schemeClr val="accent2"/>
+          </a:fillRef>
+          <a:effectRef idx="0">
+            <a:schemeClr val="accent2"/>
+          </a:effectRef>
+          <a:fontRef idx="minor">
+            <a:schemeClr val="lt1"/>
+          </a:fontRef>
+        </p:style>
+        <p:txBody>
+          <a:bodyPr rtlCol="0" anchor="ctr"/>
+          <a:lstStyle/>
+          <a:p>
+            <a:pPr algn="ctr"/>
+            <a:r>
+              <a:rPr lang="en-US" altLang="ko-KR" dirty="0"/>
+              <a:t>Just for Fun</a:t>
+            </a:r>
+            <a:endParaRPr lang="ko-KR" altLang="en-US" dirty="0"/>
+          </a:p>
+        </p:txBody>
+      </p:sp>
+      <p:sp>
+        <p:nvSpPr>
+          <p:cNvPr id="20" name="직사각형 19">
+            <a:extLst>
+              <a:ext uri="{FF2B5EF4-FFF2-40B4-BE49-F238E27FC236}">
+                <a16:creationId xmlns:a16="http://schemas.microsoft.com/office/drawing/2014/main" id="{A3C0E362-8A72-4E87-83C2-5BF036161FD1}"/>
+              </a:ext>
+            </a:extLst>
+          </p:cNvPr>
+          <p:cNvSpPr/>
+          <p:nvPr/>
+        </p:nvSpPr>
+        <p:spPr>
+          <a:xfrm>
+            <a:off x="613775" y="645874"/>
+            <a:ext cx="4609204" cy="5754925"/>
+          </a:xfrm>
+          <a:prstGeom prst="rect">
+            <a:avLst/>
+          </a:prstGeom>
+          <a:solidFill>
+            <a:srgbClr val="F7C7A7">
+              <a:alpha val="30980"/>
+            </a:srgbClr>
+          </a:solidFill>
+        </p:spPr>
+        <p:style>
+          <a:lnRef idx="2">
+            <a:schemeClr val="accent2">
+              <a:shade val="50000"/>
+            </a:schemeClr>
+          </a:lnRef>
+          <a:fillRef idx="1">
+            <a:schemeClr val="accent2"/>
+          </a:fillRef>
+          <a:effectRef idx="0">
+            <a:schemeClr val="accent2"/>
+          </a:effectRef>
+          <a:fontRef idx="minor">
+            <a:schemeClr val="lt1"/>
+          </a:fontRef>
+        </p:style>
+        <p:txBody>
+          <a:bodyPr rtlCol="0" anchor="ctr"/>
+          <a:lstStyle/>
+          <a:p>
+            <a:pPr algn="ctr"/>
+            <a:endParaRPr lang="ko-KR" altLang="en-US" dirty="0"/>
+          </a:p>
+        </p:txBody>
+      </p:sp>
+      <p:sp>
+        <p:nvSpPr>
+          <p:cNvPr id="4" name="화살표: 갈매기형 수장 3">
+            <a:extLst>
+              <a:ext uri="{FF2B5EF4-FFF2-40B4-BE49-F238E27FC236}">
+                <a16:creationId xmlns:a16="http://schemas.microsoft.com/office/drawing/2014/main" id="{38987326-E94E-401E-A2AE-B0088822E702}"/>
+              </a:ext>
+            </a:extLst>
+          </p:cNvPr>
+          <p:cNvSpPr/>
+          <p:nvPr/>
+        </p:nvSpPr>
+        <p:spPr>
+          <a:xfrm>
+            <a:off x="4687647" y="2643409"/>
+            <a:ext cx="380997" cy="388307"/>
+          </a:xfrm>
+          <a:prstGeom prst="chevron">
+            <a:avLst/>
+          </a:prstGeom>
+        </p:spPr>
+        <p:style>
+          <a:lnRef idx="2">
+            <a:schemeClr val="accent4">
+              <a:shade val="50000"/>
+            </a:schemeClr>
+          </a:lnRef>
+          <a:fillRef idx="1">
+            <a:schemeClr val="accent4"/>
+          </a:fillRef>
+          <a:effectRef idx="0">
+            <a:schemeClr val="accent4"/>
+          </a:effectRef>
+          <a:fontRef idx="minor">
+            <a:schemeClr val="lt1"/>
+          </a:fontRef>
+        </p:style>
+        <p:txBody>
+          <a:bodyPr rtlCol="0" anchor="ctr"/>
+          <a:lstStyle/>
+          <a:p>
+            <a:pPr algn="ctr"/>
+            <a:endParaRPr lang="ko-KR" altLang="en-US" dirty="0">
+              <a:solidFill>
+                <a:schemeClr val="tx1"/>
+              </a:solidFill>
+            </a:endParaRPr>
+          </a:p>
+        </p:txBody>
+      </p:sp>
+      <p:grpSp>
+        <p:nvGrpSpPr>
+          <p:cNvPr id="30" name="그룹 29">
+            <a:extLst>
+              <a:ext uri="{FF2B5EF4-FFF2-40B4-BE49-F238E27FC236}">
+                <a16:creationId xmlns:a16="http://schemas.microsoft.com/office/drawing/2014/main" id="{9F905DF8-B59B-4314-AF64-DE480955F9D3}"/>
+              </a:ext>
+            </a:extLst>
+          </p:cNvPr>
+          <p:cNvGrpSpPr/>
+          <p:nvPr/>
+        </p:nvGrpSpPr>
+        <p:grpSpPr>
+          <a:xfrm>
+            <a:off x="2106877" y="5949525"/>
+            <a:ext cx="1615858" cy="315759"/>
+            <a:chOff x="2542784" y="6275540"/>
+            <a:chExt cx="1615858" cy="315759"/>
+          </a:xfrm>
+        </p:grpSpPr>
+        <p:sp>
+          <p:nvSpPr>
+            <p:cNvPr id="27" name="순서도: 연결자 26">
+              <a:extLst>
+                <a:ext uri="{FF2B5EF4-FFF2-40B4-BE49-F238E27FC236}">
+                  <a16:creationId xmlns:a16="http://schemas.microsoft.com/office/drawing/2014/main" id="{850F13F3-B2EB-4913-80EE-27F1A1DBBA5A}"/>
+                </a:ext>
+              </a:extLst>
+            </p:cNvPr>
+            <p:cNvSpPr/>
+            <p:nvPr/>
+          </p:nvSpPr>
+          <p:spPr>
+            <a:xfrm>
+              <a:off x="2542784" y="6275540"/>
+              <a:ext cx="325676" cy="313150"/>
+            </a:xfrm>
+            <a:prstGeom prst="flowChartConnector">
+              <a:avLst/>
+            </a:prstGeom>
+            <a:solidFill>
+              <a:srgbClr val="FDEEE4"/>
+            </a:solidFill>
+            <a:ln>
+              <a:solidFill>
+                <a:srgbClr val="002060"/>
+              </a:solidFill>
+            </a:ln>
+          </p:spPr>
+          <p:style>
+            <a:lnRef idx="2">
+              <a:schemeClr val="accent1">
+                <a:shade val="50000"/>
+              </a:schemeClr>
+            </a:lnRef>
+            <a:fillRef idx="1">
+              <a:schemeClr val="accent1"/>
+            </a:fillRef>
+            <a:effectRef idx="0">
+              <a:schemeClr val="accent1"/>
+            </a:effectRef>
+            <a:fontRef idx="minor">
+              <a:schemeClr val="lt1"/>
+            </a:fontRef>
+          </p:style>
+          <p:txBody>
+            <a:bodyPr rtlCol="0" anchor="ctr"/>
+            <a:lstStyle/>
+            <a:p>
+              <a:pPr algn="ctr"/>
+              <a:endParaRPr lang="ko-KR" altLang="en-US" dirty="0"/>
+            </a:p>
+          </p:txBody>
+        </p:sp>
+        <p:sp>
+          <p:nvSpPr>
+            <p:cNvPr id="28" name="순서도: 연결자 27">
+              <a:extLst>
+                <a:ext uri="{FF2B5EF4-FFF2-40B4-BE49-F238E27FC236}">
+                  <a16:creationId xmlns:a16="http://schemas.microsoft.com/office/drawing/2014/main" id="{02296BB4-6C79-4E2F-9EFD-D9BED61A2CBC}"/>
+                </a:ext>
+              </a:extLst>
+            </p:cNvPr>
+            <p:cNvSpPr/>
+            <p:nvPr/>
+          </p:nvSpPr>
+          <p:spPr>
+            <a:xfrm>
+              <a:off x="3200400" y="6278149"/>
+              <a:ext cx="325676" cy="313150"/>
+            </a:xfrm>
+            <a:prstGeom prst="flowChartConnector">
+              <a:avLst/>
+            </a:prstGeom>
+            <a:solidFill>
+              <a:srgbClr val="F7C7A7"/>
+            </a:solidFill>
+            <a:ln>
+              <a:solidFill>
+                <a:srgbClr val="002060"/>
+              </a:solidFill>
+            </a:ln>
+          </p:spPr>
+          <p:style>
+            <a:lnRef idx="2">
+              <a:schemeClr val="accent1">
+                <a:shade val="50000"/>
+              </a:schemeClr>
+            </a:lnRef>
+            <a:fillRef idx="1">
+              <a:schemeClr val="accent1"/>
+            </a:fillRef>
+            <a:effectRef idx="0">
+              <a:schemeClr val="accent1"/>
+            </a:effectRef>
+            <a:fontRef idx="minor">
+              <a:schemeClr val="lt1"/>
+            </a:fontRef>
+          </p:style>
+          <p:txBody>
+            <a:bodyPr rtlCol="0" anchor="ctr"/>
+            <a:lstStyle/>
+            <a:p>
+              <a:pPr algn="ctr"/>
+              <a:endParaRPr lang="ko-KR" altLang="en-US" dirty="0"/>
+            </a:p>
+          </p:txBody>
+        </p:sp>
+        <p:sp>
+          <p:nvSpPr>
+            <p:cNvPr id="29" name="순서도: 연결자 28">
+              <a:extLst>
+                <a:ext uri="{FF2B5EF4-FFF2-40B4-BE49-F238E27FC236}">
+                  <a16:creationId xmlns:a16="http://schemas.microsoft.com/office/drawing/2014/main" id="{915061FE-805E-436F-B0C6-4CD9DEA5E8C6}"/>
+                </a:ext>
+              </a:extLst>
+            </p:cNvPr>
+            <p:cNvSpPr/>
+            <p:nvPr/>
+          </p:nvSpPr>
+          <p:spPr>
+            <a:xfrm>
+              <a:off x="3832966" y="6275540"/>
+              <a:ext cx="325676" cy="313150"/>
+            </a:xfrm>
+            <a:prstGeom prst="flowChartConnector">
+              <a:avLst/>
+            </a:prstGeom>
+            <a:solidFill>
+              <a:srgbClr val="FDEEE4"/>
+            </a:solidFill>
+            <a:ln>
+              <a:solidFill>
+                <a:srgbClr val="002060"/>
+              </a:solidFill>
+            </a:ln>
+          </p:spPr>
+          <p:style>
+            <a:lnRef idx="2">
+              <a:schemeClr val="accent1">
+                <a:shade val="50000"/>
+              </a:schemeClr>
+            </a:lnRef>
+            <a:fillRef idx="1">
+              <a:schemeClr val="accent1"/>
+            </a:fillRef>
+            <a:effectRef idx="0">
+              <a:schemeClr val="accent1"/>
+            </a:effectRef>
+            <a:fontRef idx="minor">
+              <a:schemeClr val="lt1"/>
+            </a:fontRef>
+          </p:style>
+          <p:txBody>
+            <a:bodyPr rtlCol="0" anchor="ctr"/>
+            <a:lstStyle/>
+            <a:p>
+              <a:pPr algn="ctr"/>
+              <a:endParaRPr lang="ko-KR" altLang="en-US" dirty="0"/>
+            </a:p>
+          </p:txBody>
+        </p:sp>
+      </p:grpSp>
+      <p:grpSp>
+        <p:nvGrpSpPr>
+          <p:cNvPr id="42" name="그룹 41">
+            <a:extLst>
+              <a:ext uri="{FF2B5EF4-FFF2-40B4-BE49-F238E27FC236}">
+                <a16:creationId xmlns:a16="http://schemas.microsoft.com/office/drawing/2014/main" id="{262C7A2D-CA49-43B3-89C4-C3483C16826F}"/>
+              </a:ext>
+            </a:extLst>
+          </p:cNvPr>
+          <p:cNvGrpSpPr/>
+          <p:nvPr/>
+        </p:nvGrpSpPr>
+        <p:grpSpPr>
+          <a:xfrm>
+            <a:off x="1177966" y="739037"/>
+            <a:ext cx="3378373" cy="5013540"/>
+            <a:chOff x="1177966" y="739037"/>
+            <a:chExt cx="3378373" cy="5013540"/>
+          </a:xfrm>
+        </p:grpSpPr>
+        <p:sp>
+          <p:nvSpPr>
+            <p:cNvPr id="9" name="직사각형 8">
+              <a:extLst>
+                <a:ext uri="{FF2B5EF4-FFF2-40B4-BE49-F238E27FC236}">
+                  <a16:creationId xmlns:a16="http://schemas.microsoft.com/office/drawing/2014/main" id="{FC579BC5-B042-4BD5-8134-349207D07F89}"/>
+                </a:ext>
+              </a:extLst>
+            </p:cNvPr>
+            <p:cNvSpPr/>
+            <p:nvPr/>
+          </p:nvSpPr>
+          <p:spPr>
+            <a:xfrm>
+              <a:off x="1177966" y="739037"/>
+              <a:ext cx="3378373" cy="5013540"/>
+            </a:xfrm>
+            <a:prstGeom prst="rect">
+              <a:avLst/>
+            </a:prstGeom>
+          </p:spPr>
+          <p:style>
+            <a:lnRef idx="2">
+              <a:schemeClr val="accent2">
+                <a:shade val="50000"/>
+              </a:schemeClr>
+            </a:lnRef>
+            <a:fillRef idx="1">
+              <a:schemeClr val="accent2"/>
+            </a:fillRef>
+            <a:effectRef idx="0">
+              <a:schemeClr val="accent2"/>
+            </a:effectRef>
+            <a:fontRef idx="minor">
+              <a:schemeClr val="lt1"/>
+            </a:fontRef>
+          </p:style>
+          <p:txBody>
+            <a:bodyPr rtlCol="0" anchor="ctr"/>
+            <a:lstStyle/>
+            <a:p>
+              <a:pPr algn="ctr"/>
+              <a:endParaRPr lang="ko-KR" altLang="en-US" dirty="0"/>
+            </a:p>
+          </p:txBody>
+        </p:sp>
+        <p:sp>
+          <p:nvSpPr>
+            <p:cNvPr id="5" name="직사각형 4">
+              <a:extLst>
+                <a:ext uri="{FF2B5EF4-FFF2-40B4-BE49-F238E27FC236}">
+                  <a16:creationId xmlns:a16="http://schemas.microsoft.com/office/drawing/2014/main" id="{F6CE5099-A524-476B-9E29-4602028EADC2}"/>
+                </a:ext>
+              </a:extLst>
+            </p:cNvPr>
+            <p:cNvSpPr/>
+            <p:nvPr/>
+          </p:nvSpPr>
+          <p:spPr>
+            <a:xfrm>
+              <a:off x="1716931" y="1082395"/>
+              <a:ext cx="2366175" cy="2683619"/>
+            </a:xfrm>
+            <a:prstGeom prst="rect">
+              <a:avLst/>
+            </a:prstGeom>
+          </p:spPr>
+          <p:style>
+            <a:lnRef idx="2">
+              <a:schemeClr val="accent4">
+                <a:shade val="50000"/>
+              </a:schemeClr>
+            </a:lnRef>
+            <a:fillRef idx="1">
+              <a:schemeClr val="accent4"/>
+            </a:fillRef>
+            <a:effectRef idx="0">
+              <a:schemeClr val="accent4"/>
+            </a:effectRef>
+            <a:fontRef idx="minor">
+              <a:schemeClr val="lt1"/>
+            </a:fontRef>
+          </p:style>
+          <p:txBody>
+            <a:bodyPr rtlCol="0" anchor="ctr"/>
+            <a:lstStyle/>
+            <a:p>
+              <a:pPr algn="ctr"/>
+              <a:r>
+                <a:rPr lang="en-US" altLang="ko-KR" dirty="0" err="1"/>
+                <a:t>codepen</a:t>
+              </a:r>
+              <a:endParaRPr lang="ko-KR" altLang="en-US" dirty="0"/>
+            </a:p>
+          </p:txBody>
+        </p:sp>
+        <p:sp>
+          <p:nvSpPr>
+            <p:cNvPr id="7" name="직사각형 6">
+              <a:extLst>
+                <a:ext uri="{FF2B5EF4-FFF2-40B4-BE49-F238E27FC236}">
+                  <a16:creationId xmlns:a16="http://schemas.microsoft.com/office/drawing/2014/main" id="{94347DD9-1F1B-4560-8528-CFB2BCF4E316}"/>
+                </a:ext>
+              </a:extLst>
+            </p:cNvPr>
+            <p:cNvSpPr/>
+            <p:nvPr/>
+          </p:nvSpPr>
+          <p:spPr>
+            <a:xfrm>
+              <a:off x="1731719" y="4475671"/>
+              <a:ext cx="2366175" cy="445514"/>
+            </a:xfrm>
+            <a:prstGeom prst="rect">
+              <a:avLst/>
+            </a:prstGeom>
+          </p:spPr>
+          <p:style>
+            <a:lnRef idx="2">
+              <a:schemeClr val="accent4">
+                <a:shade val="50000"/>
+              </a:schemeClr>
+            </a:lnRef>
+            <a:fillRef idx="1">
+              <a:schemeClr val="accent4"/>
+            </a:fillRef>
+            <a:effectRef idx="0">
+              <a:schemeClr val="accent4"/>
+            </a:effectRef>
+            <a:fontRef idx="minor">
+              <a:schemeClr val="lt1"/>
+            </a:fontRef>
+          </p:style>
+          <p:txBody>
+            <a:bodyPr rtlCol="0" anchor="ctr"/>
+            <a:lstStyle/>
+            <a:p>
+              <a:pPr algn="ctr"/>
+              <a:r>
+                <a:rPr lang="en-US" altLang="ko-KR" dirty="0"/>
+                <a:t>name</a:t>
+              </a:r>
+              <a:endParaRPr lang="ko-KR" altLang="en-US" dirty="0"/>
+            </a:p>
+          </p:txBody>
+        </p:sp>
+        <p:sp>
+          <p:nvSpPr>
+            <p:cNvPr id="8" name="직사각형 7">
+              <a:extLst>
+                <a:ext uri="{FF2B5EF4-FFF2-40B4-BE49-F238E27FC236}">
+                  <a16:creationId xmlns:a16="http://schemas.microsoft.com/office/drawing/2014/main" id="{A56D3167-DEC0-43EC-90E2-5657A0068A67}"/>
+                </a:ext>
+              </a:extLst>
+            </p:cNvPr>
+            <p:cNvSpPr/>
+            <p:nvPr/>
+          </p:nvSpPr>
+          <p:spPr>
+            <a:xfrm>
+              <a:off x="1716931" y="5192639"/>
+              <a:ext cx="2366175" cy="445514"/>
+            </a:xfrm>
+            <a:prstGeom prst="rect">
+              <a:avLst/>
+            </a:prstGeom>
+          </p:spPr>
+          <p:style>
+            <a:lnRef idx="2">
+              <a:schemeClr val="accent4">
+                <a:shade val="50000"/>
+              </a:schemeClr>
+            </a:lnRef>
+            <a:fillRef idx="1">
+              <a:schemeClr val="accent4"/>
+            </a:fillRef>
+            <a:effectRef idx="0">
+              <a:schemeClr val="accent4"/>
+            </a:effectRef>
+            <a:fontRef idx="minor">
+              <a:schemeClr val="lt1"/>
+            </a:fontRef>
+          </p:style>
+          <p:txBody>
+            <a:bodyPr rtlCol="0" anchor="ctr"/>
+            <a:lstStyle/>
+            <a:p>
+              <a:pPr algn="ctr"/>
+              <a:r>
+                <a:rPr lang="en-US" altLang="ko-KR" dirty="0"/>
+                <a:t>describe</a:t>
+              </a:r>
+              <a:endParaRPr lang="ko-KR" altLang="en-US" dirty="0"/>
+            </a:p>
+          </p:txBody>
+        </p:sp>
+        <p:sp>
+          <p:nvSpPr>
+            <p:cNvPr id="31" name="직사각형 30">
+              <a:extLst>
+                <a:ext uri="{FF2B5EF4-FFF2-40B4-BE49-F238E27FC236}">
+                  <a16:creationId xmlns:a16="http://schemas.microsoft.com/office/drawing/2014/main" id="{FA4E6432-90CE-4CA9-8E24-E0CE56664814}"/>
+                </a:ext>
+              </a:extLst>
+            </p:cNvPr>
+            <p:cNvSpPr/>
+            <p:nvPr/>
+          </p:nvSpPr>
+          <p:spPr>
+            <a:xfrm>
+              <a:off x="1748676" y="3893420"/>
+              <a:ext cx="1332728" cy="445514"/>
+            </a:xfrm>
+            <a:prstGeom prst="rect">
+              <a:avLst/>
+            </a:prstGeom>
+          </p:spPr>
+          <p:style>
+            <a:lnRef idx="2">
+              <a:schemeClr val="accent4">
+                <a:shade val="50000"/>
+              </a:schemeClr>
+            </a:lnRef>
+            <a:fillRef idx="1">
+              <a:schemeClr val="accent4"/>
+            </a:fillRef>
+            <a:effectRef idx="0">
+              <a:schemeClr val="accent4"/>
+            </a:effectRef>
+            <a:fontRef idx="minor">
+              <a:schemeClr val="lt1"/>
+            </a:fontRef>
+          </p:style>
+          <p:txBody>
+            <a:bodyPr rtlCol="0" anchor="ctr"/>
+            <a:lstStyle/>
+            <a:p>
+              <a:pPr algn="ctr"/>
+              <a:r>
+                <a:rPr lang="en-US" altLang="ko-KR" dirty="0"/>
+                <a:t>Live demo</a:t>
+              </a:r>
+              <a:endParaRPr lang="ko-KR" altLang="en-US" dirty="0"/>
+            </a:p>
+          </p:txBody>
+        </p:sp>
+        <p:sp>
+          <p:nvSpPr>
+            <p:cNvPr id="32" name="직사각형 31">
+              <a:extLst>
+                <a:ext uri="{FF2B5EF4-FFF2-40B4-BE49-F238E27FC236}">
+                  <a16:creationId xmlns:a16="http://schemas.microsoft.com/office/drawing/2014/main" id="{01D1DA10-82CA-4EFA-986C-E8F7928A9FD5}"/>
+                </a:ext>
+              </a:extLst>
+            </p:cNvPr>
+            <p:cNvSpPr/>
+            <p:nvPr/>
+          </p:nvSpPr>
+          <p:spPr>
+            <a:xfrm>
+              <a:off x="3175187" y="3893420"/>
+              <a:ext cx="922707" cy="445514"/>
+            </a:xfrm>
+            <a:prstGeom prst="rect">
+              <a:avLst/>
+            </a:prstGeom>
+          </p:spPr>
+          <p:style>
+            <a:lnRef idx="2">
+              <a:schemeClr val="accent4">
+                <a:shade val="50000"/>
+              </a:schemeClr>
+            </a:lnRef>
+            <a:fillRef idx="1">
+              <a:schemeClr val="accent4"/>
+            </a:fillRef>
+            <a:effectRef idx="0">
+              <a:schemeClr val="accent4"/>
+            </a:effectRef>
+            <a:fontRef idx="minor">
+              <a:schemeClr val="lt1"/>
+            </a:fontRef>
+          </p:style>
+          <p:txBody>
+            <a:bodyPr rtlCol="0" anchor="ctr"/>
+            <a:lstStyle/>
+            <a:p>
+              <a:pPr algn="ctr"/>
+              <a:r>
+                <a:rPr lang="en-US" altLang="ko-KR" dirty="0" err="1"/>
+                <a:t>github</a:t>
+              </a:r>
+              <a:endParaRPr lang="ko-KR" altLang="en-US" dirty="0"/>
+            </a:p>
+          </p:txBody>
+        </p:sp>
+      </p:grpSp>
+      <p:grpSp>
+        <p:nvGrpSpPr>
+          <p:cNvPr id="43" name="그룹 42">
+            <a:extLst>
+              <a:ext uri="{FF2B5EF4-FFF2-40B4-BE49-F238E27FC236}">
+                <a16:creationId xmlns:a16="http://schemas.microsoft.com/office/drawing/2014/main" id="{B9451B4D-C9C8-48A5-BDB2-D6CB9EBBC187}"/>
+              </a:ext>
+            </a:extLst>
+          </p:cNvPr>
+          <p:cNvGrpSpPr/>
+          <p:nvPr/>
+        </p:nvGrpSpPr>
+        <p:grpSpPr>
+          <a:xfrm>
+            <a:off x="5761944" y="739037"/>
+            <a:ext cx="3378373" cy="5013540"/>
+            <a:chOff x="1177966" y="739037"/>
+            <a:chExt cx="3378373" cy="5013540"/>
+          </a:xfrm>
+        </p:grpSpPr>
+        <p:sp>
+          <p:nvSpPr>
+            <p:cNvPr id="44" name="직사각형 43">
+              <a:extLst>
+                <a:ext uri="{FF2B5EF4-FFF2-40B4-BE49-F238E27FC236}">
+                  <a16:creationId xmlns:a16="http://schemas.microsoft.com/office/drawing/2014/main" id="{B0475F38-0E72-4653-8DC9-5419C1B98B24}"/>
+                </a:ext>
+              </a:extLst>
+            </p:cNvPr>
+            <p:cNvSpPr/>
+            <p:nvPr/>
+          </p:nvSpPr>
+          <p:spPr>
+            <a:xfrm>
+              <a:off x="1177966" y="739037"/>
+              <a:ext cx="3378373" cy="5013540"/>
+            </a:xfrm>
+            <a:prstGeom prst="rect">
+              <a:avLst/>
+            </a:prstGeom>
+          </p:spPr>
+          <p:style>
+            <a:lnRef idx="2">
+              <a:schemeClr val="accent2">
+                <a:shade val="50000"/>
+              </a:schemeClr>
+            </a:lnRef>
+            <a:fillRef idx="1">
+              <a:schemeClr val="accent2"/>
+            </a:fillRef>
+            <a:effectRef idx="0">
+              <a:schemeClr val="accent2"/>
+            </a:effectRef>
+            <a:fontRef idx="minor">
+              <a:schemeClr val="lt1"/>
+            </a:fontRef>
+          </p:style>
+          <p:txBody>
+            <a:bodyPr rtlCol="0" anchor="ctr"/>
+            <a:lstStyle/>
+            <a:p>
+              <a:pPr algn="ctr"/>
+              <a:endParaRPr lang="ko-KR" altLang="en-US" dirty="0"/>
+            </a:p>
+          </p:txBody>
+        </p:sp>
+        <p:sp>
+          <p:nvSpPr>
+            <p:cNvPr id="45" name="직사각형 44">
+              <a:extLst>
+                <a:ext uri="{FF2B5EF4-FFF2-40B4-BE49-F238E27FC236}">
+                  <a16:creationId xmlns:a16="http://schemas.microsoft.com/office/drawing/2014/main" id="{43243219-4A68-48E7-8681-1EB5ED16265D}"/>
+                </a:ext>
+              </a:extLst>
+            </p:cNvPr>
+            <p:cNvSpPr/>
+            <p:nvPr/>
+          </p:nvSpPr>
+          <p:spPr>
+            <a:xfrm>
+              <a:off x="1716931" y="1082395"/>
+              <a:ext cx="2366175" cy="2683619"/>
+            </a:xfrm>
+            <a:prstGeom prst="rect">
+              <a:avLst/>
+            </a:prstGeom>
+          </p:spPr>
+          <p:style>
+            <a:lnRef idx="2">
+              <a:schemeClr val="accent4">
+                <a:shade val="50000"/>
+              </a:schemeClr>
+            </a:lnRef>
+            <a:fillRef idx="1">
+              <a:schemeClr val="accent4"/>
+            </a:fillRef>
+            <a:effectRef idx="0">
+              <a:schemeClr val="accent4"/>
+            </a:effectRef>
+            <a:fontRef idx="minor">
+              <a:schemeClr val="lt1"/>
+            </a:fontRef>
+          </p:style>
+          <p:txBody>
+            <a:bodyPr rtlCol="0" anchor="ctr"/>
+            <a:lstStyle/>
+            <a:p>
+              <a:pPr algn="ctr"/>
+              <a:r>
+                <a:rPr lang="en-US" altLang="ko-KR" dirty="0" err="1"/>
+                <a:t>codepen</a:t>
+              </a:r>
+              <a:endParaRPr lang="ko-KR" altLang="en-US" dirty="0"/>
+            </a:p>
+          </p:txBody>
+        </p:sp>
+        <p:sp>
+          <p:nvSpPr>
+            <p:cNvPr id="46" name="직사각형 45">
+              <a:extLst>
+                <a:ext uri="{FF2B5EF4-FFF2-40B4-BE49-F238E27FC236}">
+                  <a16:creationId xmlns:a16="http://schemas.microsoft.com/office/drawing/2014/main" id="{1C1A1030-9A30-4CD6-A83D-CA8FCA3A52AD}"/>
+                </a:ext>
+              </a:extLst>
+            </p:cNvPr>
+            <p:cNvSpPr/>
+            <p:nvPr/>
+          </p:nvSpPr>
+          <p:spPr>
+            <a:xfrm>
+              <a:off x="1731719" y="4475671"/>
+              <a:ext cx="2366175" cy="445514"/>
+            </a:xfrm>
+            <a:prstGeom prst="rect">
+              <a:avLst/>
+            </a:prstGeom>
+          </p:spPr>
+          <p:style>
+            <a:lnRef idx="2">
+              <a:schemeClr val="accent4">
+                <a:shade val="50000"/>
+              </a:schemeClr>
+            </a:lnRef>
+            <a:fillRef idx="1">
+              <a:schemeClr val="accent4"/>
+            </a:fillRef>
+            <a:effectRef idx="0">
+              <a:schemeClr val="accent4"/>
+            </a:effectRef>
+            <a:fontRef idx="minor">
+              <a:schemeClr val="lt1"/>
+            </a:fontRef>
+          </p:style>
+          <p:txBody>
+            <a:bodyPr rtlCol="0" anchor="ctr"/>
+            <a:lstStyle/>
+            <a:p>
+              <a:pPr algn="ctr"/>
+              <a:r>
+                <a:rPr lang="en-US" altLang="ko-KR" dirty="0"/>
+                <a:t>name</a:t>
+              </a:r>
+              <a:endParaRPr lang="ko-KR" altLang="en-US" dirty="0"/>
+            </a:p>
+          </p:txBody>
+        </p:sp>
+        <p:sp>
+          <p:nvSpPr>
+            <p:cNvPr id="47" name="직사각형 46">
+              <a:extLst>
+                <a:ext uri="{FF2B5EF4-FFF2-40B4-BE49-F238E27FC236}">
+                  <a16:creationId xmlns:a16="http://schemas.microsoft.com/office/drawing/2014/main" id="{3A8D2832-2F4B-42FE-8788-3B3B7278BB38}"/>
+                </a:ext>
+              </a:extLst>
+            </p:cNvPr>
+            <p:cNvSpPr/>
+            <p:nvPr/>
+          </p:nvSpPr>
+          <p:spPr>
+            <a:xfrm>
+              <a:off x="1716931" y="5192639"/>
+              <a:ext cx="2366175" cy="445514"/>
+            </a:xfrm>
+            <a:prstGeom prst="rect">
+              <a:avLst/>
+            </a:prstGeom>
+          </p:spPr>
+          <p:style>
+            <a:lnRef idx="2">
+              <a:schemeClr val="accent4">
+                <a:shade val="50000"/>
+              </a:schemeClr>
+            </a:lnRef>
+            <a:fillRef idx="1">
+              <a:schemeClr val="accent4"/>
+            </a:fillRef>
+            <a:effectRef idx="0">
+              <a:schemeClr val="accent4"/>
+            </a:effectRef>
+            <a:fontRef idx="minor">
+              <a:schemeClr val="lt1"/>
+            </a:fontRef>
+          </p:style>
+          <p:txBody>
+            <a:bodyPr rtlCol="0" anchor="ctr"/>
+            <a:lstStyle/>
+            <a:p>
+              <a:pPr algn="ctr"/>
+              <a:r>
+                <a:rPr lang="en-US" altLang="ko-KR" dirty="0"/>
+                <a:t>describe</a:t>
+              </a:r>
+              <a:endParaRPr lang="ko-KR" altLang="en-US" dirty="0"/>
+            </a:p>
+          </p:txBody>
+        </p:sp>
+        <p:sp>
+          <p:nvSpPr>
+            <p:cNvPr id="48" name="직사각형 47">
+              <a:extLst>
+                <a:ext uri="{FF2B5EF4-FFF2-40B4-BE49-F238E27FC236}">
+                  <a16:creationId xmlns:a16="http://schemas.microsoft.com/office/drawing/2014/main" id="{62E11BB4-CE4D-4751-AA7A-0F6C4D75C31A}"/>
+                </a:ext>
+              </a:extLst>
+            </p:cNvPr>
+            <p:cNvSpPr/>
+            <p:nvPr/>
+          </p:nvSpPr>
+          <p:spPr>
+            <a:xfrm>
+              <a:off x="1748676" y="3893420"/>
+              <a:ext cx="1332728" cy="445514"/>
+            </a:xfrm>
+            <a:prstGeom prst="rect">
+              <a:avLst/>
+            </a:prstGeom>
+          </p:spPr>
+          <p:style>
+            <a:lnRef idx="2">
+              <a:schemeClr val="accent4">
+                <a:shade val="50000"/>
+              </a:schemeClr>
+            </a:lnRef>
+            <a:fillRef idx="1">
+              <a:schemeClr val="accent4"/>
+            </a:fillRef>
+            <a:effectRef idx="0">
+              <a:schemeClr val="accent4"/>
+            </a:effectRef>
+            <a:fontRef idx="minor">
+              <a:schemeClr val="lt1"/>
+            </a:fontRef>
+          </p:style>
+          <p:txBody>
+            <a:bodyPr rtlCol="0" anchor="ctr"/>
+            <a:lstStyle/>
+            <a:p>
+              <a:pPr algn="ctr"/>
+              <a:r>
+                <a:rPr lang="en-US" altLang="ko-KR" dirty="0"/>
+                <a:t>Live demo</a:t>
+              </a:r>
+              <a:endParaRPr lang="ko-KR" altLang="en-US" dirty="0"/>
+            </a:p>
+          </p:txBody>
+        </p:sp>
+        <p:sp>
+          <p:nvSpPr>
+            <p:cNvPr id="49" name="직사각형 48">
+              <a:extLst>
+                <a:ext uri="{FF2B5EF4-FFF2-40B4-BE49-F238E27FC236}">
+                  <a16:creationId xmlns:a16="http://schemas.microsoft.com/office/drawing/2014/main" id="{D6DBBCB3-1EDA-4BBE-B90F-33A0F37F1B90}"/>
+                </a:ext>
+              </a:extLst>
+            </p:cNvPr>
+            <p:cNvSpPr/>
+            <p:nvPr/>
+          </p:nvSpPr>
+          <p:spPr>
+            <a:xfrm>
+              <a:off x="3175187" y="3893420"/>
+              <a:ext cx="922707" cy="445514"/>
+            </a:xfrm>
+            <a:prstGeom prst="rect">
+              <a:avLst/>
+            </a:prstGeom>
+          </p:spPr>
+          <p:style>
+            <a:lnRef idx="2">
+              <a:schemeClr val="accent4">
+                <a:shade val="50000"/>
+              </a:schemeClr>
+            </a:lnRef>
+            <a:fillRef idx="1">
+              <a:schemeClr val="accent4"/>
+            </a:fillRef>
+            <a:effectRef idx="0">
+              <a:schemeClr val="accent4"/>
+            </a:effectRef>
+            <a:fontRef idx="minor">
+              <a:schemeClr val="lt1"/>
+            </a:fontRef>
+          </p:style>
+          <p:txBody>
+            <a:bodyPr rtlCol="0" anchor="ctr"/>
+            <a:lstStyle/>
+            <a:p>
+              <a:pPr algn="ctr"/>
+              <a:r>
+                <a:rPr lang="en-US" altLang="ko-KR" dirty="0" err="1"/>
+                <a:t>github</a:t>
+              </a:r>
+              <a:endParaRPr lang="ko-KR" altLang="en-US" dirty="0"/>
+            </a:p>
+          </p:txBody>
+        </p:sp>
+      </p:grpSp>
+    </p:spTree>
+    <p:extLst>
+      <p:ext uri="{BB962C8B-B14F-4D97-AF65-F5344CB8AC3E}">
+        <p14:creationId xmlns:p14="http://schemas.microsoft.com/office/powerpoint/2010/main" val="1848151653"/>
+      </p:ext>
+    </p:extLst>
+  </p:cSld>
+  <p:clrMapOvr>
+    <a:masterClrMapping/>
+  </p:clrMapOvr>
+</p:sld>
+</file>
+
+<file path=ppt/slides/slide8.xml><?xml version="1.0" encoding="utf-8"?>
+<p:sld xmlns:a="http://schemas.openxmlformats.org/drawingml/2006/main" xmlns:r="http://schemas.openxmlformats.org/officeDocument/2006/relationships" xmlns:p="http://schemas.openxmlformats.org/presentationml/2006/main">
+  <p:cSld>
+    <p:spTree>
+      <p:nvGrpSpPr>
+        <p:cNvPr id="1" name=""/>
+        <p:cNvGrpSpPr/>
+        <p:nvPr/>
+      </p:nvGrpSpPr>
+      <p:grpSpPr>
+        <a:xfrm>
+          <a:off x="0" y="0"/>
+          <a:ext cx="0" cy="0"/>
+          <a:chOff x="0" y="0"/>
+          <a:chExt cx="0" cy="0"/>
+        </a:xfrm>
+      </p:grpSpPr>
+      <p:sp>
+        <p:nvSpPr>
+          <p:cNvPr id="6" name="직사각형 5">
+            <a:extLst>
+              <a:ext uri="{FF2B5EF4-FFF2-40B4-BE49-F238E27FC236}">
+                <a16:creationId xmlns:a16="http://schemas.microsoft.com/office/drawing/2014/main" id="{6F668E16-6157-402E-B575-F1C0DD992D80}"/>
+              </a:ext>
+            </a:extLst>
+          </p:cNvPr>
+          <p:cNvSpPr/>
+          <p:nvPr/>
+        </p:nvSpPr>
+        <p:spPr>
+          <a:xfrm>
+            <a:off x="1257557" y="33221"/>
+            <a:ext cx="3219189" cy="559495"/>
+          </a:xfrm>
+          <a:prstGeom prst="rect">
+            <a:avLst/>
+          </a:prstGeom>
+        </p:spPr>
+        <p:style>
+          <a:lnRef idx="2">
+            <a:schemeClr val="accent2">
+              <a:shade val="50000"/>
+            </a:schemeClr>
+          </a:lnRef>
+          <a:fillRef idx="1">
+            <a:schemeClr val="accent2"/>
+          </a:fillRef>
+          <a:effectRef idx="0">
+            <a:schemeClr val="accent2"/>
+          </a:effectRef>
+          <a:fontRef idx="minor">
+            <a:schemeClr val="lt1"/>
+          </a:fontRef>
+        </p:style>
+        <p:txBody>
+          <a:bodyPr rtlCol="0" anchor="ctr"/>
+          <a:lstStyle/>
+          <a:p>
+            <a:pPr algn="ctr"/>
+            <a:r>
+              <a:rPr lang="en-US" altLang="ko-KR" dirty="0"/>
+              <a:t>Just for Fun</a:t>
+            </a:r>
+            <a:endParaRPr lang="ko-KR" altLang="en-US" dirty="0"/>
+          </a:p>
+        </p:txBody>
+      </p:sp>
+      <p:sp>
+        <p:nvSpPr>
+          <p:cNvPr id="20" name="직사각형 19">
+            <a:extLst>
+              <a:ext uri="{FF2B5EF4-FFF2-40B4-BE49-F238E27FC236}">
+                <a16:creationId xmlns:a16="http://schemas.microsoft.com/office/drawing/2014/main" id="{A3C0E362-8A72-4E87-83C2-5BF036161FD1}"/>
+              </a:ext>
+            </a:extLst>
+          </p:cNvPr>
+          <p:cNvSpPr/>
+          <p:nvPr/>
+        </p:nvSpPr>
+        <p:spPr>
+          <a:xfrm>
+            <a:off x="613775" y="645874"/>
+            <a:ext cx="4609204" cy="5754925"/>
+          </a:xfrm>
+          <a:prstGeom prst="rect">
+            <a:avLst/>
+          </a:prstGeom>
+          <a:solidFill>
+            <a:srgbClr val="F7C7A7">
+              <a:alpha val="30980"/>
+            </a:srgbClr>
+          </a:solidFill>
+        </p:spPr>
+        <p:style>
+          <a:lnRef idx="2">
+            <a:schemeClr val="accent2">
+              <a:shade val="50000"/>
+            </a:schemeClr>
+          </a:lnRef>
+          <a:fillRef idx="1">
+            <a:schemeClr val="accent2"/>
+          </a:fillRef>
+          <a:effectRef idx="0">
+            <a:schemeClr val="accent2"/>
+          </a:effectRef>
+          <a:fontRef idx="minor">
+            <a:schemeClr val="lt1"/>
+          </a:fontRef>
+        </p:style>
+        <p:txBody>
+          <a:bodyPr rtlCol="0" anchor="ctr"/>
+          <a:lstStyle/>
+          <a:p>
+            <a:pPr algn="ctr"/>
+            <a:endParaRPr lang="ko-KR" altLang="en-US" dirty="0"/>
+          </a:p>
+        </p:txBody>
+      </p:sp>
+      <p:sp>
+        <p:nvSpPr>
+          <p:cNvPr id="4" name="화살표: 갈매기형 수장 3">
+            <a:extLst>
+              <a:ext uri="{FF2B5EF4-FFF2-40B4-BE49-F238E27FC236}">
+                <a16:creationId xmlns:a16="http://schemas.microsoft.com/office/drawing/2014/main" id="{38987326-E94E-401E-A2AE-B0088822E702}"/>
+              </a:ext>
+            </a:extLst>
+          </p:cNvPr>
+          <p:cNvSpPr/>
+          <p:nvPr/>
+        </p:nvSpPr>
+        <p:spPr>
+          <a:xfrm>
+            <a:off x="4687647" y="2643409"/>
+            <a:ext cx="380997" cy="388307"/>
+          </a:xfrm>
+          <a:prstGeom prst="chevron">
+            <a:avLst/>
+          </a:prstGeom>
+        </p:spPr>
+        <p:style>
+          <a:lnRef idx="2">
+            <a:schemeClr val="accent4">
+              <a:shade val="50000"/>
+            </a:schemeClr>
+          </a:lnRef>
+          <a:fillRef idx="1">
+            <a:schemeClr val="accent4"/>
+          </a:fillRef>
+          <a:effectRef idx="0">
+            <a:schemeClr val="accent4"/>
+          </a:effectRef>
+          <a:fontRef idx="minor">
+            <a:schemeClr val="lt1"/>
+          </a:fontRef>
+        </p:style>
+        <p:txBody>
+          <a:bodyPr rtlCol="0" anchor="ctr"/>
+          <a:lstStyle/>
+          <a:p>
+            <a:pPr algn="ctr"/>
+            <a:endParaRPr lang="ko-KR" altLang="en-US" dirty="0">
+              <a:solidFill>
+                <a:schemeClr val="tx1"/>
+              </a:solidFill>
+            </a:endParaRPr>
+          </a:p>
+        </p:txBody>
+      </p:sp>
+      <p:grpSp>
+        <p:nvGrpSpPr>
+          <p:cNvPr id="30" name="그룹 29">
+            <a:extLst>
+              <a:ext uri="{FF2B5EF4-FFF2-40B4-BE49-F238E27FC236}">
+                <a16:creationId xmlns:a16="http://schemas.microsoft.com/office/drawing/2014/main" id="{9F905DF8-B59B-4314-AF64-DE480955F9D3}"/>
+              </a:ext>
+            </a:extLst>
+          </p:cNvPr>
+          <p:cNvGrpSpPr/>
+          <p:nvPr/>
+        </p:nvGrpSpPr>
+        <p:grpSpPr>
+          <a:xfrm>
+            <a:off x="2106877" y="5949525"/>
+            <a:ext cx="1615858" cy="315759"/>
+            <a:chOff x="2542784" y="6275540"/>
+            <a:chExt cx="1615858" cy="315759"/>
+          </a:xfrm>
+        </p:grpSpPr>
+        <p:sp>
+          <p:nvSpPr>
+            <p:cNvPr id="27" name="순서도: 연결자 26">
+              <a:extLst>
+                <a:ext uri="{FF2B5EF4-FFF2-40B4-BE49-F238E27FC236}">
+                  <a16:creationId xmlns:a16="http://schemas.microsoft.com/office/drawing/2014/main" id="{850F13F3-B2EB-4913-80EE-27F1A1DBBA5A}"/>
+                </a:ext>
+              </a:extLst>
+            </p:cNvPr>
+            <p:cNvSpPr/>
+            <p:nvPr/>
+          </p:nvSpPr>
+          <p:spPr>
+            <a:xfrm>
+              <a:off x="2542784" y="6275540"/>
+              <a:ext cx="325676" cy="313150"/>
+            </a:xfrm>
+            <a:prstGeom prst="flowChartConnector">
+              <a:avLst/>
+            </a:prstGeom>
+            <a:solidFill>
+              <a:srgbClr val="FDEEE4"/>
+            </a:solidFill>
+            <a:ln>
+              <a:solidFill>
+                <a:srgbClr val="002060"/>
+              </a:solidFill>
+            </a:ln>
+          </p:spPr>
+          <p:style>
+            <a:lnRef idx="2">
+              <a:schemeClr val="accent1">
+                <a:shade val="50000"/>
+              </a:schemeClr>
+            </a:lnRef>
+            <a:fillRef idx="1">
+              <a:schemeClr val="accent1"/>
+            </a:fillRef>
+            <a:effectRef idx="0">
+              <a:schemeClr val="accent1"/>
+            </a:effectRef>
+            <a:fontRef idx="minor">
+              <a:schemeClr val="lt1"/>
+            </a:fontRef>
+          </p:style>
+          <p:txBody>
+            <a:bodyPr rtlCol="0" anchor="ctr"/>
+            <a:lstStyle/>
+            <a:p>
+              <a:pPr algn="ctr"/>
+              <a:endParaRPr lang="ko-KR" altLang="en-US" dirty="0"/>
+            </a:p>
+          </p:txBody>
+        </p:sp>
+        <p:sp>
+          <p:nvSpPr>
+            <p:cNvPr id="28" name="순서도: 연결자 27">
+              <a:extLst>
+                <a:ext uri="{FF2B5EF4-FFF2-40B4-BE49-F238E27FC236}">
+                  <a16:creationId xmlns:a16="http://schemas.microsoft.com/office/drawing/2014/main" id="{02296BB4-6C79-4E2F-9EFD-D9BED61A2CBC}"/>
+                </a:ext>
+              </a:extLst>
+            </p:cNvPr>
+            <p:cNvSpPr/>
+            <p:nvPr/>
+          </p:nvSpPr>
+          <p:spPr>
+            <a:xfrm>
+              <a:off x="3200400" y="6278149"/>
+              <a:ext cx="325676" cy="313150"/>
+            </a:xfrm>
+            <a:prstGeom prst="flowChartConnector">
+              <a:avLst/>
+            </a:prstGeom>
+            <a:solidFill>
+              <a:srgbClr val="F7C7A7"/>
+            </a:solidFill>
+            <a:ln>
+              <a:solidFill>
+                <a:srgbClr val="002060"/>
+              </a:solidFill>
+            </a:ln>
+          </p:spPr>
+          <p:style>
+            <a:lnRef idx="2">
+              <a:schemeClr val="accent1">
+                <a:shade val="50000"/>
+              </a:schemeClr>
+            </a:lnRef>
+            <a:fillRef idx="1">
+              <a:schemeClr val="accent1"/>
+            </a:fillRef>
+            <a:effectRef idx="0">
+              <a:schemeClr val="accent1"/>
+            </a:effectRef>
+            <a:fontRef idx="minor">
+              <a:schemeClr val="lt1"/>
+            </a:fontRef>
+          </p:style>
+          <p:txBody>
+            <a:bodyPr rtlCol="0" anchor="ctr"/>
+            <a:lstStyle/>
+            <a:p>
+              <a:pPr algn="ctr"/>
+              <a:endParaRPr lang="ko-KR" altLang="en-US" dirty="0"/>
+            </a:p>
+          </p:txBody>
+        </p:sp>
+        <p:sp>
+          <p:nvSpPr>
+            <p:cNvPr id="29" name="순서도: 연결자 28">
+              <a:extLst>
+                <a:ext uri="{FF2B5EF4-FFF2-40B4-BE49-F238E27FC236}">
+                  <a16:creationId xmlns:a16="http://schemas.microsoft.com/office/drawing/2014/main" id="{915061FE-805E-436F-B0C6-4CD9DEA5E8C6}"/>
+                </a:ext>
+              </a:extLst>
+            </p:cNvPr>
+            <p:cNvSpPr/>
+            <p:nvPr/>
+          </p:nvSpPr>
+          <p:spPr>
+            <a:xfrm>
+              <a:off x="3832966" y="6275540"/>
+              <a:ext cx="325676" cy="313150"/>
+            </a:xfrm>
+            <a:prstGeom prst="flowChartConnector">
+              <a:avLst/>
+            </a:prstGeom>
+            <a:solidFill>
+              <a:srgbClr val="FDEEE4"/>
+            </a:solidFill>
+            <a:ln>
+              <a:solidFill>
+                <a:srgbClr val="002060"/>
+              </a:solidFill>
+            </a:ln>
+          </p:spPr>
+          <p:style>
+            <a:lnRef idx="2">
+              <a:schemeClr val="accent1">
+                <a:shade val="50000"/>
+              </a:schemeClr>
+            </a:lnRef>
+            <a:fillRef idx="1">
+              <a:schemeClr val="accent1"/>
+            </a:fillRef>
+            <a:effectRef idx="0">
+              <a:schemeClr val="accent1"/>
+            </a:effectRef>
+            <a:fontRef idx="minor">
+              <a:schemeClr val="lt1"/>
+            </a:fontRef>
+          </p:style>
+          <p:txBody>
+            <a:bodyPr rtlCol="0" anchor="ctr"/>
+            <a:lstStyle/>
+            <a:p>
+              <a:pPr algn="ctr"/>
+              <a:endParaRPr lang="ko-KR" altLang="en-US" dirty="0"/>
+            </a:p>
+          </p:txBody>
+        </p:sp>
+      </p:grpSp>
+      <p:sp>
+        <p:nvSpPr>
+          <p:cNvPr id="9" name="직사각형 8">
+            <a:extLst>
+              <a:ext uri="{FF2B5EF4-FFF2-40B4-BE49-F238E27FC236}">
+                <a16:creationId xmlns:a16="http://schemas.microsoft.com/office/drawing/2014/main" id="{FC579BC5-B042-4BD5-8134-349207D07F89}"/>
+              </a:ext>
+            </a:extLst>
+          </p:cNvPr>
+          <p:cNvSpPr/>
+          <p:nvPr/>
+        </p:nvSpPr>
+        <p:spPr>
+          <a:xfrm>
+            <a:off x="1177967" y="739037"/>
+            <a:ext cx="10236793" cy="5013540"/>
+          </a:xfrm>
+          <a:prstGeom prst="rect">
+            <a:avLst/>
+          </a:prstGeom>
+        </p:spPr>
+        <p:style>
+          <a:lnRef idx="2">
+            <a:schemeClr val="accent2">
+              <a:shade val="50000"/>
+            </a:schemeClr>
+          </a:lnRef>
+          <a:fillRef idx="1">
+            <a:schemeClr val="accent2"/>
+          </a:fillRef>
+          <a:effectRef idx="0">
+            <a:schemeClr val="accent2"/>
+          </a:effectRef>
+          <a:fontRef idx="minor">
+            <a:schemeClr val="lt1"/>
+          </a:fontRef>
+        </p:style>
+        <p:txBody>
+          <a:bodyPr rtlCol="0" anchor="ctr"/>
+          <a:lstStyle/>
+          <a:p>
+            <a:pPr algn="ctr"/>
+            <a:endParaRPr lang="ko-KR" altLang="en-US" dirty="0"/>
+          </a:p>
+        </p:txBody>
+      </p:sp>
+      <p:sp>
+        <p:nvSpPr>
+          <p:cNvPr id="5" name="직사각형 4">
+            <a:extLst>
+              <a:ext uri="{FF2B5EF4-FFF2-40B4-BE49-F238E27FC236}">
+                <a16:creationId xmlns:a16="http://schemas.microsoft.com/office/drawing/2014/main" id="{F6CE5099-A524-476B-9E29-4602028EADC2}"/>
+              </a:ext>
+            </a:extLst>
+          </p:cNvPr>
+          <p:cNvSpPr/>
+          <p:nvPr/>
+        </p:nvSpPr>
+        <p:spPr>
+          <a:xfrm>
+            <a:off x="1704235" y="1082395"/>
+            <a:ext cx="2310428" cy="2683619"/>
+          </a:xfrm>
+          <a:prstGeom prst="rect">
+            <a:avLst/>
+          </a:prstGeom>
+        </p:spPr>
+        <p:style>
+          <a:lnRef idx="2">
+            <a:schemeClr val="accent4">
+              <a:shade val="50000"/>
+            </a:schemeClr>
+          </a:lnRef>
+          <a:fillRef idx="1">
+            <a:schemeClr val="accent4"/>
+          </a:fillRef>
+          <a:effectRef idx="0">
+            <a:schemeClr val="accent4"/>
+          </a:effectRef>
+          <a:fontRef idx="minor">
+            <a:schemeClr val="lt1"/>
+          </a:fontRef>
+        </p:style>
+        <p:txBody>
+          <a:bodyPr rtlCol="0" anchor="ctr"/>
+          <a:lstStyle/>
+          <a:p>
+            <a:pPr algn="ctr"/>
+            <a:r>
+              <a:rPr lang="en-US" altLang="ko-KR" dirty="0" err="1"/>
+              <a:t>codepen</a:t>
+            </a:r>
+            <a:endParaRPr lang="ko-KR" altLang="en-US" dirty="0"/>
+          </a:p>
+        </p:txBody>
+      </p:sp>
+      <p:sp>
+        <p:nvSpPr>
+          <p:cNvPr id="7" name="직사각형 6">
+            <a:extLst>
+              <a:ext uri="{FF2B5EF4-FFF2-40B4-BE49-F238E27FC236}">
+                <a16:creationId xmlns:a16="http://schemas.microsoft.com/office/drawing/2014/main" id="{94347DD9-1F1B-4560-8528-CFB2BCF4E316}"/>
+              </a:ext>
+            </a:extLst>
+          </p:cNvPr>
+          <p:cNvSpPr/>
+          <p:nvPr/>
+        </p:nvSpPr>
+        <p:spPr>
+          <a:xfrm>
+            <a:off x="1718675" y="4475671"/>
+            <a:ext cx="2310428" cy="445514"/>
+          </a:xfrm>
+          <a:prstGeom prst="rect">
+            <a:avLst/>
+          </a:prstGeom>
+        </p:spPr>
+        <p:style>
+          <a:lnRef idx="2">
+            <a:schemeClr val="accent4">
+              <a:shade val="50000"/>
+            </a:schemeClr>
+          </a:lnRef>
+          <a:fillRef idx="1">
+            <a:schemeClr val="accent4"/>
+          </a:fillRef>
+          <a:effectRef idx="0">
+            <a:schemeClr val="accent4"/>
+          </a:effectRef>
+          <a:fontRef idx="minor">
+            <a:schemeClr val="lt1"/>
+          </a:fontRef>
+        </p:style>
+        <p:txBody>
+          <a:bodyPr rtlCol="0" anchor="ctr"/>
+          <a:lstStyle/>
+          <a:p>
+            <a:pPr algn="ctr"/>
+            <a:r>
+              <a:rPr lang="en-US" altLang="ko-KR" dirty="0"/>
+              <a:t>name</a:t>
+            </a:r>
+            <a:endParaRPr lang="ko-KR" altLang="en-US" dirty="0"/>
+          </a:p>
+        </p:txBody>
+      </p:sp>
+      <p:sp>
+        <p:nvSpPr>
+          <p:cNvPr id="8" name="직사각형 7">
+            <a:extLst>
+              <a:ext uri="{FF2B5EF4-FFF2-40B4-BE49-F238E27FC236}">
+                <a16:creationId xmlns:a16="http://schemas.microsoft.com/office/drawing/2014/main" id="{A56D3167-DEC0-43EC-90E2-5657A0068A67}"/>
+              </a:ext>
+            </a:extLst>
+          </p:cNvPr>
+          <p:cNvSpPr/>
+          <p:nvPr/>
+        </p:nvSpPr>
+        <p:spPr>
+          <a:xfrm>
+            <a:off x="1704235" y="5192639"/>
+            <a:ext cx="2310428" cy="445514"/>
+          </a:xfrm>
+          <a:prstGeom prst="rect">
+            <a:avLst/>
+          </a:prstGeom>
+        </p:spPr>
+        <p:style>
+          <a:lnRef idx="2">
+            <a:schemeClr val="accent4">
+              <a:shade val="50000"/>
+            </a:schemeClr>
+          </a:lnRef>
+          <a:fillRef idx="1">
+            <a:schemeClr val="accent4"/>
+          </a:fillRef>
+          <a:effectRef idx="0">
+            <a:schemeClr val="accent4"/>
+          </a:effectRef>
+          <a:fontRef idx="minor">
+            <a:schemeClr val="lt1"/>
+          </a:fontRef>
+        </p:style>
+        <p:txBody>
+          <a:bodyPr rtlCol="0" anchor="ctr"/>
+          <a:lstStyle/>
+          <a:p>
+            <a:pPr algn="ctr"/>
+            <a:r>
+              <a:rPr lang="en-US" altLang="ko-KR" dirty="0"/>
+              <a:t>describe</a:t>
+            </a:r>
+            <a:endParaRPr lang="ko-KR" altLang="en-US" dirty="0"/>
+          </a:p>
+        </p:txBody>
+      </p:sp>
+      <p:sp>
+        <p:nvSpPr>
+          <p:cNvPr id="31" name="직사각형 30">
+            <a:extLst>
+              <a:ext uri="{FF2B5EF4-FFF2-40B4-BE49-F238E27FC236}">
+                <a16:creationId xmlns:a16="http://schemas.microsoft.com/office/drawing/2014/main" id="{FA4E6432-90CE-4CA9-8E24-E0CE56664814}"/>
+              </a:ext>
+            </a:extLst>
+          </p:cNvPr>
+          <p:cNvSpPr/>
+          <p:nvPr/>
+        </p:nvSpPr>
+        <p:spPr>
+          <a:xfrm>
+            <a:off x="1735231" y="3893420"/>
+            <a:ext cx="1301330" cy="445514"/>
+          </a:xfrm>
+          <a:prstGeom prst="rect">
+            <a:avLst/>
+          </a:prstGeom>
+        </p:spPr>
+        <p:style>
+          <a:lnRef idx="2">
+            <a:schemeClr val="accent4">
+              <a:shade val="50000"/>
+            </a:schemeClr>
+          </a:lnRef>
+          <a:fillRef idx="1">
+            <a:schemeClr val="accent4"/>
+          </a:fillRef>
+          <a:effectRef idx="0">
+            <a:schemeClr val="accent4"/>
+          </a:effectRef>
+          <a:fontRef idx="minor">
+            <a:schemeClr val="lt1"/>
+          </a:fontRef>
+        </p:style>
+        <p:txBody>
+          <a:bodyPr rtlCol="0" anchor="ctr"/>
+          <a:lstStyle/>
+          <a:p>
+            <a:pPr algn="ctr"/>
+            <a:r>
+              <a:rPr lang="en-US" altLang="ko-KR" dirty="0"/>
+              <a:t>Live demo</a:t>
+            </a:r>
+            <a:endParaRPr lang="ko-KR" altLang="en-US" dirty="0"/>
+          </a:p>
+        </p:txBody>
+      </p:sp>
+      <p:sp>
+        <p:nvSpPr>
+          <p:cNvPr id="32" name="직사각형 31">
+            <a:extLst>
+              <a:ext uri="{FF2B5EF4-FFF2-40B4-BE49-F238E27FC236}">
+                <a16:creationId xmlns:a16="http://schemas.microsoft.com/office/drawing/2014/main" id="{01D1DA10-82CA-4EFA-986C-E8F7928A9FD5}"/>
+              </a:ext>
+            </a:extLst>
+          </p:cNvPr>
+          <p:cNvSpPr/>
+          <p:nvPr/>
+        </p:nvSpPr>
+        <p:spPr>
+          <a:xfrm>
+            <a:off x="3128134" y="3893420"/>
+            <a:ext cx="900968" cy="445514"/>
+          </a:xfrm>
+          <a:prstGeom prst="rect">
+            <a:avLst/>
+          </a:prstGeom>
+        </p:spPr>
+        <p:style>
+          <a:lnRef idx="2">
+            <a:schemeClr val="accent4">
+              <a:shade val="50000"/>
+            </a:schemeClr>
+          </a:lnRef>
+          <a:fillRef idx="1">
+            <a:schemeClr val="accent4"/>
+          </a:fillRef>
+          <a:effectRef idx="0">
+            <a:schemeClr val="accent4"/>
+          </a:effectRef>
+          <a:fontRef idx="minor">
+            <a:schemeClr val="lt1"/>
+          </a:fontRef>
+        </p:style>
+        <p:txBody>
+          <a:bodyPr rtlCol="0" anchor="ctr"/>
+          <a:lstStyle/>
+          <a:p>
+            <a:pPr algn="ctr"/>
+            <a:r>
+              <a:rPr lang="en-US" altLang="ko-KR" dirty="0" err="1"/>
+              <a:t>github</a:t>
+            </a:r>
+            <a:endParaRPr lang="ko-KR" altLang="en-US" dirty="0"/>
+          </a:p>
+        </p:txBody>
+      </p:sp>
+      <p:sp>
+        <p:nvSpPr>
+          <p:cNvPr id="23" name="액자 22">
+            <a:extLst>
+              <a:ext uri="{FF2B5EF4-FFF2-40B4-BE49-F238E27FC236}">
+                <a16:creationId xmlns:a16="http://schemas.microsoft.com/office/drawing/2014/main" id="{1367BE11-BF29-446D-B4D0-22A9F942C212}"/>
+              </a:ext>
+            </a:extLst>
+          </p:cNvPr>
+          <p:cNvSpPr/>
+          <p:nvPr/>
+        </p:nvSpPr>
+        <p:spPr>
+          <a:xfrm>
+            <a:off x="472440" y="592716"/>
+            <a:ext cx="4750539" cy="6006204"/>
+          </a:xfrm>
+          <a:prstGeom prst="frame">
+            <a:avLst>
+              <a:gd name="adj1" fmla="val 4568"/>
+            </a:avLst>
+          </a:prstGeom>
+          <a:solidFill>
+            <a:schemeClr val="accent5"/>
+          </a:solidFill>
+          <a:ln>
+            <a:noFill/>
+          </a:ln>
+        </p:spPr>
+        <p:style>
+          <a:lnRef idx="2">
+            <a:schemeClr val="accent1">
+              <a:shade val="50000"/>
+            </a:schemeClr>
+          </a:lnRef>
+          <a:fillRef idx="1">
+            <a:schemeClr val="accent1"/>
+          </a:fillRef>
+          <a:effectRef idx="0">
+            <a:schemeClr val="accent1"/>
+          </a:effectRef>
+          <a:fontRef idx="minor">
+            <a:schemeClr val="lt1"/>
+          </a:fontRef>
+        </p:style>
+        <p:txBody>
+          <a:bodyPr rtlCol="0" anchor="ctr"/>
+          <a:lstStyle/>
+          <a:p>
+            <a:pPr algn="ctr"/>
+            <a:endParaRPr lang="ko-KR" altLang="en-US">
+              <a:solidFill>
+                <a:schemeClr val="tx1"/>
+              </a:solidFill>
+            </a:endParaRPr>
+          </a:p>
+        </p:txBody>
+      </p:sp>
+      <p:sp>
+        <p:nvSpPr>
+          <p:cNvPr id="24" name="TextBox 23">
+            <a:extLst>
+              <a:ext uri="{FF2B5EF4-FFF2-40B4-BE49-F238E27FC236}">
+                <a16:creationId xmlns:a16="http://schemas.microsoft.com/office/drawing/2014/main" id="{5367CA55-2659-4157-B5FF-CE55D4313D4C}"/>
+              </a:ext>
+            </a:extLst>
+          </p:cNvPr>
+          <p:cNvSpPr txBox="1"/>
+          <p:nvPr/>
+        </p:nvSpPr>
+        <p:spPr>
+          <a:xfrm>
+            <a:off x="5364314" y="645874"/>
+            <a:ext cx="1604709" cy="369332"/>
+          </a:xfrm>
+          <a:prstGeom prst="rect">
+            <a:avLst/>
+          </a:prstGeom>
+          <a:solidFill>
+            <a:schemeClr val="accent4"/>
+          </a:solidFill>
+          <a:ln>
+            <a:solidFill>
+              <a:schemeClr val="accent4"/>
+            </a:solidFill>
+          </a:ln>
+        </p:spPr>
+        <p:txBody>
+          <a:bodyPr wrap="square" rtlCol="0">
+            <a:spAutoFit/>
+          </a:bodyPr>
+          <a:lstStyle/>
+          <a:p>
+            <a:r>
+              <a:rPr lang="en-US" altLang="ko-KR" dirty="0"/>
+              <a:t>Ul&gt;li&gt;</a:t>
+            </a:r>
+            <a:r>
+              <a:rPr lang="en-US" altLang="ko-KR" dirty="0" err="1"/>
+              <a:t>aricle</a:t>
+            </a:r>
+            <a:r>
+              <a:rPr lang="en-US" altLang="ko-KR" dirty="0"/>
+              <a:t>*3</a:t>
+            </a:r>
+            <a:endParaRPr lang="ko-KR" altLang="en-US" dirty="0"/>
+          </a:p>
+        </p:txBody>
+      </p:sp>
+      <p:sp>
+        <p:nvSpPr>
+          <p:cNvPr id="25" name="TextBox 24">
+            <a:extLst>
+              <a:ext uri="{FF2B5EF4-FFF2-40B4-BE49-F238E27FC236}">
+                <a16:creationId xmlns:a16="http://schemas.microsoft.com/office/drawing/2014/main" id="{ABD15651-FC0D-424F-B5DB-8B2BDE433294}"/>
+              </a:ext>
+            </a:extLst>
+          </p:cNvPr>
+          <p:cNvSpPr txBox="1"/>
+          <p:nvPr/>
+        </p:nvSpPr>
+        <p:spPr>
+          <a:xfrm>
+            <a:off x="5364314" y="1285954"/>
+            <a:ext cx="2941486" cy="369332"/>
+          </a:xfrm>
+          <a:prstGeom prst="rect">
+            <a:avLst/>
+          </a:prstGeom>
+          <a:solidFill>
+            <a:schemeClr val="accent1">
+              <a:lumMod val="60000"/>
+              <a:lumOff val="40000"/>
+            </a:schemeClr>
+          </a:solidFill>
+          <a:ln>
+            <a:solidFill>
+              <a:schemeClr val="accent4"/>
+            </a:solidFill>
+          </a:ln>
+        </p:spPr>
+        <p:txBody>
+          <a:bodyPr wrap="square" rtlCol="0">
+            <a:spAutoFit/>
+          </a:bodyPr>
+          <a:lstStyle/>
+          <a:p>
+            <a:r>
+              <a:rPr lang="en-US" altLang="ko-KR" dirty="0"/>
+              <a:t>Ul white-space: </a:t>
+            </a:r>
+            <a:r>
+              <a:rPr lang="en-US" altLang="ko-KR" dirty="0" err="1"/>
+              <a:t>nowrap</a:t>
+            </a:r>
+            <a:r>
+              <a:rPr lang="en-US" altLang="ko-KR" dirty="0"/>
+              <a:t>;</a:t>
+            </a:r>
+            <a:endParaRPr lang="ko-KR" altLang="en-US" dirty="0"/>
+          </a:p>
+        </p:txBody>
+      </p:sp>
+      <p:sp>
+        <p:nvSpPr>
+          <p:cNvPr id="26" name="TextBox 25">
+            <a:extLst>
+              <a:ext uri="{FF2B5EF4-FFF2-40B4-BE49-F238E27FC236}">
+                <a16:creationId xmlns:a16="http://schemas.microsoft.com/office/drawing/2014/main" id="{79A81EBA-6B0A-4430-8081-32FF7AB4D3E0}"/>
+              </a:ext>
+            </a:extLst>
+          </p:cNvPr>
+          <p:cNvSpPr txBox="1"/>
+          <p:nvPr/>
+        </p:nvSpPr>
+        <p:spPr>
+          <a:xfrm>
+            <a:off x="5361120" y="1767167"/>
+            <a:ext cx="2941486" cy="369332"/>
+          </a:xfrm>
+          <a:prstGeom prst="rect">
+            <a:avLst/>
+          </a:prstGeom>
+          <a:solidFill>
+            <a:schemeClr val="accent1">
+              <a:lumMod val="60000"/>
+              <a:lumOff val="40000"/>
+            </a:schemeClr>
+          </a:solidFill>
+          <a:ln>
+            <a:solidFill>
+              <a:schemeClr val="accent4"/>
+            </a:solidFill>
+          </a:ln>
+        </p:spPr>
+        <p:txBody>
+          <a:bodyPr wrap="square" rtlCol="0">
+            <a:spAutoFit/>
+          </a:bodyPr>
+          <a:lstStyle/>
+          <a:p>
+            <a:r>
+              <a:rPr lang="en-US" altLang="ko-KR" dirty="0"/>
+              <a:t>Li width: 100%</a:t>
+            </a:r>
+            <a:endParaRPr lang="ko-KR" altLang="en-US" dirty="0"/>
+          </a:p>
+        </p:txBody>
+      </p:sp>
+      <p:sp>
+        <p:nvSpPr>
+          <p:cNvPr id="33" name="TextBox 32">
+            <a:extLst>
+              <a:ext uri="{FF2B5EF4-FFF2-40B4-BE49-F238E27FC236}">
+                <a16:creationId xmlns:a16="http://schemas.microsoft.com/office/drawing/2014/main" id="{830FE48E-A613-4240-85B9-4A9563118E59}"/>
+              </a:ext>
+            </a:extLst>
+          </p:cNvPr>
+          <p:cNvSpPr txBox="1"/>
+          <p:nvPr/>
+        </p:nvSpPr>
+        <p:spPr>
+          <a:xfrm>
+            <a:off x="8302606" y="2318936"/>
+            <a:ext cx="2941486" cy="1908215"/>
+          </a:xfrm>
+          <a:prstGeom prst="rect">
+            <a:avLst/>
+          </a:prstGeom>
+          <a:solidFill>
+            <a:schemeClr val="accent1">
+              <a:lumMod val="60000"/>
+              <a:lumOff val="40000"/>
+            </a:schemeClr>
+          </a:solidFill>
+          <a:ln>
+            <a:solidFill>
+              <a:schemeClr val="accent4"/>
+            </a:solidFill>
+          </a:ln>
+        </p:spPr>
+        <p:txBody>
+          <a:bodyPr wrap="square" rtlCol="0">
+            <a:spAutoFit/>
+          </a:bodyPr>
+          <a:lstStyle/>
+          <a:p>
+            <a:r>
+              <a:rPr lang="en-US" altLang="ko-KR" sz="2000" dirty="0">
+                <a:solidFill>
+                  <a:schemeClr val="bg1"/>
+                </a:solidFill>
+              </a:rPr>
+              <a:t>White-space</a:t>
+            </a:r>
+            <a:r>
+              <a:rPr lang="ko-KR" altLang="en-US" sz="2000" dirty="0">
+                <a:solidFill>
+                  <a:schemeClr val="bg1"/>
+                </a:solidFill>
+              </a:rPr>
+              <a:t>는 </a:t>
+            </a:r>
+            <a:r>
+              <a:rPr lang="en-US" altLang="ko-KR" sz="2000" dirty="0">
+                <a:solidFill>
+                  <a:schemeClr val="bg1"/>
+                </a:solidFill>
+              </a:rPr>
+              <a:t>text</a:t>
+            </a:r>
+            <a:r>
+              <a:rPr lang="ko-KR" altLang="en-US" sz="2000" dirty="0">
+                <a:solidFill>
+                  <a:schemeClr val="bg1"/>
+                </a:solidFill>
+              </a:rPr>
+              <a:t>에 적용하도록</a:t>
+            </a:r>
+            <a:r>
+              <a:rPr lang="en-US" altLang="ko-KR" sz="2000" dirty="0">
+                <a:solidFill>
+                  <a:schemeClr val="bg1"/>
+                </a:solidFill>
+              </a:rPr>
+              <a:t>!</a:t>
+            </a:r>
+          </a:p>
+          <a:p>
+            <a:endParaRPr lang="en-US" altLang="ko-KR" sz="2000" dirty="0">
+              <a:solidFill>
+                <a:schemeClr val="bg1"/>
+              </a:solidFill>
+            </a:endParaRPr>
+          </a:p>
+          <a:p>
+            <a:r>
+              <a:rPr lang="en-US" altLang="ko-KR" sz="2000" dirty="0">
+                <a:solidFill>
+                  <a:schemeClr val="bg1"/>
+                </a:solidFill>
+              </a:rPr>
+              <a:t>ul &gt; flex</a:t>
+            </a:r>
+          </a:p>
+          <a:p>
+            <a:r>
+              <a:rPr lang="en-US" altLang="ko-KR" sz="2000" dirty="0">
+                <a:solidFill>
+                  <a:schemeClr val="bg1"/>
+                </a:solidFill>
+              </a:rPr>
+              <a:t>ul&gt; overflow : hidden</a:t>
+            </a:r>
+          </a:p>
+          <a:p>
+            <a:endParaRPr lang="ko-KR" altLang="en-US" dirty="0"/>
+          </a:p>
+        </p:txBody>
+      </p:sp>
+    </p:spTree>
+    <p:extLst>
+      <p:ext uri="{BB962C8B-B14F-4D97-AF65-F5344CB8AC3E}">
+        <p14:creationId xmlns:p14="http://schemas.microsoft.com/office/powerpoint/2010/main" val="1260588528"/>
+      </p:ext>
+    </p:extLst>
+  </p:cSld>
+  <p:clrMapOvr>
+    <a:masterClrMapping/>
+  </p:clrMapOvr>
+</p:sld>
+</file>
+
 <file path=ppt/theme/theme1.xml><?xml version="1.0" encoding="utf-8"?>
 <a:theme xmlns:a="http://schemas.openxmlformats.org/drawingml/2006/main" name="Office 테마">
   <a:themeElements>

--- a/txt/보리스쿨1기.pptx
+++ b/txt/보리스쿨1기.pptx
@@ -13,6 +13,7 @@
     <p:sldId id="264" r:id="rId7"/>
     <p:sldId id="263" r:id="rId8"/>
     <p:sldId id="265" r:id="rId9"/>
+    <p:sldId id="266" r:id="rId10"/>
   </p:sldIdLst>
   <p:sldSz cx="12192000" cy="6858000"/>
   <p:notesSz cx="6858000" cy="9144000"/>
@@ -267,7 +268,7 @@
             <a:fld id="{BA543EDD-D0D2-447F-B24F-3717AF4B109D}" type="datetime1">
               <a:rPr lang="en-US" smtClean="0"/>
               <a:pPr/>
-              <a:t>1/3/2022</a:t>
+              <a:t>1/5/2022</a:t>
             </a:fld>
             <a:endParaRPr lang="en-US" dirty="0"/>
           </a:p>
@@ -472,7 +473,7 @@
             <a:fld id="{BA543EDD-D0D2-447F-B24F-3717AF4B109D}" type="datetime1">
               <a:rPr lang="en-US" smtClean="0"/>
               <a:pPr/>
-              <a:t>1/3/2022</a:t>
+              <a:t>1/5/2022</a:t>
             </a:fld>
             <a:endParaRPr lang="en-US" dirty="0"/>
           </a:p>
@@ -687,7 +688,7 @@
             <a:fld id="{BA543EDD-D0D2-447F-B24F-3717AF4B109D}" type="datetime1">
               <a:rPr lang="en-US" smtClean="0"/>
               <a:pPr/>
-              <a:t>1/3/2022</a:t>
+              <a:t>1/5/2022</a:t>
             </a:fld>
             <a:endParaRPr lang="en-US" dirty="0"/>
           </a:p>
@@ -892,7 +893,7 @@
             <a:fld id="{BA543EDD-D0D2-447F-B24F-3717AF4B109D}" type="datetime1">
               <a:rPr lang="en-US" smtClean="0"/>
               <a:pPr/>
-              <a:t>1/3/2022</a:t>
+              <a:t>1/5/2022</a:t>
             </a:fld>
             <a:endParaRPr lang="en-US" dirty="0"/>
           </a:p>
@@ -1174,7 +1175,7 @@
             <a:fld id="{BA543EDD-D0D2-447F-B24F-3717AF4B109D}" type="datetime1">
               <a:rPr lang="en-US" smtClean="0"/>
               <a:pPr/>
-              <a:t>1/3/2022</a:t>
+              <a:t>1/5/2022</a:t>
             </a:fld>
             <a:endParaRPr lang="en-US" dirty="0"/>
           </a:p>
@@ -1446,7 +1447,7 @@
             <a:fld id="{BA543EDD-D0D2-447F-B24F-3717AF4B109D}" type="datetime1">
               <a:rPr lang="en-US" smtClean="0"/>
               <a:pPr/>
-              <a:t>1/3/2022</a:t>
+              <a:t>1/5/2022</a:t>
             </a:fld>
             <a:endParaRPr lang="en-US" dirty="0"/>
           </a:p>
@@ -1865,7 +1866,7 @@
             <a:fld id="{BA543EDD-D0D2-447F-B24F-3717AF4B109D}" type="datetime1">
               <a:rPr lang="en-US" smtClean="0"/>
               <a:pPr/>
-              <a:t>1/3/2022</a:t>
+              <a:t>1/5/2022</a:t>
             </a:fld>
             <a:endParaRPr lang="en-US" dirty="0"/>
           </a:p>
@@ -2013,7 +2014,7 @@
             <a:fld id="{BA543EDD-D0D2-447F-B24F-3717AF4B109D}" type="datetime1">
               <a:rPr lang="en-US" smtClean="0"/>
               <a:pPr/>
-              <a:t>1/3/2022</a:t>
+              <a:t>1/5/2022</a:t>
             </a:fld>
             <a:endParaRPr lang="en-US" dirty="0"/>
           </a:p>
@@ -2133,7 +2134,7 @@
             <a:fld id="{BA543EDD-D0D2-447F-B24F-3717AF4B109D}" type="datetime1">
               <a:rPr lang="en-US" smtClean="0"/>
               <a:pPr/>
-              <a:t>1/3/2022</a:t>
+              <a:t>1/5/2022</a:t>
             </a:fld>
             <a:endParaRPr lang="en-US" dirty="0"/>
           </a:p>
@@ -2451,7 +2452,7 @@
             <a:fld id="{BA543EDD-D0D2-447F-B24F-3717AF4B109D}" type="datetime1">
               <a:rPr lang="en-US" smtClean="0"/>
               <a:pPr/>
-              <a:t>1/3/2022</a:t>
+              <a:t>1/5/2022</a:t>
             </a:fld>
             <a:endParaRPr lang="en-US" dirty="0"/>
           </a:p>
@@ -2746,7 +2747,7 @@
             <a:fld id="{BA543EDD-D0D2-447F-B24F-3717AF4B109D}" type="datetime1">
               <a:rPr lang="en-US" smtClean="0"/>
               <a:pPr/>
-              <a:t>1/3/2022</a:t>
+              <a:t>1/5/2022</a:t>
             </a:fld>
             <a:endParaRPr lang="en-US" dirty="0"/>
           </a:p>
@@ -2994,7 +2995,7 @@
             <a:fld id="{BA543EDD-D0D2-447F-B24F-3717AF4B109D}" type="datetime1">
               <a:rPr lang="en-US" smtClean="0"/>
               <a:pPr/>
-              <a:t>1/3/2022</a:t>
+              <a:t>1/5/2022</a:t>
             </a:fld>
             <a:endParaRPr lang="en-US" dirty="0"/>
           </a:p>
@@ -10233,6 +10234,1644 @@
 </p:sld>
 </file>
 
+<file path=ppt/slides/slide9.xml><?xml version="1.0" encoding="utf-8"?>
+<p:sld xmlns:a="http://schemas.openxmlformats.org/drawingml/2006/main" xmlns:r="http://schemas.openxmlformats.org/officeDocument/2006/relationships" xmlns:p="http://schemas.openxmlformats.org/presentationml/2006/main">
+  <p:cSld>
+    <p:spTree>
+      <p:nvGrpSpPr>
+        <p:cNvPr id="1" name=""/>
+        <p:cNvGrpSpPr/>
+        <p:nvPr/>
+      </p:nvGrpSpPr>
+      <p:grpSpPr>
+        <a:xfrm>
+          <a:off x="0" y="0"/>
+          <a:ext cx="0" cy="0"/>
+          <a:chOff x="0" y="0"/>
+          <a:chExt cx="0" cy="0"/>
+        </a:xfrm>
+      </p:grpSpPr>
+      <p:sp>
+        <p:nvSpPr>
+          <p:cNvPr id="6" name="직사각형 5">
+            <a:extLst>
+              <a:ext uri="{FF2B5EF4-FFF2-40B4-BE49-F238E27FC236}">
+                <a16:creationId xmlns:a16="http://schemas.microsoft.com/office/drawing/2014/main" id="{6F668E16-6157-402E-B575-F1C0DD992D80}"/>
+              </a:ext>
+            </a:extLst>
+          </p:cNvPr>
+          <p:cNvSpPr/>
+          <p:nvPr/>
+        </p:nvSpPr>
+        <p:spPr>
+          <a:xfrm>
+            <a:off x="1257557" y="33221"/>
+            <a:ext cx="3219189" cy="559495"/>
+          </a:xfrm>
+          <a:prstGeom prst="rect">
+            <a:avLst/>
+          </a:prstGeom>
+          <a:solidFill>
+            <a:schemeClr val="accent6">
+              <a:lumMod val="75000"/>
+            </a:schemeClr>
+          </a:solidFill>
+        </p:spPr>
+        <p:style>
+          <a:lnRef idx="2">
+            <a:schemeClr val="accent2">
+              <a:shade val="50000"/>
+            </a:schemeClr>
+          </a:lnRef>
+          <a:fillRef idx="1">
+            <a:schemeClr val="accent2"/>
+          </a:fillRef>
+          <a:effectRef idx="0">
+            <a:schemeClr val="accent2"/>
+          </a:effectRef>
+          <a:fontRef idx="minor">
+            <a:schemeClr val="lt1"/>
+          </a:fontRef>
+        </p:style>
+        <p:txBody>
+          <a:bodyPr rtlCol="0" anchor="ctr"/>
+          <a:lstStyle/>
+          <a:p>
+            <a:pPr algn="ctr"/>
+            <a:r>
+              <a:rPr lang="en-US" altLang="ko-KR" dirty="0"/>
+              <a:t>portfolio</a:t>
+            </a:r>
+            <a:endParaRPr lang="ko-KR" altLang="en-US" dirty="0"/>
+          </a:p>
+        </p:txBody>
+      </p:sp>
+      <p:sp>
+        <p:nvSpPr>
+          <p:cNvPr id="4" name="화살표: 갈매기형 수장 3">
+            <a:extLst>
+              <a:ext uri="{FF2B5EF4-FFF2-40B4-BE49-F238E27FC236}">
+                <a16:creationId xmlns:a16="http://schemas.microsoft.com/office/drawing/2014/main" id="{38987326-E94E-401E-A2AE-B0088822E702}"/>
+              </a:ext>
+            </a:extLst>
+          </p:cNvPr>
+          <p:cNvSpPr/>
+          <p:nvPr/>
+        </p:nvSpPr>
+        <p:spPr>
+          <a:xfrm>
+            <a:off x="4687647" y="2643409"/>
+            <a:ext cx="380997" cy="388307"/>
+          </a:xfrm>
+          <a:prstGeom prst="chevron">
+            <a:avLst/>
+          </a:prstGeom>
+        </p:spPr>
+        <p:style>
+          <a:lnRef idx="2">
+            <a:schemeClr val="accent4">
+              <a:shade val="50000"/>
+            </a:schemeClr>
+          </a:lnRef>
+          <a:fillRef idx="1">
+            <a:schemeClr val="accent4"/>
+          </a:fillRef>
+          <a:effectRef idx="0">
+            <a:schemeClr val="accent4"/>
+          </a:effectRef>
+          <a:fontRef idx="minor">
+            <a:schemeClr val="lt1"/>
+          </a:fontRef>
+        </p:style>
+        <p:txBody>
+          <a:bodyPr rtlCol="0" anchor="ctr"/>
+          <a:lstStyle/>
+          <a:p>
+            <a:pPr algn="ctr"/>
+            <a:endParaRPr lang="ko-KR" altLang="en-US" dirty="0">
+              <a:solidFill>
+                <a:schemeClr val="tx1"/>
+              </a:solidFill>
+            </a:endParaRPr>
+          </a:p>
+        </p:txBody>
+      </p:sp>
+      <p:sp>
+        <p:nvSpPr>
+          <p:cNvPr id="9" name="직사각형 8">
+            <a:extLst>
+              <a:ext uri="{FF2B5EF4-FFF2-40B4-BE49-F238E27FC236}">
+                <a16:creationId xmlns:a16="http://schemas.microsoft.com/office/drawing/2014/main" id="{FC579BC5-B042-4BD5-8134-349207D07F89}"/>
+              </a:ext>
+            </a:extLst>
+          </p:cNvPr>
+          <p:cNvSpPr/>
+          <p:nvPr/>
+        </p:nvSpPr>
+        <p:spPr>
+          <a:xfrm>
+            <a:off x="620487" y="712207"/>
+            <a:ext cx="10308862" cy="4868030"/>
+          </a:xfrm>
+          <a:prstGeom prst="rect">
+            <a:avLst/>
+          </a:prstGeom>
+          <a:solidFill>
+            <a:schemeClr val="accent6">
+              <a:lumMod val="75000"/>
+            </a:schemeClr>
+          </a:solidFill>
+        </p:spPr>
+        <p:style>
+          <a:lnRef idx="2">
+            <a:schemeClr val="accent2">
+              <a:shade val="50000"/>
+            </a:schemeClr>
+          </a:lnRef>
+          <a:fillRef idx="1">
+            <a:schemeClr val="accent2"/>
+          </a:fillRef>
+          <a:effectRef idx="0">
+            <a:schemeClr val="accent2"/>
+          </a:effectRef>
+          <a:fontRef idx="minor">
+            <a:schemeClr val="lt1"/>
+          </a:fontRef>
+        </p:style>
+        <p:txBody>
+          <a:bodyPr rtlCol="0" anchor="ctr"/>
+          <a:lstStyle/>
+          <a:p>
+            <a:pPr algn="ctr"/>
+            <a:endParaRPr lang="ko-KR" altLang="en-US" dirty="0"/>
+          </a:p>
+        </p:txBody>
+      </p:sp>
+      <p:sp>
+        <p:nvSpPr>
+          <p:cNvPr id="5" name="직사각형 4">
+            <a:extLst>
+              <a:ext uri="{FF2B5EF4-FFF2-40B4-BE49-F238E27FC236}">
+                <a16:creationId xmlns:a16="http://schemas.microsoft.com/office/drawing/2014/main" id="{F6CE5099-A524-476B-9E29-4602028EADC2}"/>
+              </a:ext>
+            </a:extLst>
+          </p:cNvPr>
+          <p:cNvSpPr/>
+          <p:nvPr/>
+        </p:nvSpPr>
+        <p:spPr>
+          <a:xfrm>
+            <a:off x="1692495" y="1271339"/>
+            <a:ext cx="2310428" cy="1977165"/>
+          </a:xfrm>
+          <a:prstGeom prst="rect">
+            <a:avLst/>
+          </a:prstGeom>
+        </p:spPr>
+        <p:style>
+          <a:lnRef idx="2">
+            <a:schemeClr val="accent4">
+              <a:shade val="50000"/>
+            </a:schemeClr>
+          </a:lnRef>
+          <a:fillRef idx="1">
+            <a:schemeClr val="accent4"/>
+          </a:fillRef>
+          <a:effectRef idx="0">
+            <a:schemeClr val="accent4"/>
+          </a:effectRef>
+          <a:fontRef idx="minor">
+            <a:schemeClr val="lt1"/>
+          </a:fontRef>
+        </p:style>
+        <p:txBody>
+          <a:bodyPr rtlCol="0" anchor="ctr"/>
+          <a:lstStyle/>
+          <a:p>
+            <a:pPr algn="ctr"/>
+            <a:r>
+              <a:rPr lang="en-US" altLang="ko-KR" dirty="0"/>
+              <a:t>view</a:t>
+            </a:r>
+            <a:endParaRPr lang="ko-KR" altLang="en-US" dirty="0"/>
+          </a:p>
+        </p:txBody>
+      </p:sp>
+      <p:sp>
+        <p:nvSpPr>
+          <p:cNvPr id="7" name="직사각형 6">
+            <a:extLst>
+              <a:ext uri="{FF2B5EF4-FFF2-40B4-BE49-F238E27FC236}">
+                <a16:creationId xmlns:a16="http://schemas.microsoft.com/office/drawing/2014/main" id="{94347DD9-1F1B-4560-8528-CFB2BCF4E316}"/>
+              </a:ext>
+            </a:extLst>
+          </p:cNvPr>
+          <p:cNvSpPr/>
+          <p:nvPr/>
+        </p:nvSpPr>
+        <p:spPr>
+          <a:xfrm>
+            <a:off x="1711937" y="3730487"/>
+            <a:ext cx="2310428" cy="445514"/>
+          </a:xfrm>
+          <a:prstGeom prst="rect">
+            <a:avLst/>
+          </a:prstGeom>
+        </p:spPr>
+        <p:style>
+          <a:lnRef idx="2">
+            <a:schemeClr val="accent4">
+              <a:shade val="50000"/>
+            </a:schemeClr>
+          </a:lnRef>
+          <a:fillRef idx="1">
+            <a:schemeClr val="accent4"/>
+          </a:fillRef>
+          <a:effectRef idx="0">
+            <a:schemeClr val="accent4"/>
+          </a:effectRef>
+          <a:fontRef idx="minor">
+            <a:schemeClr val="lt1"/>
+          </a:fontRef>
+        </p:style>
+        <p:txBody>
+          <a:bodyPr rtlCol="0" anchor="ctr"/>
+          <a:lstStyle/>
+          <a:p>
+            <a:pPr algn="ctr"/>
+            <a:r>
+              <a:rPr lang="en-US" altLang="ko-KR" dirty="0"/>
+              <a:t>name</a:t>
+            </a:r>
+            <a:endParaRPr lang="ko-KR" altLang="en-US" dirty="0"/>
+          </a:p>
+        </p:txBody>
+      </p:sp>
+      <p:sp>
+        <p:nvSpPr>
+          <p:cNvPr id="8" name="직사각형 7">
+            <a:extLst>
+              <a:ext uri="{FF2B5EF4-FFF2-40B4-BE49-F238E27FC236}">
+                <a16:creationId xmlns:a16="http://schemas.microsoft.com/office/drawing/2014/main" id="{A56D3167-DEC0-43EC-90E2-5657A0068A67}"/>
+              </a:ext>
+            </a:extLst>
+          </p:cNvPr>
+          <p:cNvSpPr/>
+          <p:nvPr/>
+        </p:nvSpPr>
+        <p:spPr>
+          <a:xfrm>
+            <a:off x="1692495" y="4441472"/>
+            <a:ext cx="2310428" cy="445514"/>
+          </a:xfrm>
+          <a:prstGeom prst="rect">
+            <a:avLst/>
+          </a:prstGeom>
+        </p:spPr>
+        <p:style>
+          <a:lnRef idx="2">
+            <a:schemeClr val="accent4">
+              <a:shade val="50000"/>
+            </a:schemeClr>
+          </a:lnRef>
+          <a:fillRef idx="1">
+            <a:schemeClr val="accent4"/>
+          </a:fillRef>
+          <a:effectRef idx="0">
+            <a:schemeClr val="accent4"/>
+          </a:effectRef>
+          <a:fontRef idx="minor">
+            <a:schemeClr val="lt1"/>
+          </a:fontRef>
+        </p:style>
+        <p:txBody>
+          <a:bodyPr rtlCol="0" anchor="ctr"/>
+          <a:lstStyle/>
+          <a:p>
+            <a:pPr algn="ctr"/>
+            <a:r>
+              <a:rPr lang="en-US" altLang="ko-KR" dirty="0"/>
+              <a:t>describe</a:t>
+            </a:r>
+            <a:endParaRPr lang="ko-KR" altLang="en-US" dirty="0"/>
+          </a:p>
+        </p:txBody>
+      </p:sp>
+      <p:sp>
+        <p:nvSpPr>
+          <p:cNvPr id="31" name="직사각형 30">
+            <a:extLst>
+              <a:ext uri="{FF2B5EF4-FFF2-40B4-BE49-F238E27FC236}">
+                <a16:creationId xmlns:a16="http://schemas.microsoft.com/office/drawing/2014/main" id="{FA4E6432-90CE-4CA9-8E24-E0CE56664814}"/>
+              </a:ext>
+            </a:extLst>
+          </p:cNvPr>
+          <p:cNvSpPr/>
+          <p:nvPr/>
+        </p:nvSpPr>
+        <p:spPr>
+          <a:xfrm>
+            <a:off x="1711937" y="5024638"/>
+            <a:ext cx="1301330" cy="445514"/>
+          </a:xfrm>
+          <a:prstGeom prst="rect">
+            <a:avLst/>
+          </a:prstGeom>
+        </p:spPr>
+        <p:style>
+          <a:lnRef idx="2">
+            <a:schemeClr val="accent4">
+              <a:shade val="50000"/>
+            </a:schemeClr>
+          </a:lnRef>
+          <a:fillRef idx="1">
+            <a:schemeClr val="accent4"/>
+          </a:fillRef>
+          <a:effectRef idx="0">
+            <a:schemeClr val="accent4"/>
+          </a:effectRef>
+          <a:fontRef idx="minor">
+            <a:schemeClr val="lt1"/>
+          </a:fontRef>
+        </p:style>
+        <p:txBody>
+          <a:bodyPr rtlCol="0" anchor="ctr"/>
+          <a:lstStyle/>
+          <a:p>
+            <a:pPr algn="ctr"/>
+            <a:r>
+              <a:rPr lang="en-US" altLang="ko-KR" dirty="0"/>
+              <a:t>Live demo</a:t>
+            </a:r>
+            <a:endParaRPr lang="ko-KR" altLang="en-US" dirty="0"/>
+          </a:p>
+        </p:txBody>
+      </p:sp>
+      <p:sp>
+        <p:nvSpPr>
+          <p:cNvPr id="32" name="직사각형 31">
+            <a:extLst>
+              <a:ext uri="{FF2B5EF4-FFF2-40B4-BE49-F238E27FC236}">
+                <a16:creationId xmlns:a16="http://schemas.microsoft.com/office/drawing/2014/main" id="{01D1DA10-82CA-4EFA-986C-E8F7928A9FD5}"/>
+              </a:ext>
+            </a:extLst>
+          </p:cNvPr>
+          <p:cNvSpPr/>
+          <p:nvPr/>
+        </p:nvSpPr>
+        <p:spPr>
+          <a:xfrm>
+            <a:off x="3131681" y="5024638"/>
+            <a:ext cx="900968" cy="445514"/>
+          </a:xfrm>
+          <a:prstGeom prst="rect">
+            <a:avLst/>
+          </a:prstGeom>
+        </p:spPr>
+        <p:style>
+          <a:lnRef idx="2">
+            <a:schemeClr val="accent4">
+              <a:shade val="50000"/>
+            </a:schemeClr>
+          </a:lnRef>
+          <a:fillRef idx="1">
+            <a:schemeClr val="accent4"/>
+          </a:fillRef>
+          <a:effectRef idx="0">
+            <a:schemeClr val="accent4"/>
+          </a:effectRef>
+          <a:fontRef idx="minor">
+            <a:schemeClr val="lt1"/>
+          </a:fontRef>
+        </p:style>
+        <p:txBody>
+          <a:bodyPr rtlCol="0" anchor="ctr"/>
+          <a:lstStyle/>
+          <a:p>
+            <a:pPr algn="ctr"/>
+            <a:r>
+              <a:rPr lang="en-US" altLang="ko-KR" dirty="0" err="1"/>
+              <a:t>github</a:t>
+            </a:r>
+            <a:endParaRPr lang="ko-KR" altLang="en-US" dirty="0"/>
+          </a:p>
+        </p:txBody>
+      </p:sp>
+      <p:sp>
+        <p:nvSpPr>
+          <p:cNvPr id="23" name="액자 22">
+            <a:extLst>
+              <a:ext uri="{FF2B5EF4-FFF2-40B4-BE49-F238E27FC236}">
+                <a16:creationId xmlns:a16="http://schemas.microsoft.com/office/drawing/2014/main" id="{1367BE11-BF29-446D-B4D0-22A9F942C212}"/>
+              </a:ext>
+            </a:extLst>
+          </p:cNvPr>
+          <p:cNvSpPr/>
+          <p:nvPr/>
+        </p:nvSpPr>
+        <p:spPr>
+          <a:xfrm>
+            <a:off x="472440" y="592716"/>
+            <a:ext cx="4750539" cy="5199914"/>
+          </a:xfrm>
+          <a:prstGeom prst="frame">
+            <a:avLst>
+              <a:gd name="adj1" fmla="val 4568"/>
+            </a:avLst>
+          </a:prstGeom>
+          <a:solidFill>
+            <a:schemeClr val="accent5"/>
+          </a:solidFill>
+          <a:ln>
+            <a:noFill/>
+          </a:ln>
+        </p:spPr>
+        <p:style>
+          <a:lnRef idx="2">
+            <a:schemeClr val="accent1">
+              <a:shade val="50000"/>
+            </a:schemeClr>
+          </a:lnRef>
+          <a:fillRef idx="1">
+            <a:schemeClr val="accent1"/>
+          </a:fillRef>
+          <a:effectRef idx="0">
+            <a:schemeClr val="accent1"/>
+          </a:effectRef>
+          <a:fontRef idx="minor">
+            <a:schemeClr val="lt1"/>
+          </a:fontRef>
+        </p:style>
+        <p:txBody>
+          <a:bodyPr rtlCol="0" anchor="ctr"/>
+          <a:lstStyle/>
+          <a:p>
+            <a:pPr algn="ctr"/>
+            <a:endParaRPr lang="ko-KR" altLang="en-US">
+              <a:solidFill>
+                <a:schemeClr val="tx1"/>
+              </a:solidFill>
+            </a:endParaRPr>
+          </a:p>
+        </p:txBody>
+      </p:sp>
+      <p:sp>
+        <p:nvSpPr>
+          <p:cNvPr id="24" name="TextBox 23">
+            <a:extLst>
+              <a:ext uri="{FF2B5EF4-FFF2-40B4-BE49-F238E27FC236}">
+                <a16:creationId xmlns:a16="http://schemas.microsoft.com/office/drawing/2014/main" id="{5367CA55-2659-4157-B5FF-CE55D4313D4C}"/>
+              </a:ext>
+            </a:extLst>
+          </p:cNvPr>
+          <p:cNvSpPr txBox="1"/>
+          <p:nvPr/>
+        </p:nvSpPr>
+        <p:spPr>
+          <a:xfrm>
+            <a:off x="5364314" y="645874"/>
+            <a:ext cx="2133766" cy="369332"/>
+          </a:xfrm>
+          <a:prstGeom prst="rect">
+            <a:avLst/>
+          </a:prstGeom>
+          <a:solidFill>
+            <a:schemeClr val="accent4"/>
+          </a:solidFill>
+          <a:ln>
+            <a:solidFill>
+              <a:schemeClr val="accent4"/>
+            </a:solidFill>
+          </a:ln>
+        </p:spPr>
+        <p:txBody>
+          <a:bodyPr wrap="square" rtlCol="0">
+            <a:spAutoFit/>
+          </a:bodyPr>
+          <a:lstStyle/>
+          <a:p>
+            <a:r>
+              <a:rPr lang="en-US" altLang="ko-KR" dirty="0"/>
+              <a:t>Ul&gt;(li&gt;article)*3</a:t>
+            </a:r>
+            <a:endParaRPr lang="ko-KR" altLang="en-US" dirty="0"/>
+          </a:p>
+        </p:txBody>
+      </p:sp>
+      <p:sp>
+        <p:nvSpPr>
+          <p:cNvPr id="26" name="TextBox 25">
+            <a:extLst>
+              <a:ext uri="{FF2B5EF4-FFF2-40B4-BE49-F238E27FC236}">
+                <a16:creationId xmlns:a16="http://schemas.microsoft.com/office/drawing/2014/main" id="{79A81EBA-6B0A-4430-8081-32FF7AB4D3E0}"/>
+              </a:ext>
+            </a:extLst>
+          </p:cNvPr>
+          <p:cNvSpPr txBox="1"/>
+          <p:nvPr/>
+        </p:nvSpPr>
+        <p:spPr>
+          <a:xfrm>
+            <a:off x="5377383" y="2000294"/>
+            <a:ext cx="2941486" cy="369332"/>
+          </a:xfrm>
+          <a:prstGeom prst="rect">
+            <a:avLst/>
+          </a:prstGeom>
+          <a:solidFill>
+            <a:schemeClr val="accent1">
+              <a:lumMod val="60000"/>
+              <a:lumOff val="40000"/>
+            </a:schemeClr>
+          </a:solidFill>
+          <a:ln>
+            <a:solidFill>
+              <a:schemeClr val="accent4"/>
+            </a:solidFill>
+          </a:ln>
+        </p:spPr>
+        <p:txBody>
+          <a:bodyPr wrap="square" rtlCol="0">
+            <a:spAutoFit/>
+          </a:bodyPr>
+          <a:lstStyle/>
+          <a:p>
+            <a:r>
+              <a:rPr lang="en-US" altLang="ko-KR" dirty="0">
+                <a:solidFill>
+                  <a:schemeClr val="bg1"/>
+                </a:solidFill>
+              </a:rPr>
+              <a:t>Li width: 100%</a:t>
+            </a:r>
+            <a:endParaRPr lang="ko-KR" altLang="en-US" dirty="0">
+              <a:solidFill>
+                <a:schemeClr val="bg1"/>
+              </a:solidFill>
+            </a:endParaRPr>
+          </a:p>
+        </p:txBody>
+      </p:sp>
+      <p:sp>
+        <p:nvSpPr>
+          <p:cNvPr id="33" name="TextBox 32">
+            <a:extLst>
+              <a:ext uri="{FF2B5EF4-FFF2-40B4-BE49-F238E27FC236}">
+                <a16:creationId xmlns:a16="http://schemas.microsoft.com/office/drawing/2014/main" id="{830FE48E-A613-4240-85B9-4A9563118E59}"/>
+              </a:ext>
+            </a:extLst>
+          </p:cNvPr>
+          <p:cNvSpPr txBox="1"/>
+          <p:nvPr/>
+        </p:nvSpPr>
+        <p:spPr>
+          <a:xfrm>
+            <a:off x="5364314" y="1161527"/>
+            <a:ext cx="2941486" cy="707886"/>
+          </a:xfrm>
+          <a:prstGeom prst="rect">
+            <a:avLst/>
+          </a:prstGeom>
+          <a:solidFill>
+            <a:schemeClr val="accent1">
+              <a:lumMod val="60000"/>
+              <a:lumOff val="40000"/>
+            </a:schemeClr>
+          </a:solidFill>
+          <a:ln>
+            <a:solidFill>
+              <a:schemeClr val="accent4"/>
+            </a:solidFill>
+          </a:ln>
+        </p:spPr>
+        <p:txBody>
+          <a:bodyPr wrap="square" rtlCol="0">
+            <a:spAutoFit/>
+          </a:bodyPr>
+          <a:lstStyle/>
+          <a:p>
+            <a:r>
+              <a:rPr lang="en-US" altLang="ko-KR" sz="2000" dirty="0">
+                <a:solidFill>
+                  <a:schemeClr val="bg1"/>
+                </a:solidFill>
+              </a:rPr>
+              <a:t>ul &gt; flex</a:t>
+            </a:r>
+          </a:p>
+          <a:p>
+            <a:r>
+              <a:rPr lang="en-US" altLang="ko-KR" sz="2000" dirty="0">
+                <a:solidFill>
+                  <a:schemeClr val="bg1"/>
+                </a:solidFill>
+              </a:rPr>
+              <a:t>ul&gt; overflow : hidden</a:t>
+            </a:r>
+          </a:p>
+        </p:txBody>
+      </p:sp>
+      <p:grpSp>
+        <p:nvGrpSpPr>
+          <p:cNvPr id="30" name="그룹 29">
+            <a:extLst>
+              <a:ext uri="{FF2B5EF4-FFF2-40B4-BE49-F238E27FC236}">
+                <a16:creationId xmlns:a16="http://schemas.microsoft.com/office/drawing/2014/main" id="{9F905DF8-B59B-4314-AF64-DE480955F9D3}"/>
+              </a:ext>
+            </a:extLst>
+          </p:cNvPr>
+          <p:cNvGrpSpPr/>
+          <p:nvPr/>
+        </p:nvGrpSpPr>
+        <p:grpSpPr>
+          <a:xfrm>
+            <a:off x="2106877" y="5949525"/>
+            <a:ext cx="1615858" cy="315759"/>
+            <a:chOff x="2542784" y="6275540"/>
+            <a:chExt cx="1615858" cy="315759"/>
+          </a:xfrm>
+        </p:grpSpPr>
+        <p:sp>
+          <p:nvSpPr>
+            <p:cNvPr id="27" name="순서도: 연결자 26">
+              <a:extLst>
+                <a:ext uri="{FF2B5EF4-FFF2-40B4-BE49-F238E27FC236}">
+                  <a16:creationId xmlns:a16="http://schemas.microsoft.com/office/drawing/2014/main" id="{850F13F3-B2EB-4913-80EE-27F1A1DBBA5A}"/>
+                </a:ext>
+              </a:extLst>
+            </p:cNvPr>
+            <p:cNvSpPr/>
+            <p:nvPr/>
+          </p:nvSpPr>
+          <p:spPr>
+            <a:xfrm>
+              <a:off x="2542784" y="6275540"/>
+              <a:ext cx="325676" cy="313150"/>
+            </a:xfrm>
+            <a:prstGeom prst="flowChartConnector">
+              <a:avLst/>
+            </a:prstGeom>
+            <a:solidFill>
+              <a:srgbClr val="FDEEE4"/>
+            </a:solidFill>
+            <a:ln>
+              <a:solidFill>
+                <a:srgbClr val="002060"/>
+              </a:solidFill>
+            </a:ln>
+          </p:spPr>
+          <p:style>
+            <a:lnRef idx="2">
+              <a:schemeClr val="accent1">
+                <a:shade val="50000"/>
+              </a:schemeClr>
+            </a:lnRef>
+            <a:fillRef idx="1">
+              <a:schemeClr val="accent1"/>
+            </a:fillRef>
+            <a:effectRef idx="0">
+              <a:schemeClr val="accent1"/>
+            </a:effectRef>
+            <a:fontRef idx="minor">
+              <a:schemeClr val="lt1"/>
+            </a:fontRef>
+          </p:style>
+          <p:txBody>
+            <a:bodyPr rtlCol="0" anchor="ctr"/>
+            <a:lstStyle/>
+            <a:p>
+              <a:pPr algn="ctr"/>
+              <a:endParaRPr lang="ko-KR" altLang="en-US" dirty="0"/>
+            </a:p>
+          </p:txBody>
+        </p:sp>
+        <p:sp>
+          <p:nvSpPr>
+            <p:cNvPr id="28" name="순서도: 연결자 27">
+              <a:extLst>
+                <a:ext uri="{FF2B5EF4-FFF2-40B4-BE49-F238E27FC236}">
+                  <a16:creationId xmlns:a16="http://schemas.microsoft.com/office/drawing/2014/main" id="{02296BB4-6C79-4E2F-9EFD-D9BED61A2CBC}"/>
+                </a:ext>
+              </a:extLst>
+            </p:cNvPr>
+            <p:cNvSpPr/>
+            <p:nvPr/>
+          </p:nvSpPr>
+          <p:spPr>
+            <a:xfrm>
+              <a:off x="3200400" y="6278149"/>
+              <a:ext cx="325676" cy="313150"/>
+            </a:xfrm>
+            <a:prstGeom prst="flowChartConnector">
+              <a:avLst/>
+            </a:prstGeom>
+            <a:solidFill>
+              <a:srgbClr val="F7C7A7"/>
+            </a:solidFill>
+            <a:ln>
+              <a:solidFill>
+                <a:srgbClr val="002060"/>
+              </a:solidFill>
+            </a:ln>
+          </p:spPr>
+          <p:style>
+            <a:lnRef idx="2">
+              <a:schemeClr val="accent1">
+                <a:shade val="50000"/>
+              </a:schemeClr>
+            </a:lnRef>
+            <a:fillRef idx="1">
+              <a:schemeClr val="accent1"/>
+            </a:fillRef>
+            <a:effectRef idx="0">
+              <a:schemeClr val="accent1"/>
+            </a:effectRef>
+            <a:fontRef idx="minor">
+              <a:schemeClr val="lt1"/>
+            </a:fontRef>
+          </p:style>
+          <p:txBody>
+            <a:bodyPr rtlCol="0" anchor="ctr"/>
+            <a:lstStyle/>
+            <a:p>
+              <a:pPr algn="ctr"/>
+              <a:endParaRPr lang="ko-KR" altLang="en-US" dirty="0"/>
+            </a:p>
+          </p:txBody>
+        </p:sp>
+        <p:sp>
+          <p:nvSpPr>
+            <p:cNvPr id="29" name="순서도: 연결자 28">
+              <a:extLst>
+                <a:ext uri="{FF2B5EF4-FFF2-40B4-BE49-F238E27FC236}">
+                  <a16:creationId xmlns:a16="http://schemas.microsoft.com/office/drawing/2014/main" id="{915061FE-805E-436F-B0C6-4CD9DEA5E8C6}"/>
+                </a:ext>
+              </a:extLst>
+            </p:cNvPr>
+            <p:cNvSpPr/>
+            <p:nvPr/>
+          </p:nvSpPr>
+          <p:spPr>
+            <a:xfrm>
+              <a:off x="3832966" y="6275540"/>
+              <a:ext cx="325676" cy="313150"/>
+            </a:xfrm>
+            <a:prstGeom prst="flowChartConnector">
+              <a:avLst/>
+            </a:prstGeom>
+            <a:solidFill>
+              <a:srgbClr val="FDEEE4"/>
+            </a:solidFill>
+            <a:ln>
+              <a:solidFill>
+                <a:srgbClr val="002060"/>
+              </a:solidFill>
+            </a:ln>
+          </p:spPr>
+          <p:style>
+            <a:lnRef idx="2">
+              <a:schemeClr val="accent1">
+                <a:shade val="50000"/>
+              </a:schemeClr>
+            </a:lnRef>
+            <a:fillRef idx="1">
+              <a:schemeClr val="accent1"/>
+            </a:fillRef>
+            <a:effectRef idx="0">
+              <a:schemeClr val="accent1"/>
+            </a:effectRef>
+            <a:fontRef idx="minor">
+              <a:schemeClr val="lt1"/>
+            </a:fontRef>
+          </p:style>
+          <p:txBody>
+            <a:bodyPr rtlCol="0" anchor="ctr"/>
+            <a:lstStyle/>
+            <a:p>
+              <a:pPr algn="ctr"/>
+              <a:endParaRPr lang="ko-KR" altLang="en-US" dirty="0"/>
+            </a:p>
+          </p:txBody>
+        </p:sp>
+      </p:grpSp>
+      <p:sp>
+        <p:nvSpPr>
+          <p:cNvPr id="21" name="TextBox 20">
+            <a:extLst>
+              <a:ext uri="{FF2B5EF4-FFF2-40B4-BE49-F238E27FC236}">
+                <a16:creationId xmlns:a16="http://schemas.microsoft.com/office/drawing/2014/main" id="{7E33E5CE-F1EA-470B-81FB-811B120D5D5D}"/>
+              </a:ext>
+            </a:extLst>
+          </p:cNvPr>
+          <p:cNvSpPr txBox="1"/>
+          <p:nvPr/>
+        </p:nvSpPr>
+        <p:spPr>
+          <a:xfrm>
+            <a:off x="6033163" y="2615905"/>
+            <a:ext cx="5915567" cy="5632311"/>
+          </a:xfrm>
+          <a:prstGeom prst="rect">
+            <a:avLst/>
+          </a:prstGeom>
+          <a:solidFill>
+            <a:schemeClr val="bg2"/>
+          </a:solidFill>
+          <a:ln>
+            <a:solidFill>
+              <a:schemeClr val="accent4"/>
+            </a:solidFill>
+          </a:ln>
+        </p:spPr>
+        <p:txBody>
+          <a:bodyPr wrap="square" rtlCol="0">
+            <a:spAutoFit/>
+          </a:bodyPr>
+          <a:lstStyle/>
+          <a:p>
+            <a:r>
+              <a:rPr lang="en-US" altLang="ko-KR" sz="2400" dirty="0" err="1"/>
+              <a:t>Section.sec</a:t>
+            </a:r>
+            <a:r>
+              <a:rPr lang="en-US" altLang="ko-KR" sz="2400" dirty="0"/>
+              <a:t>-portfolio &gt; h3 + ul</a:t>
+            </a:r>
+          </a:p>
+          <a:p>
+            <a:endParaRPr lang="en-US" altLang="ko-KR" sz="2400" dirty="0"/>
+          </a:p>
+          <a:p>
+            <a:r>
+              <a:rPr lang="en-US" altLang="ko-KR" sz="2400" dirty="0"/>
+              <a:t>ul&gt; li. List-portfolio&gt; </a:t>
+            </a:r>
+            <a:r>
+              <a:rPr lang="en-US" altLang="ko-KR" sz="2400" dirty="0" err="1"/>
+              <a:t>article.art</a:t>
+            </a:r>
+            <a:r>
+              <a:rPr lang="en-US" altLang="ko-KR" sz="2400" dirty="0"/>
+              <a:t>-portfolio</a:t>
+            </a:r>
+          </a:p>
+          <a:p>
+            <a:endParaRPr lang="en-US" altLang="ko-KR" sz="2400" dirty="0"/>
+          </a:p>
+          <a:p>
+            <a:r>
+              <a:rPr lang="en-US" altLang="ko-KR" sz="2400" dirty="0"/>
+              <a:t>article &gt; </a:t>
+            </a:r>
+            <a:r>
+              <a:rPr lang="en-US" altLang="ko-KR" sz="2400" dirty="0" err="1"/>
+              <a:t>div.video</a:t>
+            </a:r>
+            <a:r>
+              <a:rPr lang="en-US" altLang="ko-KR" sz="2400" dirty="0"/>
+              <a:t>-portfolio</a:t>
+            </a:r>
+          </a:p>
+          <a:p>
+            <a:r>
+              <a:rPr lang="en-US" altLang="ko-KR" sz="2400" dirty="0"/>
+              <a:t>	+ h4.name-portfolio </a:t>
+            </a:r>
+          </a:p>
+          <a:p>
+            <a:r>
+              <a:rPr lang="en-US" altLang="ko-KR" sz="2400" dirty="0"/>
+              <a:t>	+ </a:t>
+            </a:r>
+            <a:r>
+              <a:rPr lang="en-US" altLang="ko-KR" sz="2400" dirty="0" err="1"/>
+              <a:t>p.desc</a:t>
+            </a:r>
+            <a:r>
+              <a:rPr lang="en-US" altLang="ko-KR" sz="2400" dirty="0"/>
+              <a:t>-portfolio</a:t>
+            </a:r>
+          </a:p>
+          <a:p>
+            <a:r>
+              <a:rPr lang="en-US" altLang="ko-KR" sz="2400" dirty="0"/>
+              <a:t>	+ </a:t>
+            </a:r>
+            <a:r>
+              <a:rPr lang="en-US" altLang="ko-KR" sz="2400" dirty="0" err="1"/>
+              <a:t>ul.list</a:t>
+            </a:r>
+            <a:r>
+              <a:rPr lang="en-US" altLang="ko-KR" sz="2400" dirty="0"/>
+              <a:t>-link&gt;li*2&gt;a</a:t>
+            </a:r>
+          </a:p>
+          <a:p>
+            <a:r>
+              <a:rPr lang="en-US" altLang="ko-KR" sz="2400" dirty="0"/>
+              <a:t>	(</a:t>
+            </a:r>
+            <a:r>
+              <a:rPr lang="en-US" altLang="ko-KR" sz="2400" dirty="0" err="1"/>
+              <a:t>div.con</a:t>
+            </a:r>
+            <a:r>
+              <a:rPr lang="en-US" altLang="ko-KR" sz="2400" dirty="0"/>
+              <a:t>-link&gt;a*2)</a:t>
+            </a:r>
+          </a:p>
+          <a:p>
+            <a:endParaRPr lang="en-US" altLang="ko-KR" sz="2400" dirty="0"/>
+          </a:p>
+          <a:p>
+            <a:r>
+              <a:rPr lang="en-US" altLang="ko-KR" sz="2400" dirty="0"/>
+              <a:t>article &gt; </a:t>
+            </a:r>
+            <a:r>
+              <a:rPr lang="en-US" altLang="ko-KR" sz="2400" dirty="0" err="1"/>
+              <a:t>div.video</a:t>
+            </a:r>
+            <a:r>
+              <a:rPr lang="en-US" altLang="ko-KR" sz="2400" dirty="0"/>
+              <a:t>-portfolio &gt; video</a:t>
+            </a:r>
+          </a:p>
+          <a:p>
+            <a:r>
+              <a:rPr lang="en-US" altLang="ko-KR" sz="2400" dirty="0"/>
+              <a:t>article &gt; </a:t>
+            </a:r>
+            <a:r>
+              <a:rPr lang="en-US" altLang="ko-KR" sz="2400" dirty="0" err="1"/>
+              <a:t>div.img</a:t>
+            </a:r>
+            <a:r>
+              <a:rPr lang="en-US" altLang="ko-KR" sz="2400" dirty="0"/>
+              <a:t>-portfolio &gt; </a:t>
+            </a:r>
+            <a:r>
+              <a:rPr lang="en-US" altLang="ko-KR" sz="2400" dirty="0" err="1"/>
+              <a:t>img</a:t>
+            </a:r>
+            <a:endParaRPr lang="en-US" altLang="ko-KR" sz="2400" dirty="0"/>
+          </a:p>
+          <a:p>
+            <a:endParaRPr lang="en-US" altLang="ko-KR" sz="2400" dirty="0"/>
+          </a:p>
+          <a:p>
+            <a:r>
+              <a:rPr lang="en-US" altLang="ko-KR" sz="2400" dirty="0"/>
+              <a:t>article &gt; footer &gt; </a:t>
+            </a:r>
+            <a:r>
+              <a:rPr lang="en-US" altLang="ko-KR" sz="2400" dirty="0" err="1"/>
+              <a:t>ul.list</a:t>
+            </a:r>
+            <a:r>
+              <a:rPr lang="en-US" altLang="ko-KR" sz="2400" dirty="0"/>
+              <a:t>-circle &gt;li*3</a:t>
+            </a:r>
+          </a:p>
+          <a:p>
+            <a:r>
+              <a:rPr lang="en-US" altLang="ko-KR" sz="2400" dirty="0"/>
+              <a:t>article &gt; footer &gt; div*3</a:t>
+            </a:r>
+          </a:p>
+        </p:txBody>
+      </p:sp>
+      <p:sp>
+        <p:nvSpPr>
+          <p:cNvPr id="22" name="TextBox 21">
+            <a:extLst>
+              <a:ext uri="{FF2B5EF4-FFF2-40B4-BE49-F238E27FC236}">
+                <a16:creationId xmlns:a16="http://schemas.microsoft.com/office/drawing/2014/main" id="{09717A38-2A7A-48EF-8675-9A6ADBF2537F}"/>
+              </a:ext>
+            </a:extLst>
+          </p:cNvPr>
+          <p:cNvSpPr txBox="1"/>
+          <p:nvPr/>
+        </p:nvSpPr>
+        <p:spPr>
+          <a:xfrm>
+            <a:off x="4001646" y="1336342"/>
+            <a:ext cx="531649" cy="369332"/>
+          </a:xfrm>
+          <a:prstGeom prst="rect">
+            <a:avLst/>
+          </a:prstGeom>
+          <a:solidFill>
+            <a:schemeClr val="accent1">
+              <a:lumMod val="60000"/>
+              <a:lumOff val="40000"/>
+            </a:schemeClr>
+          </a:solidFill>
+          <a:ln>
+            <a:solidFill>
+              <a:schemeClr val="accent4"/>
+            </a:solidFill>
+          </a:ln>
+        </p:spPr>
+        <p:txBody>
+          <a:bodyPr wrap="square" rtlCol="0">
+            <a:spAutoFit/>
+          </a:bodyPr>
+          <a:lstStyle/>
+          <a:p>
+            <a:r>
+              <a:rPr lang="en-US" altLang="ko-KR" dirty="0">
+                <a:solidFill>
+                  <a:schemeClr val="bg1"/>
+                </a:solidFill>
+              </a:rPr>
+              <a:t>div</a:t>
+            </a:r>
+            <a:endParaRPr lang="ko-KR" altLang="en-US" dirty="0">
+              <a:solidFill>
+                <a:schemeClr val="bg1"/>
+              </a:solidFill>
+            </a:endParaRPr>
+          </a:p>
+        </p:txBody>
+      </p:sp>
+      <p:sp>
+        <p:nvSpPr>
+          <p:cNvPr id="34" name="TextBox 33">
+            <a:extLst>
+              <a:ext uri="{FF2B5EF4-FFF2-40B4-BE49-F238E27FC236}">
+                <a16:creationId xmlns:a16="http://schemas.microsoft.com/office/drawing/2014/main" id="{7C375DA8-68EA-428E-A602-3999B040E575}"/>
+              </a:ext>
+            </a:extLst>
+          </p:cNvPr>
+          <p:cNvSpPr txBox="1"/>
+          <p:nvPr/>
+        </p:nvSpPr>
+        <p:spPr>
+          <a:xfrm>
+            <a:off x="4537109" y="128367"/>
+            <a:ext cx="796725" cy="369332"/>
+          </a:xfrm>
+          <a:prstGeom prst="rect">
+            <a:avLst/>
+          </a:prstGeom>
+          <a:solidFill>
+            <a:schemeClr val="accent4"/>
+          </a:solidFill>
+          <a:ln>
+            <a:solidFill>
+              <a:schemeClr val="accent4"/>
+            </a:solidFill>
+          </a:ln>
+        </p:spPr>
+        <p:txBody>
+          <a:bodyPr wrap="square" rtlCol="0">
+            <a:spAutoFit/>
+          </a:bodyPr>
+          <a:lstStyle/>
+          <a:p>
+            <a:r>
+              <a:rPr lang="en-US" altLang="ko-KR" dirty="0"/>
+              <a:t>h3</a:t>
+            </a:r>
+            <a:endParaRPr lang="ko-KR" altLang="en-US" dirty="0"/>
+          </a:p>
+        </p:txBody>
+      </p:sp>
+      <p:sp>
+        <p:nvSpPr>
+          <p:cNvPr id="35" name="TextBox 34">
+            <a:extLst>
+              <a:ext uri="{FF2B5EF4-FFF2-40B4-BE49-F238E27FC236}">
+                <a16:creationId xmlns:a16="http://schemas.microsoft.com/office/drawing/2014/main" id="{D0BE7CC8-149E-4D34-A7C8-65995BD84CF7}"/>
+              </a:ext>
+            </a:extLst>
+          </p:cNvPr>
+          <p:cNvSpPr txBox="1"/>
+          <p:nvPr/>
+        </p:nvSpPr>
+        <p:spPr>
+          <a:xfrm>
+            <a:off x="4022365" y="3730487"/>
+            <a:ext cx="531649" cy="369332"/>
+          </a:xfrm>
+          <a:prstGeom prst="rect">
+            <a:avLst/>
+          </a:prstGeom>
+          <a:solidFill>
+            <a:schemeClr val="accent1">
+              <a:lumMod val="60000"/>
+              <a:lumOff val="40000"/>
+            </a:schemeClr>
+          </a:solidFill>
+          <a:ln>
+            <a:solidFill>
+              <a:schemeClr val="accent4"/>
+            </a:solidFill>
+          </a:ln>
+        </p:spPr>
+        <p:txBody>
+          <a:bodyPr wrap="square" rtlCol="0">
+            <a:spAutoFit/>
+          </a:bodyPr>
+          <a:lstStyle/>
+          <a:p>
+            <a:r>
+              <a:rPr lang="en-US" altLang="ko-KR" dirty="0">
+                <a:solidFill>
+                  <a:schemeClr val="bg1"/>
+                </a:solidFill>
+              </a:rPr>
+              <a:t>h4</a:t>
+            </a:r>
+            <a:endParaRPr lang="ko-KR" altLang="en-US" dirty="0">
+              <a:solidFill>
+                <a:schemeClr val="bg1"/>
+              </a:solidFill>
+            </a:endParaRPr>
+          </a:p>
+        </p:txBody>
+      </p:sp>
+      <p:sp>
+        <p:nvSpPr>
+          <p:cNvPr id="36" name="TextBox 35">
+            <a:extLst>
+              <a:ext uri="{FF2B5EF4-FFF2-40B4-BE49-F238E27FC236}">
+                <a16:creationId xmlns:a16="http://schemas.microsoft.com/office/drawing/2014/main" id="{AB5ABFC6-DA57-47A7-A45A-DC6F6306B37F}"/>
+              </a:ext>
+            </a:extLst>
+          </p:cNvPr>
+          <p:cNvSpPr txBox="1"/>
+          <p:nvPr/>
+        </p:nvSpPr>
+        <p:spPr>
+          <a:xfrm>
+            <a:off x="4022365" y="4415653"/>
+            <a:ext cx="531649" cy="369332"/>
+          </a:xfrm>
+          <a:prstGeom prst="rect">
+            <a:avLst/>
+          </a:prstGeom>
+          <a:solidFill>
+            <a:schemeClr val="accent1">
+              <a:lumMod val="60000"/>
+              <a:lumOff val="40000"/>
+            </a:schemeClr>
+          </a:solidFill>
+          <a:ln>
+            <a:solidFill>
+              <a:schemeClr val="accent4"/>
+            </a:solidFill>
+          </a:ln>
+        </p:spPr>
+        <p:txBody>
+          <a:bodyPr wrap="square" rtlCol="0">
+            <a:spAutoFit/>
+          </a:bodyPr>
+          <a:lstStyle/>
+          <a:p>
+            <a:r>
+              <a:rPr lang="en-US" altLang="ko-KR" dirty="0">
+                <a:solidFill>
+                  <a:schemeClr val="bg1"/>
+                </a:solidFill>
+              </a:rPr>
+              <a:t>p</a:t>
+            </a:r>
+            <a:endParaRPr lang="ko-KR" altLang="en-US" dirty="0">
+              <a:solidFill>
+                <a:schemeClr val="bg1"/>
+              </a:solidFill>
+            </a:endParaRPr>
+          </a:p>
+        </p:txBody>
+      </p:sp>
+      <p:sp>
+        <p:nvSpPr>
+          <p:cNvPr id="37" name="TextBox 36">
+            <a:extLst>
+              <a:ext uri="{FF2B5EF4-FFF2-40B4-BE49-F238E27FC236}">
+                <a16:creationId xmlns:a16="http://schemas.microsoft.com/office/drawing/2014/main" id="{190CBC61-4CB9-4E80-825A-AFE8AD9553AA}"/>
+              </a:ext>
+            </a:extLst>
+          </p:cNvPr>
+          <p:cNvSpPr txBox="1"/>
+          <p:nvPr/>
+        </p:nvSpPr>
+        <p:spPr>
+          <a:xfrm>
+            <a:off x="4032649" y="5062729"/>
+            <a:ext cx="1819511" cy="646331"/>
+          </a:xfrm>
+          <a:prstGeom prst="rect">
+            <a:avLst/>
+          </a:prstGeom>
+          <a:solidFill>
+            <a:schemeClr val="accent1">
+              <a:lumMod val="60000"/>
+              <a:lumOff val="40000"/>
+            </a:schemeClr>
+          </a:solidFill>
+          <a:ln>
+            <a:solidFill>
+              <a:schemeClr val="accent4"/>
+            </a:solidFill>
+          </a:ln>
+        </p:spPr>
+        <p:txBody>
+          <a:bodyPr wrap="square" rtlCol="0">
+            <a:spAutoFit/>
+          </a:bodyPr>
+          <a:lstStyle/>
+          <a:p>
+            <a:r>
+              <a:rPr lang="en-US" altLang="ko-KR" dirty="0">
+                <a:solidFill>
+                  <a:schemeClr val="bg1"/>
+                </a:solidFill>
+              </a:rPr>
+              <a:t>Ul&gt;li&gt;a</a:t>
+            </a:r>
+          </a:p>
+          <a:p>
+            <a:r>
+              <a:rPr lang="en-US" altLang="ko-KR" dirty="0" err="1">
+                <a:solidFill>
+                  <a:schemeClr val="bg1"/>
+                </a:solidFill>
+              </a:rPr>
+              <a:t>Div</a:t>
+            </a:r>
+            <a:r>
+              <a:rPr lang="en-US" altLang="ko-KR" dirty="0">
+                <a:solidFill>
+                  <a:schemeClr val="bg1"/>
+                </a:solidFill>
+              </a:rPr>
+              <a:t>&gt;a</a:t>
+            </a:r>
+            <a:endParaRPr lang="ko-KR" altLang="en-US" dirty="0">
+              <a:solidFill>
+                <a:schemeClr val="bg1"/>
+              </a:solidFill>
+            </a:endParaRPr>
+          </a:p>
+        </p:txBody>
+      </p:sp>
+      <p:sp>
+        <p:nvSpPr>
+          <p:cNvPr id="39" name="TextBox 38">
+            <a:extLst>
+              <a:ext uri="{FF2B5EF4-FFF2-40B4-BE49-F238E27FC236}">
+                <a16:creationId xmlns:a16="http://schemas.microsoft.com/office/drawing/2014/main" id="{374E6A7F-8474-4B35-8675-25B325B86A62}"/>
+              </a:ext>
+            </a:extLst>
+          </p:cNvPr>
+          <p:cNvSpPr txBox="1"/>
+          <p:nvPr/>
+        </p:nvSpPr>
+        <p:spPr>
+          <a:xfrm>
+            <a:off x="5596996" y="6513504"/>
+            <a:ext cx="533470" cy="369332"/>
+          </a:xfrm>
+          <a:prstGeom prst="rect">
+            <a:avLst/>
+          </a:prstGeom>
+          <a:solidFill>
+            <a:schemeClr val="accent1">
+              <a:lumMod val="75000"/>
+            </a:schemeClr>
+          </a:solidFill>
+          <a:ln>
+            <a:solidFill>
+              <a:schemeClr val="accent4"/>
+            </a:solidFill>
+          </a:ln>
+        </p:spPr>
+        <p:txBody>
+          <a:bodyPr wrap="square" rtlCol="0">
+            <a:spAutoFit/>
+          </a:bodyPr>
+          <a:lstStyle/>
+          <a:p>
+            <a:r>
+              <a:rPr lang="en-US" altLang="ko-KR" dirty="0">
+                <a:solidFill>
+                  <a:schemeClr val="bg1"/>
+                </a:solidFill>
+              </a:rPr>
+              <a:t>OR</a:t>
+            </a:r>
+            <a:endParaRPr lang="ko-KR" altLang="en-US" dirty="0">
+              <a:solidFill>
+                <a:schemeClr val="bg1"/>
+              </a:solidFill>
+            </a:endParaRPr>
+          </a:p>
+        </p:txBody>
+      </p:sp>
+      <p:sp>
+        <p:nvSpPr>
+          <p:cNvPr id="40" name="TextBox 39">
+            <a:extLst>
+              <a:ext uri="{FF2B5EF4-FFF2-40B4-BE49-F238E27FC236}">
+                <a16:creationId xmlns:a16="http://schemas.microsoft.com/office/drawing/2014/main" id="{C20C842D-63EB-4856-8472-241C6AB25A3B}"/>
+              </a:ext>
+            </a:extLst>
+          </p:cNvPr>
+          <p:cNvSpPr txBox="1"/>
+          <p:nvPr/>
+        </p:nvSpPr>
+        <p:spPr>
+          <a:xfrm>
+            <a:off x="5523942" y="7623987"/>
+            <a:ext cx="533470" cy="369332"/>
+          </a:xfrm>
+          <a:prstGeom prst="rect">
+            <a:avLst/>
+          </a:prstGeom>
+          <a:solidFill>
+            <a:schemeClr val="accent1">
+              <a:lumMod val="75000"/>
+            </a:schemeClr>
+          </a:solidFill>
+          <a:ln>
+            <a:solidFill>
+              <a:schemeClr val="accent4"/>
+            </a:solidFill>
+          </a:ln>
+        </p:spPr>
+        <p:txBody>
+          <a:bodyPr wrap="square" rtlCol="0">
+            <a:spAutoFit/>
+          </a:bodyPr>
+          <a:lstStyle/>
+          <a:p>
+            <a:r>
+              <a:rPr lang="en-US" altLang="ko-KR" dirty="0">
+                <a:solidFill>
+                  <a:schemeClr val="bg1"/>
+                </a:solidFill>
+              </a:rPr>
+              <a:t>OR</a:t>
+            </a:r>
+            <a:endParaRPr lang="ko-KR" altLang="en-US" dirty="0">
+              <a:solidFill>
+                <a:schemeClr val="bg1"/>
+              </a:solidFill>
+            </a:endParaRPr>
+          </a:p>
+        </p:txBody>
+      </p:sp>
+      <p:sp>
+        <p:nvSpPr>
+          <p:cNvPr id="41" name="TextBox 40">
+            <a:extLst>
+              <a:ext uri="{FF2B5EF4-FFF2-40B4-BE49-F238E27FC236}">
+                <a16:creationId xmlns:a16="http://schemas.microsoft.com/office/drawing/2014/main" id="{13F63A5F-45D3-4F4A-97C3-1266700B7D18}"/>
+              </a:ext>
+            </a:extLst>
+          </p:cNvPr>
+          <p:cNvSpPr txBox="1"/>
+          <p:nvPr/>
+        </p:nvSpPr>
+        <p:spPr>
+          <a:xfrm>
+            <a:off x="7639414" y="621388"/>
+            <a:ext cx="4289873" cy="369332"/>
+          </a:xfrm>
+          <a:prstGeom prst="rect">
+            <a:avLst/>
+          </a:prstGeom>
+          <a:solidFill>
+            <a:schemeClr val="accent4"/>
+          </a:solidFill>
+          <a:ln>
+            <a:solidFill>
+              <a:schemeClr val="accent4"/>
+            </a:solidFill>
+          </a:ln>
+        </p:spPr>
+        <p:txBody>
+          <a:bodyPr wrap="square" rtlCol="0">
+            <a:spAutoFit/>
+          </a:bodyPr>
+          <a:lstStyle/>
+          <a:p>
+            <a:r>
+              <a:rPr lang="en-US" altLang="ko-KR" dirty="0"/>
+              <a:t>Ul</a:t>
+            </a:r>
+            <a:r>
+              <a:rPr lang="ko-KR" altLang="en-US" dirty="0"/>
+              <a:t> </a:t>
+            </a:r>
+            <a:r>
+              <a:rPr lang="en-US" altLang="ko-KR" dirty="0"/>
+              <a:t>300vw</a:t>
+            </a:r>
+            <a:r>
+              <a:rPr lang="ko-KR" altLang="en-US" dirty="0"/>
+              <a:t> </a:t>
+            </a:r>
+            <a:r>
+              <a:rPr lang="en-US" altLang="ko-KR" dirty="0"/>
+              <a:t>-&gt;</a:t>
+            </a:r>
+            <a:r>
+              <a:rPr lang="ko-KR" altLang="en-US" dirty="0"/>
+              <a:t> </a:t>
+            </a:r>
+            <a:r>
+              <a:rPr lang="ko-KR" altLang="en-US" dirty="0" err="1"/>
+              <a:t>클릭시</a:t>
+            </a:r>
+            <a:r>
+              <a:rPr lang="ko-KR" altLang="en-US" dirty="0"/>
+              <a:t> </a:t>
+            </a:r>
+            <a:r>
+              <a:rPr lang="en-US" altLang="ko-KR" dirty="0"/>
+              <a:t>translate(-100vw)</a:t>
+            </a:r>
+            <a:endParaRPr lang="ko-KR" altLang="en-US" dirty="0"/>
+          </a:p>
+        </p:txBody>
+      </p:sp>
+      <p:sp>
+        <p:nvSpPr>
+          <p:cNvPr id="42" name="TextBox 41">
+            <a:extLst>
+              <a:ext uri="{FF2B5EF4-FFF2-40B4-BE49-F238E27FC236}">
+                <a16:creationId xmlns:a16="http://schemas.microsoft.com/office/drawing/2014/main" id="{2EE2E6DE-6628-4B27-902C-D7C49655225A}"/>
+              </a:ext>
+            </a:extLst>
+          </p:cNvPr>
+          <p:cNvSpPr txBox="1"/>
+          <p:nvPr/>
+        </p:nvSpPr>
+        <p:spPr>
+          <a:xfrm>
+            <a:off x="1812170" y="6557900"/>
+            <a:ext cx="2071075" cy="1323439"/>
+          </a:xfrm>
+          <a:prstGeom prst="rect">
+            <a:avLst/>
+          </a:prstGeom>
+          <a:solidFill>
+            <a:schemeClr val="accent1">
+              <a:lumMod val="60000"/>
+              <a:lumOff val="40000"/>
+            </a:schemeClr>
+          </a:solidFill>
+          <a:ln>
+            <a:solidFill>
+              <a:schemeClr val="accent4"/>
+            </a:solidFill>
+          </a:ln>
+        </p:spPr>
+        <p:txBody>
+          <a:bodyPr wrap="square" rtlCol="0">
+            <a:spAutoFit/>
+          </a:bodyPr>
+          <a:lstStyle/>
+          <a:p>
+            <a:r>
+              <a:rPr lang="en-US" altLang="ko-KR" sz="2000" dirty="0">
+                <a:solidFill>
+                  <a:schemeClr val="bg1"/>
+                </a:solidFill>
+              </a:rPr>
+              <a:t>footer</a:t>
+            </a:r>
+            <a:r>
+              <a:rPr lang="ko-KR" altLang="en-US" sz="2000" dirty="0">
+                <a:solidFill>
+                  <a:schemeClr val="bg1"/>
+                </a:solidFill>
+              </a:rPr>
+              <a:t>보다는</a:t>
+            </a:r>
+            <a:endParaRPr lang="en-US" altLang="ko-KR" sz="2000" dirty="0">
+              <a:solidFill>
+                <a:schemeClr val="bg1"/>
+              </a:solidFill>
+            </a:endParaRPr>
+          </a:p>
+          <a:p>
+            <a:r>
+              <a:rPr lang="en-US" altLang="ko-KR" sz="2000" dirty="0">
+                <a:solidFill>
+                  <a:schemeClr val="bg1"/>
+                </a:solidFill>
+              </a:rPr>
+              <a:t>div –controller</a:t>
+            </a:r>
+          </a:p>
+          <a:p>
+            <a:endParaRPr lang="en-US" altLang="ko-KR" sz="2000" dirty="0">
+              <a:solidFill>
+                <a:schemeClr val="bg1"/>
+              </a:solidFill>
+            </a:endParaRPr>
+          </a:p>
+          <a:p>
+            <a:r>
+              <a:rPr lang="en-US" altLang="ko-KR" sz="2000" dirty="0">
+                <a:solidFill>
+                  <a:schemeClr val="bg1"/>
+                </a:solidFill>
+              </a:rPr>
+              <a:t>Radio</a:t>
+            </a:r>
+            <a:r>
+              <a:rPr lang="ko-KR" altLang="en-US" sz="2000" dirty="0">
+                <a:solidFill>
+                  <a:schemeClr val="bg1"/>
+                </a:solidFill>
+              </a:rPr>
+              <a:t>버튼</a:t>
+            </a:r>
+            <a:endParaRPr lang="en-US" altLang="ko-KR" sz="2000" dirty="0">
+              <a:solidFill>
+                <a:schemeClr val="bg1"/>
+              </a:solidFill>
+            </a:endParaRPr>
+          </a:p>
+        </p:txBody>
+      </p:sp>
+      <p:sp>
+        <p:nvSpPr>
+          <p:cNvPr id="43" name="액자 42">
+            <a:extLst>
+              <a:ext uri="{FF2B5EF4-FFF2-40B4-BE49-F238E27FC236}">
+                <a16:creationId xmlns:a16="http://schemas.microsoft.com/office/drawing/2014/main" id="{9C765E2C-8D79-4EE5-869B-97ED3A6B3CC9}"/>
+              </a:ext>
+            </a:extLst>
+          </p:cNvPr>
+          <p:cNvSpPr/>
+          <p:nvPr/>
+        </p:nvSpPr>
+        <p:spPr>
+          <a:xfrm>
+            <a:off x="472439" y="5751781"/>
+            <a:ext cx="4750539" cy="806119"/>
+          </a:xfrm>
+          <a:prstGeom prst="frame">
+            <a:avLst>
+              <a:gd name="adj1" fmla="val 24824"/>
+            </a:avLst>
+          </a:prstGeom>
+          <a:solidFill>
+            <a:schemeClr val="accent5"/>
+          </a:solidFill>
+          <a:ln>
+            <a:noFill/>
+          </a:ln>
+        </p:spPr>
+        <p:style>
+          <a:lnRef idx="2">
+            <a:schemeClr val="accent1">
+              <a:shade val="50000"/>
+            </a:schemeClr>
+          </a:lnRef>
+          <a:fillRef idx="1">
+            <a:schemeClr val="accent1"/>
+          </a:fillRef>
+          <a:effectRef idx="0">
+            <a:schemeClr val="accent1"/>
+          </a:effectRef>
+          <a:fontRef idx="minor">
+            <a:schemeClr val="lt1"/>
+          </a:fontRef>
+        </p:style>
+        <p:txBody>
+          <a:bodyPr rtlCol="0" anchor="ctr"/>
+          <a:lstStyle/>
+          <a:p>
+            <a:pPr algn="ctr"/>
+            <a:endParaRPr lang="ko-KR" altLang="en-US">
+              <a:solidFill>
+                <a:schemeClr val="tx1"/>
+              </a:solidFill>
+            </a:endParaRPr>
+          </a:p>
+        </p:txBody>
+      </p:sp>
+    </p:spTree>
+    <p:extLst>
+      <p:ext uri="{BB962C8B-B14F-4D97-AF65-F5344CB8AC3E}">
+        <p14:creationId xmlns:p14="http://schemas.microsoft.com/office/powerpoint/2010/main" val="3680755067"/>
+      </p:ext>
+    </p:extLst>
+  </p:cSld>
+  <p:clrMapOvr>
+    <a:masterClrMapping/>
+  </p:clrMapOvr>
+</p:sld>
+</file>
+
 <file path=ppt/theme/theme1.xml><?xml version="1.0" encoding="utf-8"?>
 <a:theme xmlns:a="http://schemas.openxmlformats.org/drawingml/2006/main" name="Office 테마">
   <a:themeElements>
